--- a/psrule deep-dive/pssatka-psrule.pptx
+++ b/psrule deep-dive/pssatka-psrule.pptx
@@ -487,7 +487,7 @@
           <a:p>
             <a:fld id="{66B25254-FF3A-4035-A89D-F18DF83EAF60}" type="datetimeFigureOut">
               <a:rPr lang="en-US" smtClean="0"/>
-              <a:t>11/28/2024</a:t>
+              <a:t>11/29/2024</a:t>
             </a:fld>
             <a:endParaRPr lang="en-US"/>
           </a:p>
@@ -685,7 +685,7 @@
           <a:p>
             <a:fld id="{66B25254-FF3A-4035-A89D-F18DF83EAF60}" type="datetimeFigureOut">
               <a:rPr lang="en-US" smtClean="0"/>
-              <a:t>11/28/2024</a:t>
+              <a:t>11/29/2024</a:t>
             </a:fld>
             <a:endParaRPr lang="en-US"/>
           </a:p>
@@ -893,7 +893,7 @@
           <a:p>
             <a:fld id="{66B25254-FF3A-4035-A89D-F18DF83EAF60}" type="datetimeFigureOut">
               <a:rPr lang="en-US" smtClean="0"/>
-              <a:t>11/28/2024</a:t>
+              <a:t>11/29/2024</a:t>
             </a:fld>
             <a:endParaRPr lang="en-US"/>
           </a:p>
@@ -1091,7 +1091,7 @@
           <a:p>
             <a:fld id="{66B25254-FF3A-4035-A89D-F18DF83EAF60}" type="datetimeFigureOut">
               <a:rPr lang="en-US" smtClean="0"/>
-              <a:t>11/28/2024</a:t>
+              <a:t>11/29/2024</a:t>
             </a:fld>
             <a:endParaRPr lang="en-US"/>
           </a:p>
@@ -1366,7 +1366,7 @@
           <a:p>
             <a:fld id="{66B25254-FF3A-4035-A89D-F18DF83EAF60}" type="datetimeFigureOut">
               <a:rPr lang="en-US" smtClean="0"/>
-              <a:t>11/28/2024</a:t>
+              <a:t>11/29/2024</a:t>
             </a:fld>
             <a:endParaRPr lang="en-US"/>
           </a:p>
@@ -1631,7 +1631,7 @@
           <a:p>
             <a:fld id="{66B25254-FF3A-4035-A89D-F18DF83EAF60}" type="datetimeFigureOut">
               <a:rPr lang="en-US" smtClean="0"/>
-              <a:t>11/28/2024</a:t>
+              <a:t>11/29/2024</a:t>
             </a:fld>
             <a:endParaRPr lang="en-US"/>
           </a:p>
@@ -2043,7 +2043,7 @@
           <a:p>
             <a:fld id="{66B25254-FF3A-4035-A89D-F18DF83EAF60}" type="datetimeFigureOut">
               <a:rPr lang="en-US" smtClean="0"/>
-              <a:t>11/28/2024</a:t>
+              <a:t>11/29/2024</a:t>
             </a:fld>
             <a:endParaRPr lang="en-US"/>
           </a:p>
@@ -2184,7 +2184,7 @@
           <a:p>
             <a:fld id="{66B25254-FF3A-4035-A89D-F18DF83EAF60}" type="datetimeFigureOut">
               <a:rPr lang="en-US" smtClean="0"/>
-              <a:t>11/28/2024</a:t>
+              <a:t>11/29/2024</a:t>
             </a:fld>
             <a:endParaRPr lang="en-US"/>
           </a:p>
@@ -2297,7 +2297,7 @@
           <a:p>
             <a:fld id="{66B25254-FF3A-4035-A89D-F18DF83EAF60}" type="datetimeFigureOut">
               <a:rPr lang="en-US" smtClean="0"/>
-              <a:t>11/28/2024</a:t>
+              <a:t>11/29/2024</a:t>
             </a:fld>
             <a:endParaRPr lang="en-US"/>
           </a:p>
@@ -2608,7 +2608,7 @@
           <a:p>
             <a:fld id="{66B25254-FF3A-4035-A89D-F18DF83EAF60}" type="datetimeFigureOut">
               <a:rPr lang="en-US" smtClean="0"/>
-              <a:t>11/28/2024</a:t>
+              <a:t>11/29/2024</a:t>
             </a:fld>
             <a:endParaRPr lang="en-US"/>
           </a:p>
@@ -2896,7 +2896,7 @@
           <a:p>
             <a:fld id="{66B25254-FF3A-4035-A89D-F18DF83EAF60}" type="datetimeFigureOut">
               <a:rPr lang="en-US" smtClean="0"/>
-              <a:t>11/28/2024</a:t>
+              <a:t>11/29/2024</a:t>
             </a:fld>
             <a:endParaRPr lang="en-US"/>
           </a:p>
@@ -3140,7 +3140,7 @@
           <a:p>
             <a:fld id="{66B25254-FF3A-4035-A89D-F18DF83EAF60}" type="datetimeFigureOut">
               <a:rPr lang="en-US" smtClean="0"/>
-              <a:t>11/28/2024</a:t>
+              <a:t>11/29/2024</a:t>
             </a:fld>
             <a:endParaRPr lang="en-US"/>
           </a:p>
@@ -7353,7 +7353,26 @@
                 <a:ea typeface="CaskaydiaCove NF" panose="02000009000000000000" pitchFamily="50" charset="0"/>
                 <a:cs typeface="CaskaydiaCove NF" panose="02000009000000000000" pitchFamily="50" charset="0"/>
               </a:rPr>
-              <a:t>Develop custom rules [with demo]</a:t>
+              <a:t>Develop custom rules [</a:t>
+            </a:r>
+            <a:r>
+              <a:rPr lang="en-US" dirty="0">
+                <a:solidFill>
+                  <a:srgbClr val="C00000"/>
+                </a:solidFill>
+                <a:latin typeface="CaskaydiaCove NF" panose="02000009000000000000" pitchFamily="50" charset="0"/>
+                <a:ea typeface="CaskaydiaCove NF" panose="02000009000000000000" pitchFamily="50" charset="0"/>
+                <a:cs typeface="CaskaydiaCove NF" panose="02000009000000000000" pitchFamily="50" charset="0"/>
+              </a:rPr>
+              <a:t>with demo</a:t>
+            </a:r>
+            <a:r>
+              <a:rPr lang="en-US" dirty="0">
+                <a:latin typeface="CaskaydiaCove NF" panose="02000009000000000000" pitchFamily="50" charset="0"/>
+                <a:ea typeface="CaskaydiaCove NF" panose="02000009000000000000" pitchFamily="50" charset="0"/>
+                <a:cs typeface="CaskaydiaCove NF" panose="02000009000000000000" pitchFamily="50" charset="0"/>
+              </a:rPr>
+              <a:t>]</a:t>
             </a:r>
           </a:p>
           <a:p>
@@ -7371,17 +7390,55 @@
                 <a:ea typeface="CaskaydiaCove NF" panose="02000009000000000000" pitchFamily="50" charset="0"/>
                 <a:cs typeface="CaskaydiaCove NF" panose="02000009000000000000" pitchFamily="50" charset="0"/>
               </a:rPr>
-              <a:t> pipeline [with demo]</a:t>
-            </a:r>
-          </a:p>
-          <a:p>
+              <a:t> pipeline [</a:t>
+            </a:r>
+            <a:r>
+              <a:rPr lang="en-US" dirty="0">
+                <a:solidFill>
+                  <a:srgbClr val="C00000"/>
+                </a:solidFill>
+                <a:latin typeface="CaskaydiaCove NF" panose="02000009000000000000" pitchFamily="50" charset="0"/>
+                <a:ea typeface="CaskaydiaCove NF" panose="02000009000000000000" pitchFamily="50" charset="0"/>
+                <a:cs typeface="CaskaydiaCove NF" panose="02000009000000000000" pitchFamily="50" charset="0"/>
+              </a:rPr>
+              <a:t>with demo</a:t>
+            </a:r>
             <a:r>
               <a:rPr lang="en-US" dirty="0">
                 <a:latin typeface="CaskaydiaCove NF" panose="02000009000000000000" pitchFamily="50" charset="0"/>
                 <a:ea typeface="CaskaydiaCove NF" panose="02000009000000000000" pitchFamily="50" charset="0"/>
                 <a:cs typeface="CaskaydiaCove NF" panose="02000009000000000000" pitchFamily="50" charset="0"/>
               </a:rPr>
-              <a:t>Distribute rules [with demo]</a:t>
+              <a:t>]</a:t>
+            </a:r>
+          </a:p>
+          <a:p>
+            <a:r>
+              <a:rPr lang="en-US" dirty="0">
+                <a:latin typeface="CaskaydiaCove NF" panose="02000009000000000000" pitchFamily="50" charset="0"/>
+                <a:ea typeface="CaskaydiaCove NF" panose="02000009000000000000" pitchFamily="50" charset="0"/>
+                <a:cs typeface="CaskaydiaCove NF" panose="02000009000000000000" pitchFamily="50" charset="0"/>
+              </a:rPr>
+              <a:t>Distribute rules [</a:t>
+            </a:r>
+            <a:r>
+              <a:rPr lang="en-US" dirty="0">
+                <a:solidFill>
+                  <a:srgbClr val="C00000"/>
+                </a:solidFill>
+                <a:latin typeface="CaskaydiaCove NF" panose="02000009000000000000" pitchFamily="50" charset="0"/>
+                <a:ea typeface="CaskaydiaCove NF" panose="02000009000000000000" pitchFamily="50" charset="0"/>
+                <a:cs typeface="CaskaydiaCove NF" panose="02000009000000000000" pitchFamily="50" charset="0"/>
+              </a:rPr>
+              <a:t>with demo</a:t>
+            </a:r>
+            <a:r>
+              <a:rPr lang="en-US" dirty="0">
+                <a:latin typeface="CaskaydiaCove NF" panose="02000009000000000000" pitchFamily="50" charset="0"/>
+                <a:ea typeface="CaskaydiaCove NF" panose="02000009000000000000" pitchFamily="50" charset="0"/>
+                <a:cs typeface="CaskaydiaCove NF" panose="02000009000000000000" pitchFamily="50" charset="0"/>
+              </a:rPr>
+              <a:t>]</a:t>
             </a:r>
           </a:p>
           <a:p>
@@ -7981,7 +8038,12 @@
             <p:ph type="title"/>
           </p:nvPr>
         </p:nvSpPr>
-        <p:spPr/>
+        <p:spPr>
+          <a:xfrm rot="16200000">
+            <a:off x="-1540966" y="1586638"/>
+            <a:ext cx="4498839" cy="1325563"/>
+          </a:xfrm>
+        </p:spPr>
         <p:txBody>
           <a:bodyPr/>
           <a:lstStyle/>
@@ -8005,235 +8067,61 @@
           </a:p>
         </p:txBody>
       </p:sp>
-      <p:cxnSp>
-        <p:nvCxnSpPr>
-          <p:cNvPr id="10" name="Straight Connector 9">
-            <a:extLst>
-              <a:ext uri="{FF2B5EF4-FFF2-40B4-BE49-F238E27FC236}">
-                <a16:creationId xmlns:a16="http://schemas.microsoft.com/office/drawing/2014/main" id="{E9429B02-6DC2-E28F-BD26-3B98B432D95B}"/>
-              </a:ext>
-            </a:extLst>
-          </p:cNvPr>
-          <p:cNvCxnSpPr/>
+      <p:sp>
+        <p:nvSpPr>
+          <p:cNvPr id="14" name="Rectangle: Rounded Corners 13">
+            <a:extLst>
+              <a:ext uri="{FF2B5EF4-FFF2-40B4-BE49-F238E27FC236}">
+                <a16:creationId xmlns:a16="http://schemas.microsoft.com/office/drawing/2014/main" id="{8CA2A4AA-B364-06E8-E94B-A40D59897EF2}"/>
+              </a:ext>
+            </a:extLst>
+          </p:cNvPr>
+          <p:cNvSpPr/>
           <p:nvPr/>
-        </p:nvCxnSpPr>
+        </p:nvSpPr>
         <p:spPr>
           <a:xfrm>
-            <a:off x="6096000" y="794657"/>
-            <a:ext cx="0" cy="5486400"/>
-          </a:xfrm>
-          <a:prstGeom prst="line">
+            <a:off x="6096000" y="4293738"/>
+            <a:ext cx="4390543" cy="2398892"/>
+          </a:xfrm>
+          <a:prstGeom prst="roundRect">
             <a:avLst/>
           </a:prstGeom>
         </p:spPr>
         <p:style>
           <a:lnRef idx="2">
-            <a:schemeClr val="accent1"/>
+            <a:schemeClr val="accent2"/>
           </a:lnRef>
-          <a:fillRef idx="0">
-            <a:schemeClr val="accent1"/>
+          <a:fillRef idx="1">
+            <a:schemeClr val="lt1"/>
           </a:fillRef>
-          <a:effectRef idx="1">
-            <a:schemeClr val="accent1"/>
+          <a:effectRef idx="0">
+            <a:schemeClr val="accent2"/>
           </a:effectRef>
           <a:fontRef idx="minor">
-            <a:schemeClr val="tx1"/>
+            <a:schemeClr val="dk1"/>
           </a:fontRef>
         </p:style>
-      </p:cxnSp>
-      <p:cxnSp>
-        <p:nvCxnSpPr>
-          <p:cNvPr id="11" name="Straight Connector 10">
-            <a:extLst>
-              <a:ext uri="{FF2B5EF4-FFF2-40B4-BE49-F238E27FC236}">
-                <a16:creationId xmlns:a16="http://schemas.microsoft.com/office/drawing/2014/main" id="{9CF851C5-3F66-DAAF-3262-16D1E6CF6DF3}"/>
-              </a:ext>
-            </a:extLst>
-          </p:cNvPr>
-          <p:cNvCxnSpPr>
-            <a:cxnSpLocks/>
-          </p:cNvCxnSpPr>
-          <p:nvPr/>
-        </p:nvCxnSpPr>
-        <p:spPr>
-          <a:xfrm>
-            <a:off x="1099457" y="3429000"/>
-            <a:ext cx="9786257" cy="0"/>
-          </a:xfrm>
-          <a:prstGeom prst="line">
-            <a:avLst/>
-          </a:prstGeom>
-        </p:spPr>
-        <p:style>
-          <a:lnRef idx="2">
-            <a:schemeClr val="accent1"/>
-          </a:lnRef>
-          <a:fillRef idx="0">
-            <a:schemeClr val="accent1"/>
-          </a:fillRef>
-          <a:effectRef idx="1">
-            <a:schemeClr val="accent1"/>
-          </a:effectRef>
-          <a:fontRef idx="minor">
-            <a:schemeClr val="tx1"/>
-          </a:fontRef>
-        </p:style>
-      </p:cxnSp>
-      <p:sp>
-        <p:nvSpPr>
-          <p:cNvPr id="16" name="TextBox 15">
-            <a:extLst>
-              <a:ext uri="{FF2B5EF4-FFF2-40B4-BE49-F238E27FC236}">
-                <a16:creationId xmlns:a16="http://schemas.microsoft.com/office/drawing/2014/main" id="{004C15B2-FC4B-45FD-AB98-81A78D4797D1}"/>
-              </a:ext>
-            </a:extLst>
-          </p:cNvPr>
-          <p:cNvSpPr txBox="1"/>
-          <p:nvPr/>
-        </p:nvSpPr>
-        <p:spPr>
-          <a:xfrm>
-            <a:off x="6096000" y="2943522"/>
-            <a:ext cx="3806620" cy="461665"/>
-          </a:xfrm>
-          <a:prstGeom prst="rect">
-            <a:avLst/>
-          </a:prstGeom>
-          <a:noFill/>
-        </p:spPr>
-        <p:txBody>
-          <a:bodyPr wrap="none" rtlCol="0">
-            <a:spAutoFit/>
-          </a:bodyPr>
+        <p:txBody>
+          <a:bodyPr rtlCol="0" anchor="ctr"/>
           <a:lstStyle/>
           <a:p>
-            <a:r>
-              <a:rPr lang="en-US" sz="2400" dirty="0"/>
-              <a:t>Asses bicep/arm templates</a:t>
-            </a:r>
-            <a:endParaRPr lang="bg-BG" sz="2400" dirty="0"/>
-          </a:p>
-        </p:txBody>
-      </p:sp>
-      <p:sp>
-        <p:nvSpPr>
-          <p:cNvPr id="17" name="TextBox 16">
-            <a:extLst>
-              <a:ext uri="{FF2B5EF4-FFF2-40B4-BE49-F238E27FC236}">
-                <a16:creationId xmlns:a16="http://schemas.microsoft.com/office/drawing/2014/main" id="{A08C5A87-A19B-5DD4-4DBA-572117325293}"/>
-              </a:ext>
-            </a:extLst>
-          </p:cNvPr>
-          <p:cNvSpPr txBox="1"/>
-          <p:nvPr/>
-        </p:nvSpPr>
-        <p:spPr>
-          <a:xfrm>
-            <a:off x="2938209" y="2955428"/>
-            <a:ext cx="3156185" cy="461665"/>
-          </a:xfrm>
-          <a:prstGeom prst="rect">
-            <a:avLst/>
-          </a:prstGeom>
-          <a:noFill/>
-        </p:spPr>
-        <p:txBody>
-          <a:bodyPr wrap="none" rtlCol="0">
-            <a:spAutoFit/>
-          </a:bodyPr>
-          <a:lstStyle/>
-          <a:p>
-            <a:r>
-              <a:rPr lang="en-US" sz="2400" dirty="0"/>
-              <a:t>Asses azure resources</a:t>
-            </a:r>
-            <a:endParaRPr lang="bg-BG" sz="2400" dirty="0"/>
-          </a:p>
-        </p:txBody>
-      </p:sp>
-      <p:sp>
-        <p:nvSpPr>
-          <p:cNvPr id="18" name="TextBox 17">
-            <a:extLst>
-              <a:ext uri="{FF2B5EF4-FFF2-40B4-BE49-F238E27FC236}">
-                <a16:creationId xmlns:a16="http://schemas.microsoft.com/office/drawing/2014/main" id="{790CADDD-8813-EFCE-8893-A183E38B5C34}"/>
-              </a:ext>
-            </a:extLst>
-          </p:cNvPr>
-          <p:cNvSpPr txBox="1"/>
-          <p:nvPr/>
-        </p:nvSpPr>
-        <p:spPr>
-          <a:xfrm>
-            <a:off x="3951962" y="3440906"/>
-            <a:ext cx="2079928" cy="461665"/>
-          </a:xfrm>
-          <a:prstGeom prst="rect">
-            <a:avLst/>
-          </a:prstGeom>
-          <a:noFill/>
-        </p:spPr>
-        <p:txBody>
-          <a:bodyPr wrap="none" rtlCol="0">
-            <a:spAutoFit/>
-          </a:bodyPr>
-          <a:lstStyle/>
-          <a:p>
-            <a:r>
-              <a:rPr lang="en-US" sz="2400" dirty="0"/>
-              <a:t>Policy as code</a:t>
-            </a:r>
-            <a:endParaRPr lang="bg-BG" sz="2400" dirty="0"/>
-          </a:p>
-        </p:txBody>
-      </p:sp>
-      <p:sp>
-        <p:nvSpPr>
-          <p:cNvPr id="19" name="TextBox 18">
-            <a:extLst>
-              <a:ext uri="{FF2B5EF4-FFF2-40B4-BE49-F238E27FC236}">
-                <a16:creationId xmlns:a16="http://schemas.microsoft.com/office/drawing/2014/main" id="{5DEFA17F-DEBA-D434-DEA1-982A71158CAF}"/>
-              </a:ext>
-            </a:extLst>
-          </p:cNvPr>
-          <p:cNvSpPr txBox="1"/>
-          <p:nvPr/>
-        </p:nvSpPr>
-        <p:spPr>
-          <a:xfrm>
-            <a:off x="6094394" y="3462826"/>
-            <a:ext cx="3668120" cy="461665"/>
-          </a:xfrm>
-          <a:prstGeom prst="rect">
-            <a:avLst/>
-          </a:prstGeom>
-          <a:noFill/>
-        </p:spPr>
-        <p:txBody>
-          <a:bodyPr wrap="none" rtlCol="0">
-            <a:spAutoFit/>
-          </a:bodyPr>
-          <a:lstStyle/>
-          <a:p>
-            <a:r>
-              <a:rPr lang="en-US" sz="2400" dirty="0"/>
-              <a:t>Others using custom rules</a:t>
-            </a:r>
-            <a:endParaRPr lang="bg-BG" sz="2400" dirty="0"/>
+            <a:pPr algn="ctr"/>
+            <a:endParaRPr lang="bg-BG"/>
           </a:p>
         </p:txBody>
       </p:sp>
       <p:pic>
         <p:nvPicPr>
-          <p:cNvPr id="2056" name="Picture 8">
-            <a:extLst>
-              <a:ext uri="{FF2B5EF4-FFF2-40B4-BE49-F238E27FC236}">
-                <a16:creationId xmlns:a16="http://schemas.microsoft.com/office/drawing/2014/main" id="{CA3881CB-C16A-DC3F-BB74-5879C06ED62D}"/>
+          <p:cNvPr id="22" name="Picture 21" descr="A screenshot of a computer&#10;&#10;Description automatically generated">
+            <a:extLst>
+              <a:ext uri="{FF2B5EF4-FFF2-40B4-BE49-F238E27FC236}">
+                <a16:creationId xmlns:a16="http://schemas.microsoft.com/office/drawing/2014/main" id="{925E457A-C871-5163-FB02-0D370A8B71CD}"/>
               </a:ext>
             </a:extLst>
           </p:cNvPr>
           <p:cNvPicPr>
-            <a:picLocks noChangeAspect="1" noChangeArrowheads="1"/>
+            <a:picLocks noChangeAspect="1"/>
           </p:cNvPicPr>
           <p:nvPr/>
         </p:nvPicPr>
@@ -8245,76 +8133,18 @@
               </a:ext>
             </a:extLst>
           </a:blip>
-          <a:srcRect/>
           <a:stretch>
             <a:fillRect/>
           </a:stretch>
         </p:blipFill>
-        <p:spPr bwMode="auto">
+        <p:spPr>
           <a:xfrm>
-            <a:off x="3189962" y="4760877"/>
-            <a:ext cx="1524000" cy="666750"/>
+            <a:off x="1705457" y="10628"/>
+            <a:ext cx="8593358" cy="6858000"/>
           </a:xfrm>
           <a:prstGeom prst="rect">
             <a:avLst/>
           </a:prstGeom>
-          <a:noFill/>
-          <a:extLst>
-            <a:ext uri="{909E8E84-426E-40DD-AFC4-6F175D3DCCD1}">
-              <a14:hiddenFill xmlns:a14="http://schemas.microsoft.com/office/drawing/2010/main">
-                <a:solidFill>
-                  <a:srgbClr val="FFFFFF"/>
-                </a:solidFill>
-              </a14:hiddenFill>
-            </a:ext>
-          </a:extLst>
-        </p:spPr>
-      </p:pic>
-      <p:pic>
-        <p:nvPicPr>
-          <p:cNvPr id="2058" name="Picture 10">
-            <a:extLst>
-              <a:ext uri="{FF2B5EF4-FFF2-40B4-BE49-F238E27FC236}">
-                <a16:creationId xmlns:a16="http://schemas.microsoft.com/office/drawing/2014/main" id="{DDD211FA-6F0A-F18C-9E58-71BA23D6AF53}"/>
-              </a:ext>
-            </a:extLst>
-          </p:cNvPr>
-          <p:cNvPicPr>
-            <a:picLocks noChangeAspect="1" noChangeArrowheads="1"/>
-          </p:cNvPicPr>
-          <p:nvPr/>
-        </p:nvPicPr>
-        <p:blipFill>
-          <a:blip r:embed="rId6">
-            <a:extLst>
-              <a:ext uri="{28A0092B-C50C-407E-A947-70E740481C1C}">
-                <a14:useLocalDpi xmlns:a14="http://schemas.microsoft.com/office/drawing/2010/main" val="0"/>
-              </a:ext>
-            </a:extLst>
-          </a:blip>
-          <a:srcRect/>
-          <a:stretch>
-            <a:fillRect/>
-          </a:stretch>
-        </p:blipFill>
-        <p:spPr bwMode="auto">
-          <a:xfrm>
-            <a:off x="1306287" y="3940629"/>
-            <a:ext cx="1438275" cy="914400"/>
-          </a:xfrm>
-          <a:prstGeom prst="rect">
-            <a:avLst/>
-          </a:prstGeom>
-          <a:noFill/>
-          <a:extLst>
-            <a:ext uri="{909E8E84-426E-40DD-AFC4-6F175D3DCCD1}">
-              <a14:hiddenFill xmlns:a14="http://schemas.microsoft.com/office/drawing/2010/main">
-                <a:solidFill>
-                  <a:srgbClr val="FFFFFF"/>
-                </a:solidFill>
-              </a14:hiddenFill>
-            </a:ext>
-          </a:extLst>
         </p:spPr>
       </p:pic>
     </p:spTree>
@@ -8327,6 +8157,92 @@
   <p:clrMapOvr>
     <a:masterClrMapping/>
   </p:clrMapOvr>
+  <p:timing>
+    <p:tnLst>
+      <p:par>
+        <p:cTn id="1" dur="indefinite" restart="never" nodeType="tmRoot">
+          <p:childTnLst>
+            <p:seq concurrent="1" nextAc="seek">
+              <p:cTn id="2" dur="indefinite" nodeType="mainSeq">
+                <p:childTnLst>
+                  <p:par>
+                    <p:cTn id="3" fill="hold">
+                      <p:stCondLst>
+                        <p:cond delay="indefinite"/>
+                      </p:stCondLst>
+                      <p:childTnLst>
+                        <p:par>
+                          <p:cTn id="4" fill="hold">
+                            <p:stCondLst>
+                              <p:cond delay="0"/>
+                            </p:stCondLst>
+                            <p:childTnLst>
+                              <p:par>
+                                <p:cTn id="5" presetID="10" presetClass="entr" presetSubtype="0" fill="hold" grpId="0" nodeType="clickEffect">
+                                  <p:stCondLst>
+                                    <p:cond delay="0"/>
+                                  </p:stCondLst>
+                                  <p:childTnLst>
+                                    <p:set>
+                                      <p:cBhvr>
+                                        <p:cTn id="6" dur="1" fill="hold">
+                                          <p:stCondLst>
+                                            <p:cond delay="0"/>
+                                          </p:stCondLst>
+                                        </p:cTn>
+                                        <p:tgtEl>
+                                          <p:spTgt spid="14"/>
+                                        </p:tgtEl>
+                                        <p:attrNameLst>
+                                          <p:attrName>style.visibility</p:attrName>
+                                        </p:attrNameLst>
+                                      </p:cBhvr>
+                                      <p:to>
+                                        <p:strVal val="visible"/>
+                                      </p:to>
+                                    </p:set>
+                                    <p:animEffect transition="in" filter="fade">
+                                      <p:cBhvr>
+                                        <p:cTn id="7" dur="500"/>
+                                        <p:tgtEl>
+                                          <p:spTgt spid="14"/>
+                                        </p:tgtEl>
+                                      </p:cBhvr>
+                                    </p:animEffect>
+                                  </p:childTnLst>
+                                </p:cTn>
+                              </p:par>
+                            </p:childTnLst>
+                          </p:cTn>
+                        </p:par>
+                      </p:childTnLst>
+                    </p:cTn>
+                  </p:par>
+                </p:childTnLst>
+              </p:cTn>
+              <p:prevCondLst>
+                <p:cond evt="onPrev" delay="0">
+                  <p:tgtEl>
+                    <p:sldTgt/>
+                  </p:tgtEl>
+                </p:cond>
+              </p:prevCondLst>
+              <p:nextCondLst>
+                <p:cond evt="onNext" delay="0">
+                  <p:tgtEl>
+                    <p:sldTgt/>
+                  </p:tgtEl>
+                </p:cond>
+              </p:nextCondLst>
+            </p:seq>
+          </p:childTnLst>
+        </p:cTn>
+      </p:par>
+    </p:tnLst>
+    <p:bldLst>
+      <p:bldP spid="14" grpId="0" animBg="1"/>
+    </p:bldLst>
+  </p:timing>
 </p:sld>
 </file>
 

--- a/psrule deep-dive/pssatka-psrule.pptx
+++ b/psrule deep-dive/pssatka-psrule.pptx
@@ -15,10 +15,10 @@
     <p:sldId id="271" r:id="rId9"/>
     <p:sldId id="275" r:id="rId10"/>
     <p:sldId id="276" r:id="rId11"/>
-    <p:sldId id="272" r:id="rId12"/>
-    <p:sldId id="273" r:id="rId13"/>
-    <p:sldId id="274" r:id="rId14"/>
-    <p:sldId id="262" r:id="rId15"/>
+    <p:sldId id="273" r:id="rId12"/>
+    <p:sldId id="272" r:id="rId13"/>
+    <p:sldId id="277" r:id="rId14"/>
+    <p:sldId id="278" r:id="rId15"/>
     <p:sldId id="266" r:id="rId16"/>
     <p:sldId id="265" r:id="rId17"/>
   </p:sldIdLst>
@@ -138,10 +138,10 @@
             <p14:sldId id="271"/>
             <p14:sldId id="275"/>
             <p14:sldId id="276"/>
+            <p14:sldId id="273"/>
             <p14:sldId id="272"/>
-            <p14:sldId id="273"/>
-            <p14:sldId id="274"/>
-            <p14:sldId id="262"/>
+            <p14:sldId id="277"/>
+            <p14:sldId id="278"/>
           </p14:sldIdLst>
         </p14:section>
         <p14:section name="Do not change" id="{046E695D-450C-4147-A64D-231470798B88}">
@@ -487,7 +487,7 @@
           <a:p>
             <a:fld id="{66B25254-FF3A-4035-A89D-F18DF83EAF60}" type="datetimeFigureOut">
               <a:rPr lang="en-US" smtClean="0"/>
-              <a:t>11/29/2024</a:t>
+              <a:t>11/30/2024</a:t>
             </a:fld>
             <a:endParaRPr lang="en-US"/>
           </a:p>
@@ -685,7 +685,7 @@
           <a:p>
             <a:fld id="{66B25254-FF3A-4035-A89D-F18DF83EAF60}" type="datetimeFigureOut">
               <a:rPr lang="en-US" smtClean="0"/>
-              <a:t>11/29/2024</a:t>
+              <a:t>11/30/2024</a:t>
             </a:fld>
             <a:endParaRPr lang="en-US"/>
           </a:p>
@@ -893,7 +893,7 @@
           <a:p>
             <a:fld id="{66B25254-FF3A-4035-A89D-F18DF83EAF60}" type="datetimeFigureOut">
               <a:rPr lang="en-US" smtClean="0"/>
-              <a:t>11/29/2024</a:t>
+              <a:t>11/30/2024</a:t>
             </a:fld>
             <a:endParaRPr lang="en-US"/>
           </a:p>
@@ -1091,7 +1091,7 @@
           <a:p>
             <a:fld id="{66B25254-FF3A-4035-A89D-F18DF83EAF60}" type="datetimeFigureOut">
               <a:rPr lang="en-US" smtClean="0"/>
-              <a:t>11/29/2024</a:t>
+              <a:t>11/30/2024</a:t>
             </a:fld>
             <a:endParaRPr lang="en-US"/>
           </a:p>
@@ -1366,7 +1366,7 @@
           <a:p>
             <a:fld id="{66B25254-FF3A-4035-A89D-F18DF83EAF60}" type="datetimeFigureOut">
               <a:rPr lang="en-US" smtClean="0"/>
-              <a:t>11/29/2024</a:t>
+              <a:t>11/30/2024</a:t>
             </a:fld>
             <a:endParaRPr lang="en-US"/>
           </a:p>
@@ -1631,7 +1631,7 @@
           <a:p>
             <a:fld id="{66B25254-FF3A-4035-A89D-F18DF83EAF60}" type="datetimeFigureOut">
               <a:rPr lang="en-US" smtClean="0"/>
-              <a:t>11/29/2024</a:t>
+              <a:t>11/30/2024</a:t>
             </a:fld>
             <a:endParaRPr lang="en-US"/>
           </a:p>
@@ -2043,7 +2043,7 @@
           <a:p>
             <a:fld id="{66B25254-FF3A-4035-A89D-F18DF83EAF60}" type="datetimeFigureOut">
               <a:rPr lang="en-US" smtClean="0"/>
-              <a:t>11/29/2024</a:t>
+              <a:t>11/30/2024</a:t>
             </a:fld>
             <a:endParaRPr lang="en-US"/>
           </a:p>
@@ -2184,7 +2184,7 @@
           <a:p>
             <a:fld id="{66B25254-FF3A-4035-A89D-F18DF83EAF60}" type="datetimeFigureOut">
               <a:rPr lang="en-US" smtClean="0"/>
-              <a:t>11/29/2024</a:t>
+              <a:t>11/30/2024</a:t>
             </a:fld>
             <a:endParaRPr lang="en-US"/>
           </a:p>
@@ -2297,7 +2297,7 @@
           <a:p>
             <a:fld id="{66B25254-FF3A-4035-A89D-F18DF83EAF60}" type="datetimeFigureOut">
               <a:rPr lang="en-US" smtClean="0"/>
-              <a:t>11/29/2024</a:t>
+              <a:t>11/30/2024</a:t>
             </a:fld>
             <a:endParaRPr lang="en-US"/>
           </a:p>
@@ -2608,7 +2608,7 @@
           <a:p>
             <a:fld id="{66B25254-FF3A-4035-A89D-F18DF83EAF60}" type="datetimeFigureOut">
               <a:rPr lang="en-US" smtClean="0"/>
-              <a:t>11/29/2024</a:t>
+              <a:t>11/30/2024</a:t>
             </a:fld>
             <a:endParaRPr lang="en-US"/>
           </a:p>
@@ -2896,7 +2896,7 @@
           <a:p>
             <a:fld id="{66B25254-FF3A-4035-A89D-F18DF83EAF60}" type="datetimeFigureOut">
               <a:rPr lang="en-US" smtClean="0"/>
-              <a:t>11/29/2024</a:t>
+              <a:t>11/30/2024</a:t>
             </a:fld>
             <a:endParaRPr lang="en-US"/>
           </a:p>
@@ -3140,7 +3140,7 @@
           <a:p>
             <a:fld id="{66B25254-FF3A-4035-A89D-F18DF83EAF60}" type="datetimeFigureOut">
               <a:rPr lang="en-US" smtClean="0"/>
-              <a:t>11/29/2024</a:t>
+              <a:t>11/30/2024</a:t>
             </a:fld>
             <a:endParaRPr lang="en-US"/>
           </a:p>
@@ -4186,7 +4186,23 @@
                 <a:ea typeface="CaskaydiaCove NF" panose="02000009000000000000" pitchFamily="50" charset="0"/>
                 <a:cs typeface="CaskaydiaCove NF" panose="02000009000000000000" pitchFamily="50" charset="0"/>
               </a:rPr>
-              <a:t>DEMO – Distribute rules</a:t>
+              <a:t>DEMO – </a:t>
+            </a:r>
+            <a:r>
+              <a:rPr lang="en-US" sz="5900" dirty="0" err="1">
+                <a:latin typeface="CaskaydiaCove NF" panose="02000009000000000000" pitchFamily="50" charset="0"/>
+                <a:ea typeface="CaskaydiaCove NF" panose="02000009000000000000" pitchFamily="50" charset="0"/>
+                <a:cs typeface="CaskaydiaCove NF" panose="02000009000000000000" pitchFamily="50" charset="0"/>
+              </a:rPr>
+              <a:t>PSRule</a:t>
+            </a:r>
+            <a:r>
+              <a:rPr lang="en-US" sz="5900" dirty="0">
+                <a:latin typeface="CaskaydiaCove NF" panose="02000009000000000000" pitchFamily="50" charset="0"/>
+                <a:ea typeface="CaskaydiaCove NF" panose="02000009000000000000" pitchFamily="50" charset="0"/>
+                <a:cs typeface="CaskaydiaCove NF" panose="02000009000000000000" pitchFamily="50" charset="0"/>
+              </a:rPr>
+              <a:t> pipeline</a:t>
             </a:r>
           </a:p>
         </p:txBody>
@@ -4347,7 +4363,7 @@
     </p:spTree>
     <p:extLst>
       <p:ext uri="{BB962C8B-B14F-4D97-AF65-F5344CB8AC3E}">
-        <p14:creationId xmlns:p14="http://schemas.microsoft.com/office/powerpoint/2010/main" val="2899166923"/>
+        <p14:creationId xmlns:p14="http://schemas.microsoft.com/office/powerpoint/2010/main" val="2597450896"/>
       </p:ext>
     </p:extLst>
   </p:cSld>
@@ -4444,23 +4460,7 @@
                 <a:ea typeface="CaskaydiaCove NF" panose="02000009000000000000" pitchFamily="50" charset="0"/>
                 <a:cs typeface="CaskaydiaCove NF" panose="02000009000000000000" pitchFamily="50" charset="0"/>
               </a:rPr>
-              <a:t>DEMO – </a:t>
-            </a:r>
-            <a:r>
-              <a:rPr lang="en-US" sz="5900" dirty="0" err="1">
-                <a:latin typeface="CaskaydiaCove NF" panose="02000009000000000000" pitchFamily="50" charset="0"/>
-                <a:ea typeface="CaskaydiaCove NF" panose="02000009000000000000" pitchFamily="50" charset="0"/>
-                <a:cs typeface="CaskaydiaCove NF" panose="02000009000000000000" pitchFamily="50" charset="0"/>
-              </a:rPr>
-              <a:t>PSRule</a:t>
-            </a:r>
-            <a:r>
-              <a:rPr lang="en-US" sz="5900" dirty="0">
-                <a:latin typeface="CaskaydiaCove NF" panose="02000009000000000000" pitchFamily="50" charset="0"/>
-                <a:ea typeface="CaskaydiaCove NF" panose="02000009000000000000" pitchFamily="50" charset="0"/>
-                <a:cs typeface="CaskaydiaCove NF" panose="02000009000000000000" pitchFamily="50" charset="0"/>
-              </a:rPr>
-              <a:t> pipeline</a:t>
+              <a:t>DEMO – Distribute rules</a:t>
             </a:r>
           </a:p>
         </p:txBody>
@@ -4621,7 +4621,7 @@
     </p:spTree>
     <p:extLst>
       <p:ext uri="{BB962C8B-B14F-4D97-AF65-F5344CB8AC3E}">
-        <p14:creationId xmlns:p14="http://schemas.microsoft.com/office/powerpoint/2010/main" val="2597450896"/>
+        <p14:creationId xmlns:p14="http://schemas.microsoft.com/office/powerpoint/2010/main" val="2899166923"/>
       </p:ext>
     </p:extLst>
   </p:cSld>
@@ -4632,6 +4632,2494 @@
 </file>
 
 <file path=ppt/slides/slide13.xml><?xml version="1.0" encoding="utf-8"?>
+<p:sld xmlns:a="http://schemas.openxmlformats.org/drawingml/2006/main" xmlns:r="http://schemas.openxmlformats.org/officeDocument/2006/relationships" xmlns:p="http://schemas.openxmlformats.org/presentationml/2006/main">
+  <p:cSld>
+    <p:spTree>
+      <p:nvGrpSpPr>
+        <p:cNvPr id="1" name=""/>
+        <p:cNvGrpSpPr/>
+        <p:nvPr/>
+      </p:nvGrpSpPr>
+      <p:grpSpPr>
+        <a:xfrm>
+          <a:off x="0" y="0"/>
+          <a:ext cx="0" cy="0"/>
+          <a:chOff x="0" y="0"/>
+          <a:chExt cx="0" cy="0"/>
+        </a:xfrm>
+      </p:grpSpPr>
+      <p:pic>
+        <p:nvPicPr>
+          <p:cNvPr id="8" name="Picture 7" descr="A blue background with light blue lines&#10;&#10;Description automatically generated">
+            <a:extLst>
+              <a:ext uri="{FF2B5EF4-FFF2-40B4-BE49-F238E27FC236}">
+                <a16:creationId xmlns:a16="http://schemas.microsoft.com/office/drawing/2014/main" id="{089E2708-95F1-6E82-BEF5-FDD50509F797}"/>
+              </a:ext>
+            </a:extLst>
+          </p:cNvPr>
+          <p:cNvPicPr>
+            <a:picLocks noChangeAspect="1"/>
+          </p:cNvPicPr>
+          <p:nvPr/>
+        </p:nvPicPr>
+        <p:blipFill>
+          <a:blip r:embed="rId2">
+            <a:extLst>
+              <a:ext uri="{28A0092B-C50C-407E-A947-70E740481C1C}">
+                <a14:useLocalDpi xmlns:a14="http://schemas.microsoft.com/office/drawing/2010/main" val="0"/>
+              </a:ext>
+            </a:extLst>
+          </a:blip>
+          <a:stretch>
+            <a:fillRect/>
+          </a:stretch>
+        </p:blipFill>
+        <p:spPr>
+          <a:xfrm>
+            <a:off x="0" y="-10"/>
+            <a:ext cx="12192000" cy="6858000"/>
+          </a:xfrm>
+          <a:prstGeom prst="rect">
+            <a:avLst/>
+          </a:prstGeom>
+        </p:spPr>
+      </p:pic>
+      <p:sp>
+        <p:nvSpPr>
+          <p:cNvPr id="2" name="Title 1">
+            <a:extLst>
+              <a:ext uri="{FF2B5EF4-FFF2-40B4-BE49-F238E27FC236}">
+                <a16:creationId xmlns:a16="http://schemas.microsoft.com/office/drawing/2014/main" id="{3BCAA743-ECAA-E02F-71D2-24A92F37B541}"/>
+              </a:ext>
+            </a:extLst>
+          </p:cNvPr>
+          <p:cNvSpPr>
+            <a:spLocks noGrp="1"/>
+          </p:cNvSpPr>
+          <p:nvPr>
+            <p:ph type="title"/>
+          </p:nvPr>
+        </p:nvSpPr>
+        <p:spPr>
+          <a:xfrm>
+            <a:off x="908723" y="1284514"/>
+            <a:ext cx="10020533" cy="1424202"/>
+          </a:xfrm>
+        </p:spPr>
+        <p:txBody>
+          <a:bodyPr vert="horz" lIns="91440" tIns="45720" rIns="91440" bIns="45720" rtlCol="0" anchor="b">
+            <a:normAutofit fontScale="90000"/>
+          </a:bodyPr>
+          <a:lstStyle/>
+          <a:p>
+            <a:r>
+              <a:rPr lang="en-US" sz="5900" dirty="0">
+                <a:latin typeface="CaskaydiaCove NF" panose="02000009000000000000" pitchFamily="50" charset="0"/>
+                <a:ea typeface="CaskaydiaCove NF" panose="02000009000000000000" pitchFamily="50" charset="0"/>
+                <a:cs typeface="CaskaydiaCove NF" panose="02000009000000000000" pitchFamily="50" charset="0"/>
+              </a:rPr>
+              <a:t>DEMO – Example PS Rule module</a:t>
+            </a:r>
+          </a:p>
+        </p:txBody>
+      </p:sp>
+      <p:pic>
+        <p:nvPicPr>
+          <p:cNvPr id="7" name="Picture 6" descr="A white paper with a black background&#10;&#10;Description automatically generated">
+            <a:extLst>
+              <a:ext uri="{FF2B5EF4-FFF2-40B4-BE49-F238E27FC236}">
+                <a16:creationId xmlns:a16="http://schemas.microsoft.com/office/drawing/2014/main" id="{C8FCC836-75FC-4711-2729-30B8EC486AE2}"/>
+              </a:ext>
+            </a:extLst>
+          </p:cNvPr>
+          <p:cNvPicPr>
+            <a:picLocks noChangeAspect="1"/>
+          </p:cNvPicPr>
+          <p:nvPr/>
+        </p:nvPicPr>
+        <p:blipFill>
+          <a:blip r:embed="rId3">
+            <a:alphaModFix amt="85000"/>
+            <a:extLst>
+              <a:ext uri="{28A0092B-C50C-407E-A947-70E740481C1C}">
+                <a14:useLocalDpi xmlns:a14="http://schemas.microsoft.com/office/drawing/2010/main" val="0"/>
+              </a:ext>
+            </a:extLst>
+          </a:blip>
+          <a:stretch>
+            <a:fillRect/>
+          </a:stretch>
+        </p:blipFill>
+        <p:spPr>
+          <a:xfrm>
+            <a:off x="7650910" y="5718844"/>
+            <a:ext cx="4541090" cy="1139156"/>
+          </a:xfrm>
+          <a:prstGeom prst="rect">
+            <a:avLst/>
+          </a:prstGeom>
+        </p:spPr>
+      </p:pic>
+      <p:pic>
+        <p:nvPicPr>
+          <p:cNvPr id="3" name="Picture 2" descr="A cartoon of a santa claus sitting at a computer&#10;&#10;Description automatically generated">
+            <a:extLst>
+              <a:ext uri="{FF2B5EF4-FFF2-40B4-BE49-F238E27FC236}">
+                <a16:creationId xmlns:a16="http://schemas.microsoft.com/office/drawing/2014/main" id="{90D0C5B4-1114-E3F6-EA12-C1D1F7A1F0F4}"/>
+              </a:ext>
+            </a:extLst>
+          </p:cNvPr>
+          <p:cNvPicPr>
+            <a:picLocks noChangeAspect="1"/>
+          </p:cNvPicPr>
+          <p:nvPr/>
+        </p:nvPicPr>
+        <p:blipFill>
+          <a:blip r:embed="rId4">
+            <a:alphaModFix amt="85000"/>
+            <a:extLst>
+              <a:ext uri="{28A0092B-C50C-407E-A947-70E740481C1C}">
+                <a14:useLocalDpi xmlns:a14="http://schemas.microsoft.com/office/drawing/2010/main" val="0"/>
+              </a:ext>
+            </a:extLst>
+          </a:blip>
+          <a:stretch>
+            <a:fillRect/>
+          </a:stretch>
+        </p:blipFill>
+        <p:spPr>
+          <a:xfrm>
+            <a:off x="4854892" y="2152613"/>
+            <a:ext cx="5166356" cy="5166356"/>
+          </a:xfrm>
+          <a:prstGeom prst="rect">
+            <a:avLst/>
+          </a:prstGeom>
+        </p:spPr>
+      </p:pic>
+      <p:pic>
+        <p:nvPicPr>
+          <p:cNvPr id="4" name="Picture 3" descr="A blue and white tree&#10;&#10;Description automatically generated">
+            <a:extLst>
+              <a:ext uri="{FF2B5EF4-FFF2-40B4-BE49-F238E27FC236}">
+                <a16:creationId xmlns:a16="http://schemas.microsoft.com/office/drawing/2014/main" id="{AF001964-C7E5-956B-AA1F-1BF4CC9719DF}"/>
+              </a:ext>
+            </a:extLst>
+          </p:cNvPr>
+          <p:cNvPicPr>
+            <a:picLocks noChangeAspect="1"/>
+          </p:cNvPicPr>
+          <p:nvPr/>
+        </p:nvPicPr>
+        <p:blipFill>
+          <a:blip r:embed="rId5">
+            <a:alphaModFix amt="85000"/>
+            <a:extLst>
+              <a:ext uri="{28A0092B-C50C-407E-A947-70E740481C1C}">
+                <a14:useLocalDpi xmlns:a14="http://schemas.microsoft.com/office/drawing/2010/main" val="0"/>
+              </a:ext>
+            </a:extLst>
+          </a:blip>
+          <a:stretch>
+            <a:fillRect/>
+          </a:stretch>
+        </p:blipFill>
+        <p:spPr>
+          <a:xfrm>
+            <a:off x="0" y="5094252"/>
+            <a:ext cx="1583140" cy="1807992"/>
+          </a:xfrm>
+          <a:prstGeom prst="rect">
+            <a:avLst/>
+          </a:prstGeom>
+        </p:spPr>
+      </p:pic>
+      <p:sp>
+        <p:nvSpPr>
+          <p:cNvPr id="9" name="TextBox 6">
+            <a:extLst>
+              <a:ext uri="{FF2B5EF4-FFF2-40B4-BE49-F238E27FC236}">
+                <a16:creationId xmlns:a16="http://schemas.microsoft.com/office/drawing/2014/main" id="{2D5CB921-6990-E1EE-C231-EEDB57AB839A}"/>
+              </a:ext>
+            </a:extLst>
+          </p:cNvPr>
+          <p:cNvSpPr txBox="1"/>
+          <p:nvPr/>
+        </p:nvSpPr>
+        <p:spPr>
+          <a:xfrm>
+            <a:off x="10421133" y="6378157"/>
+            <a:ext cx="1772473" cy="523220"/>
+          </a:xfrm>
+          <a:prstGeom prst="rect">
+            <a:avLst/>
+          </a:prstGeom>
+          <a:noFill/>
+        </p:spPr>
+        <p:txBody>
+          <a:bodyPr wrap="none" lIns="91440" tIns="45720" rIns="91440" bIns="45720" rtlCol="0" anchor="t">
+            <a:spAutoFit/>
+          </a:bodyPr>
+          <a:lstStyle/>
+          <a:p>
+            <a:r>
+              <a:rPr lang="en-US" sz="2800" dirty="0">
+                <a:solidFill>
+                  <a:schemeClr val="tx1">
+                    <a:lumMod val="65000"/>
+                    <a:lumOff val="35000"/>
+                  </a:schemeClr>
+                </a:solidFill>
+              </a:rPr>
+              <a:t>#PSSATKA</a:t>
+            </a:r>
+          </a:p>
+        </p:txBody>
+      </p:sp>
+    </p:spTree>
+    <p:extLst>
+      <p:ext uri="{BB962C8B-B14F-4D97-AF65-F5344CB8AC3E}">
+        <p14:creationId xmlns:p14="http://schemas.microsoft.com/office/powerpoint/2010/main" val="3598908584"/>
+      </p:ext>
+    </p:extLst>
+  </p:cSld>
+  <p:clrMapOvr>
+    <a:masterClrMapping/>
+  </p:clrMapOvr>
+</p:sld>
+</file>
+
+<file path=ppt/slides/slide14.xml><?xml version="1.0" encoding="utf-8"?>
+<p:sld xmlns:a="http://schemas.openxmlformats.org/drawingml/2006/main" xmlns:r="http://schemas.openxmlformats.org/officeDocument/2006/relationships" xmlns:p="http://schemas.openxmlformats.org/presentationml/2006/main">
+  <p:cSld>
+    <p:spTree>
+      <p:nvGrpSpPr>
+        <p:cNvPr id="1" name=""/>
+        <p:cNvGrpSpPr/>
+        <p:nvPr/>
+      </p:nvGrpSpPr>
+      <p:grpSpPr>
+        <a:xfrm>
+          <a:off x="0" y="0"/>
+          <a:ext cx="0" cy="0"/>
+          <a:chOff x="0" y="0"/>
+          <a:chExt cx="0" cy="0"/>
+        </a:xfrm>
+      </p:grpSpPr>
+      <p:pic>
+        <p:nvPicPr>
+          <p:cNvPr id="8" name="Picture 7" descr="A blue background with light blue lines&#10;&#10;Description automatically generated">
+            <a:extLst>
+              <a:ext uri="{FF2B5EF4-FFF2-40B4-BE49-F238E27FC236}">
+                <a16:creationId xmlns:a16="http://schemas.microsoft.com/office/drawing/2014/main" id="{089E2708-95F1-6E82-BEF5-FDD50509F797}"/>
+              </a:ext>
+            </a:extLst>
+          </p:cNvPr>
+          <p:cNvPicPr>
+            <a:picLocks noChangeAspect="1"/>
+          </p:cNvPicPr>
+          <p:nvPr/>
+        </p:nvPicPr>
+        <p:blipFill>
+          <a:blip r:embed="rId2">
+            <a:extLst>
+              <a:ext uri="{28A0092B-C50C-407E-A947-70E740481C1C}">
+                <a14:useLocalDpi xmlns:a14="http://schemas.microsoft.com/office/drawing/2010/main" val="0"/>
+              </a:ext>
+            </a:extLst>
+          </a:blip>
+          <a:stretch>
+            <a:fillRect/>
+          </a:stretch>
+        </p:blipFill>
+        <p:spPr>
+          <a:xfrm>
+            <a:off x="0" y="-10"/>
+            <a:ext cx="12192000" cy="6858000"/>
+          </a:xfrm>
+          <a:prstGeom prst="rect">
+            <a:avLst/>
+          </a:prstGeom>
+        </p:spPr>
+      </p:pic>
+      <p:sp>
+        <p:nvSpPr>
+          <p:cNvPr id="2" name="Title 1">
+            <a:extLst>
+              <a:ext uri="{FF2B5EF4-FFF2-40B4-BE49-F238E27FC236}">
+                <a16:creationId xmlns:a16="http://schemas.microsoft.com/office/drawing/2014/main" id="{3BCAA743-ECAA-E02F-71D2-24A92F37B541}"/>
+              </a:ext>
+            </a:extLst>
+          </p:cNvPr>
+          <p:cNvSpPr>
+            <a:spLocks noGrp="1"/>
+          </p:cNvSpPr>
+          <p:nvPr>
+            <p:ph type="title"/>
+          </p:nvPr>
+        </p:nvSpPr>
+        <p:spPr>
+          <a:xfrm>
+            <a:off x="908723" y="1284514"/>
+            <a:ext cx="10020533" cy="1424202"/>
+          </a:xfrm>
+        </p:spPr>
+        <p:txBody>
+          <a:bodyPr vert="horz" lIns="91440" tIns="45720" rIns="91440" bIns="45720" rtlCol="0" anchor="b">
+            <a:normAutofit/>
+          </a:bodyPr>
+          <a:lstStyle/>
+          <a:p>
+            <a:r>
+              <a:rPr lang="en-US" sz="5900" dirty="0" err="1">
+                <a:latin typeface="CaskaydiaCove NF" panose="02000009000000000000" pitchFamily="50" charset="0"/>
+                <a:ea typeface="CaskaydiaCove NF" panose="02000009000000000000" pitchFamily="50" charset="0"/>
+                <a:cs typeface="CaskaydiaCove NF" panose="02000009000000000000" pitchFamily="50" charset="0"/>
+              </a:rPr>
+              <a:t>QnA</a:t>
+            </a:r>
+            <a:endParaRPr lang="en-US" sz="5900" dirty="0">
+              <a:latin typeface="CaskaydiaCove NF" panose="02000009000000000000" pitchFamily="50" charset="0"/>
+              <a:ea typeface="CaskaydiaCove NF" panose="02000009000000000000" pitchFamily="50" charset="0"/>
+              <a:cs typeface="CaskaydiaCove NF" panose="02000009000000000000" pitchFamily="50" charset="0"/>
+            </a:endParaRPr>
+          </a:p>
+        </p:txBody>
+      </p:sp>
+      <p:pic>
+        <p:nvPicPr>
+          <p:cNvPr id="7" name="Picture 6" descr="A white paper with a black background&#10;&#10;Description automatically generated">
+            <a:extLst>
+              <a:ext uri="{FF2B5EF4-FFF2-40B4-BE49-F238E27FC236}">
+                <a16:creationId xmlns:a16="http://schemas.microsoft.com/office/drawing/2014/main" id="{C8FCC836-75FC-4711-2729-30B8EC486AE2}"/>
+              </a:ext>
+            </a:extLst>
+          </p:cNvPr>
+          <p:cNvPicPr>
+            <a:picLocks noChangeAspect="1"/>
+          </p:cNvPicPr>
+          <p:nvPr/>
+        </p:nvPicPr>
+        <p:blipFill>
+          <a:blip r:embed="rId3">
+            <a:alphaModFix amt="85000"/>
+            <a:extLst>
+              <a:ext uri="{28A0092B-C50C-407E-A947-70E740481C1C}">
+                <a14:useLocalDpi xmlns:a14="http://schemas.microsoft.com/office/drawing/2010/main" val="0"/>
+              </a:ext>
+            </a:extLst>
+          </a:blip>
+          <a:stretch>
+            <a:fillRect/>
+          </a:stretch>
+        </p:blipFill>
+        <p:spPr>
+          <a:xfrm>
+            <a:off x="7650910" y="5718844"/>
+            <a:ext cx="4541090" cy="1139156"/>
+          </a:xfrm>
+          <a:prstGeom prst="rect">
+            <a:avLst/>
+          </a:prstGeom>
+        </p:spPr>
+      </p:pic>
+      <p:pic>
+        <p:nvPicPr>
+          <p:cNvPr id="3" name="Picture 2" descr="A cartoon of a santa claus sitting at a computer&#10;&#10;Description automatically generated">
+            <a:extLst>
+              <a:ext uri="{FF2B5EF4-FFF2-40B4-BE49-F238E27FC236}">
+                <a16:creationId xmlns:a16="http://schemas.microsoft.com/office/drawing/2014/main" id="{90D0C5B4-1114-E3F6-EA12-C1D1F7A1F0F4}"/>
+              </a:ext>
+            </a:extLst>
+          </p:cNvPr>
+          <p:cNvPicPr>
+            <a:picLocks noChangeAspect="1"/>
+          </p:cNvPicPr>
+          <p:nvPr/>
+        </p:nvPicPr>
+        <p:blipFill>
+          <a:blip r:embed="rId4">
+            <a:alphaModFix amt="85000"/>
+            <a:extLst>
+              <a:ext uri="{28A0092B-C50C-407E-A947-70E740481C1C}">
+                <a14:useLocalDpi xmlns:a14="http://schemas.microsoft.com/office/drawing/2010/main" val="0"/>
+              </a:ext>
+            </a:extLst>
+          </a:blip>
+          <a:stretch>
+            <a:fillRect/>
+          </a:stretch>
+        </p:blipFill>
+        <p:spPr>
+          <a:xfrm>
+            <a:off x="4964981" y="1996615"/>
+            <a:ext cx="5166356" cy="5166356"/>
+          </a:xfrm>
+          <a:prstGeom prst="rect">
+            <a:avLst/>
+          </a:prstGeom>
+        </p:spPr>
+      </p:pic>
+      <p:pic>
+        <p:nvPicPr>
+          <p:cNvPr id="4" name="Picture 3" descr="A blue and white tree&#10;&#10;Description automatically generated">
+            <a:extLst>
+              <a:ext uri="{FF2B5EF4-FFF2-40B4-BE49-F238E27FC236}">
+                <a16:creationId xmlns:a16="http://schemas.microsoft.com/office/drawing/2014/main" id="{AF001964-C7E5-956B-AA1F-1BF4CC9719DF}"/>
+              </a:ext>
+            </a:extLst>
+          </p:cNvPr>
+          <p:cNvPicPr>
+            <a:picLocks noChangeAspect="1"/>
+          </p:cNvPicPr>
+          <p:nvPr/>
+        </p:nvPicPr>
+        <p:blipFill>
+          <a:blip r:embed="rId5">
+            <a:alphaModFix amt="85000"/>
+            <a:extLst>
+              <a:ext uri="{28A0092B-C50C-407E-A947-70E740481C1C}">
+                <a14:useLocalDpi xmlns:a14="http://schemas.microsoft.com/office/drawing/2010/main" val="0"/>
+              </a:ext>
+            </a:extLst>
+          </a:blip>
+          <a:stretch>
+            <a:fillRect/>
+          </a:stretch>
+        </p:blipFill>
+        <p:spPr>
+          <a:xfrm>
+            <a:off x="0" y="5094252"/>
+            <a:ext cx="1583140" cy="1807992"/>
+          </a:xfrm>
+          <a:prstGeom prst="rect">
+            <a:avLst/>
+          </a:prstGeom>
+        </p:spPr>
+      </p:pic>
+      <p:sp>
+        <p:nvSpPr>
+          <p:cNvPr id="9" name="TextBox 6">
+            <a:extLst>
+              <a:ext uri="{FF2B5EF4-FFF2-40B4-BE49-F238E27FC236}">
+                <a16:creationId xmlns:a16="http://schemas.microsoft.com/office/drawing/2014/main" id="{2D5CB921-6990-E1EE-C231-EEDB57AB839A}"/>
+              </a:ext>
+            </a:extLst>
+          </p:cNvPr>
+          <p:cNvSpPr txBox="1"/>
+          <p:nvPr/>
+        </p:nvSpPr>
+        <p:spPr>
+          <a:xfrm>
+            <a:off x="10421133" y="6378157"/>
+            <a:ext cx="1772473" cy="523220"/>
+          </a:xfrm>
+          <a:prstGeom prst="rect">
+            <a:avLst/>
+          </a:prstGeom>
+          <a:noFill/>
+        </p:spPr>
+        <p:txBody>
+          <a:bodyPr wrap="none" lIns="91440" tIns="45720" rIns="91440" bIns="45720" rtlCol="0" anchor="t">
+            <a:spAutoFit/>
+          </a:bodyPr>
+          <a:lstStyle/>
+          <a:p>
+            <a:r>
+              <a:rPr lang="en-US" sz="2800" dirty="0">
+                <a:solidFill>
+                  <a:schemeClr val="tx1">
+                    <a:lumMod val="65000"/>
+                    <a:lumOff val="35000"/>
+                  </a:schemeClr>
+                </a:solidFill>
+              </a:rPr>
+              <a:t>#PSSATKA</a:t>
+            </a:r>
+          </a:p>
+        </p:txBody>
+      </p:sp>
+      <p:pic>
+        <p:nvPicPr>
+          <p:cNvPr id="6" name="Graphic 5" descr="Sunglasses face outline outline">
+            <a:extLst>
+              <a:ext uri="{FF2B5EF4-FFF2-40B4-BE49-F238E27FC236}">
+                <a16:creationId xmlns:a16="http://schemas.microsoft.com/office/drawing/2014/main" id="{247B4C4C-F853-11E1-5CAE-AC89CC90C621}"/>
+              </a:ext>
+            </a:extLst>
+          </p:cNvPr>
+          <p:cNvPicPr>
+            <a:picLocks noChangeAspect="1"/>
+          </p:cNvPicPr>
+          <p:nvPr/>
+        </p:nvPicPr>
+        <p:blipFill>
+          <a:blip r:embed="rId6">
+            <a:extLst>
+              <a:ext uri="{96DAC541-7B7A-43D3-8B79-37D633B846F1}">
+                <asvg:svgBlip xmlns:asvg="http://schemas.microsoft.com/office/drawing/2016/SVG/main" r:embed="rId7"/>
+              </a:ext>
+            </a:extLst>
+          </a:blip>
+          <a:stretch>
+            <a:fillRect/>
+          </a:stretch>
+        </p:blipFill>
+        <p:spPr>
+          <a:xfrm>
+            <a:off x="6814456" y="4091764"/>
+            <a:ext cx="1199425" cy="1199425"/>
+          </a:xfrm>
+          <a:prstGeom prst="rect">
+            <a:avLst/>
+          </a:prstGeom>
+        </p:spPr>
+      </p:pic>
+    </p:spTree>
+    <p:extLst>
+      <p:ext uri="{BB962C8B-B14F-4D97-AF65-F5344CB8AC3E}">
+        <p14:creationId xmlns:p14="http://schemas.microsoft.com/office/powerpoint/2010/main" val="2886499497"/>
+      </p:ext>
+    </p:extLst>
+  </p:cSld>
+  <p:clrMapOvr>
+    <a:masterClrMapping/>
+  </p:clrMapOvr>
+</p:sld>
+</file>
+
+<file path=ppt/slides/slide15.xml><?xml version="1.0" encoding="utf-8"?>
+<p:sld xmlns:a="http://schemas.openxmlformats.org/drawingml/2006/main" xmlns:r="http://schemas.openxmlformats.org/officeDocument/2006/relationships" xmlns:p="http://schemas.openxmlformats.org/presentationml/2006/main">
+  <p:cSld>
+    <p:spTree>
+      <p:nvGrpSpPr>
+        <p:cNvPr id="1" name=""/>
+        <p:cNvGrpSpPr/>
+        <p:nvPr/>
+      </p:nvGrpSpPr>
+      <p:grpSpPr>
+        <a:xfrm>
+          <a:off x="0" y="0"/>
+          <a:ext cx="0" cy="0"/>
+          <a:chOff x="0" y="0"/>
+          <a:chExt cx="0" cy="0"/>
+        </a:xfrm>
+      </p:grpSpPr>
+      <p:grpSp>
+        <p:nvGrpSpPr>
+          <p:cNvPr id="8" name="Group 7">
+            <a:extLst>
+              <a:ext uri="{FF2B5EF4-FFF2-40B4-BE49-F238E27FC236}">
+                <a16:creationId xmlns:a16="http://schemas.microsoft.com/office/drawing/2014/main" id="{D3AD12B6-36B4-2539-79A1-7E554473ABB8}"/>
+              </a:ext>
+            </a:extLst>
+          </p:cNvPr>
+          <p:cNvGrpSpPr/>
+          <p:nvPr/>
+        </p:nvGrpSpPr>
+        <p:grpSpPr>
+          <a:xfrm>
+            <a:off x="0" y="0"/>
+            <a:ext cx="12192000" cy="6902244"/>
+            <a:chOff x="0" y="0"/>
+            <a:chExt cx="12192000" cy="6902244"/>
+          </a:xfrm>
+        </p:grpSpPr>
+        <p:pic>
+          <p:nvPicPr>
+            <p:cNvPr id="4" name="Picture 3" descr="A blue background with light blue lines&#10;&#10;Description automatically generated">
+              <a:extLst>
+                <a:ext uri="{FF2B5EF4-FFF2-40B4-BE49-F238E27FC236}">
+                  <a16:creationId xmlns:a16="http://schemas.microsoft.com/office/drawing/2014/main" id="{EA4BAED5-F1D9-08C2-8DC0-82AA2ADCB5CC}"/>
+                </a:ext>
+              </a:extLst>
+            </p:cNvPr>
+            <p:cNvPicPr>
+              <a:picLocks noChangeAspect="1"/>
+            </p:cNvPicPr>
+            <p:nvPr/>
+          </p:nvPicPr>
+          <p:blipFill>
+            <a:blip r:embed="rId2">
+              <a:extLst>
+                <a:ext uri="{28A0092B-C50C-407E-A947-70E740481C1C}">
+                  <a14:useLocalDpi xmlns:a14="http://schemas.microsoft.com/office/drawing/2010/main" val="0"/>
+                </a:ext>
+              </a:extLst>
+            </a:blip>
+            <a:stretch>
+              <a:fillRect/>
+            </a:stretch>
+          </p:blipFill>
+          <p:spPr>
+            <a:xfrm>
+              <a:off x="0" y="0"/>
+              <a:ext cx="12192000" cy="6858000"/>
+            </a:xfrm>
+            <a:prstGeom prst="rect">
+              <a:avLst/>
+            </a:prstGeom>
+          </p:spPr>
+        </p:pic>
+        <p:pic>
+          <p:nvPicPr>
+            <p:cNvPr id="5" name="Picture 4" descr="A blue and white tree&#10;&#10;Description automatically generated">
+              <a:extLst>
+                <a:ext uri="{FF2B5EF4-FFF2-40B4-BE49-F238E27FC236}">
+                  <a16:creationId xmlns:a16="http://schemas.microsoft.com/office/drawing/2014/main" id="{E8826AAC-B3B9-5AEC-7A96-B710A024D0F3}"/>
+                </a:ext>
+              </a:extLst>
+            </p:cNvPr>
+            <p:cNvPicPr>
+              <a:picLocks noChangeAspect="1"/>
+            </p:cNvPicPr>
+            <p:nvPr/>
+          </p:nvPicPr>
+          <p:blipFill>
+            <a:blip r:embed="rId3">
+              <a:alphaModFix amt="85000"/>
+              <a:extLst>
+                <a:ext uri="{28A0092B-C50C-407E-A947-70E740481C1C}">
+                  <a14:useLocalDpi xmlns:a14="http://schemas.microsoft.com/office/drawing/2010/main" val="0"/>
+                </a:ext>
+              </a:extLst>
+            </a:blip>
+            <a:stretch>
+              <a:fillRect/>
+            </a:stretch>
+          </p:blipFill>
+          <p:spPr>
+            <a:xfrm>
+              <a:off x="0" y="5094252"/>
+              <a:ext cx="1583140" cy="1807992"/>
+            </a:xfrm>
+            <a:prstGeom prst="rect">
+              <a:avLst/>
+            </a:prstGeom>
+          </p:spPr>
+        </p:pic>
+        <p:pic>
+          <p:nvPicPr>
+            <p:cNvPr id="6" name="Picture 5" descr="A white paper with a black background&#10;&#10;Description automatically generated">
+              <a:extLst>
+                <a:ext uri="{FF2B5EF4-FFF2-40B4-BE49-F238E27FC236}">
+                  <a16:creationId xmlns:a16="http://schemas.microsoft.com/office/drawing/2014/main" id="{8A4B09CE-44B9-15D7-E555-425940C3BC93}"/>
+                </a:ext>
+              </a:extLst>
+            </p:cNvPr>
+            <p:cNvPicPr>
+              <a:picLocks noChangeAspect="1"/>
+            </p:cNvPicPr>
+            <p:nvPr/>
+          </p:nvPicPr>
+          <p:blipFill>
+            <a:blip r:embed="rId4">
+              <a:alphaModFix amt="85000"/>
+              <a:extLst>
+                <a:ext uri="{28A0092B-C50C-407E-A947-70E740481C1C}">
+                  <a14:useLocalDpi xmlns:a14="http://schemas.microsoft.com/office/drawing/2010/main" val="0"/>
+                </a:ext>
+              </a:extLst>
+            </a:blip>
+            <a:stretch>
+              <a:fillRect/>
+            </a:stretch>
+          </p:blipFill>
+          <p:spPr>
+            <a:xfrm>
+              <a:off x="7650910" y="5740966"/>
+              <a:ext cx="4541090" cy="1139156"/>
+            </a:xfrm>
+            <a:prstGeom prst="rect">
+              <a:avLst/>
+            </a:prstGeom>
+          </p:spPr>
+        </p:pic>
+      </p:grpSp>
+      <p:sp>
+        <p:nvSpPr>
+          <p:cNvPr id="2" name="Title 1">
+            <a:extLst>
+              <a:ext uri="{FF2B5EF4-FFF2-40B4-BE49-F238E27FC236}">
+                <a16:creationId xmlns:a16="http://schemas.microsoft.com/office/drawing/2014/main" id="{74F23C85-F3E2-3194-0242-BB901D8FEE62}"/>
+              </a:ext>
+            </a:extLst>
+          </p:cNvPr>
+          <p:cNvSpPr>
+            <a:spLocks noGrp="1"/>
+          </p:cNvSpPr>
+          <p:nvPr>
+            <p:ph type="title"/>
+          </p:nvPr>
+        </p:nvSpPr>
+        <p:spPr/>
+        <p:txBody>
+          <a:bodyPr/>
+          <a:lstStyle/>
+          <a:p>
+            <a:pPr algn="ctr"/>
+            <a:r>
+              <a:rPr lang="en-GB" dirty="0">
+                <a:latin typeface="CaskaydiaCove NF" panose="02000009000000000000" pitchFamily="50" charset="0"/>
+                <a:ea typeface="CaskaydiaCove NF" panose="02000009000000000000" pitchFamily="50" charset="0"/>
+                <a:cs typeface="CaskaydiaCove NF" panose="02000009000000000000" pitchFamily="50" charset="0"/>
+              </a:rPr>
+              <a:t>Rate this session</a:t>
+            </a:r>
+            <a:endParaRPr lang="LID4096" dirty="0">
+              <a:latin typeface="CaskaydiaCove NF" panose="02000009000000000000" pitchFamily="50" charset="0"/>
+              <a:ea typeface="CaskaydiaCove NF" panose="02000009000000000000" pitchFamily="50" charset="0"/>
+              <a:cs typeface="CaskaydiaCove NF" panose="02000009000000000000" pitchFamily="50" charset="0"/>
+            </a:endParaRPr>
+          </a:p>
+        </p:txBody>
+      </p:sp>
+      <p:sp>
+        <p:nvSpPr>
+          <p:cNvPr id="3" name="Content Placeholder 2">
+            <a:extLst>
+              <a:ext uri="{FF2B5EF4-FFF2-40B4-BE49-F238E27FC236}">
+                <a16:creationId xmlns:a16="http://schemas.microsoft.com/office/drawing/2014/main" id="{6DA3ADBA-E450-EF97-FB78-71D3DE8B19A5}"/>
+              </a:ext>
+            </a:extLst>
+          </p:cNvPr>
+          <p:cNvSpPr>
+            <a:spLocks noGrp="1"/>
+          </p:cNvSpPr>
+          <p:nvPr>
+            <p:ph idx="1"/>
+          </p:nvPr>
+        </p:nvSpPr>
+        <p:spPr>
+          <a:xfrm>
+            <a:off x="2719902" y="5568118"/>
+            <a:ext cx="6752195" cy="940030"/>
+          </a:xfrm>
+        </p:spPr>
+        <p:txBody>
+          <a:bodyPr>
+            <a:normAutofit fontScale="92500"/>
+          </a:bodyPr>
+          <a:lstStyle/>
+          <a:p>
+            <a:pPr marL="0" indent="0" algn="ctr">
+              <a:buNone/>
+            </a:pPr>
+            <a:r>
+              <a:rPr lang="en-US" dirty="0">
+                <a:latin typeface="CaskaydiaCove NF" panose="02000009000000000000"/>
+              </a:rPr>
+              <a:t>Giving feedback is like wrapping a Christmas gift: thoughtful, personal, and meant to bring joy.</a:t>
+            </a:r>
+            <a:endParaRPr lang="LID4096" dirty="0">
+              <a:latin typeface="CaskaydiaCove NF" panose="02000009000000000000"/>
+              <a:ea typeface="CaskaydiaCove NF" panose="02000009000000000000" pitchFamily="50" charset="0"/>
+              <a:cs typeface="CaskaydiaCove NF" panose="02000009000000000000" pitchFamily="50" charset="0"/>
+            </a:endParaRPr>
+          </a:p>
+        </p:txBody>
+      </p:sp>
+      <p:pic>
+        <p:nvPicPr>
+          <p:cNvPr id="10" name="Picture 9" descr="A blue gift box with white ribbon and snowflakes&#10;&#10;Description automatically generated">
+            <a:extLst>
+              <a:ext uri="{FF2B5EF4-FFF2-40B4-BE49-F238E27FC236}">
+                <a16:creationId xmlns:a16="http://schemas.microsoft.com/office/drawing/2014/main" id="{F065DACE-A8F5-6972-1FBC-D06EB8E19302}"/>
+              </a:ext>
+            </a:extLst>
+          </p:cNvPr>
+          <p:cNvPicPr>
+            <a:picLocks noChangeAspect="1"/>
+          </p:cNvPicPr>
+          <p:nvPr/>
+        </p:nvPicPr>
+        <p:blipFill>
+          <a:blip r:embed="rId5">
+            <a:extLst>
+              <a:ext uri="{28A0092B-C50C-407E-A947-70E740481C1C}">
+                <a14:useLocalDpi xmlns:a14="http://schemas.microsoft.com/office/drawing/2010/main" val="0"/>
+              </a:ext>
+            </a:extLst>
+          </a:blip>
+          <a:stretch>
+            <a:fillRect/>
+          </a:stretch>
+        </p:blipFill>
+        <p:spPr>
+          <a:xfrm>
+            <a:off x="3645340" y="1027906"/>
+            <a:ext cx="4475618" cy="4626392"/>
+          </a:xfrm>
+          <a:prstGeom prst="rect">
+            <a:avLst/>
+          </a:prstGeom>
+        </p:spPr>
+      </p:pic>
+      <p:pic>
+        <p:nvPicPr>
+          <p:cNvPr id="14" name="Picture 13" descr="A qr code with a white background&#10;&#10;Description automatically generated">
+            <a:extLst>
+              <a:ext uri="{FF2B5EF4-FFF2-40B4-BE49-F238E27FC236}">
+                <a16:creationId xmlns:a16="http://schemas.microsoft.com/office/drawing/2014/main" id="{2D198BC7-C3DF-E1AA-B9E3-3D060ACE2D32}"/>
+              </a:ext>
+            </a:extLst>
+          </p:cNvPr>
+          <p:cNvPicPr>
+            <a:picLocks noChangeAspect="1"/>
+          </p:cNvPicPr>
+          <p:nvPr/>
+        </p:nvPicPr>
+        <p:blipFill>
+          <a:blip r:embed="rId6">
+            <a:extLst>
+              <a:ext uri="{28A0092B-C50C-407E-A947-70E740481C1C}">
+                <a14:useLocalDpi xmlns:a14="http://schemas.microsoft.com/office/drawing/2010/main" val="0"/>
+              </a:ext>
+            </a:extLst>
+          </a:blip>
+          <a:stretch>
+            <a:fillRect/>
+          </a:stretch>
+        </p:blipFill>
+        <p:spPr>
+          <a:xfrm>
+            <a:off x="4304145" y="3177309"/>
+            <a:ext cx="3140364" cy="2105891"/>
+          </a:xfrm>
+          <a:prstGeom prst="roundRect">
+            <a:avLst>
+              <a:gd name="adj" fmla="val 8594"/>
+            </a:avLst>
+          </a:prstGeom>
+          <a:solidFill>
+            <a:srgbClr val="FFFFFF">
+              <a:shade val="85000"/>
+            </a:srgbClr>
+          </a:solidFill>
+          <a:ln>
+            <a:noFill/>
+          </a:ln>
+          <a:effectLst/>
+        </p:spPr>
+      </p:pic>
+      <p:sp>
+        <p:nvSpPr>
+          <p:cNvPr id="11" name="TextBox 6">
+            <a:extLst>
+              <a:ext uri="{FF2B5EF4-FFF2-40B4-BE49-F238E27FC236}">
+                <a16:creationId xmlns:a16="http://schemas.microsoft.com/office/drawing/2014/main" id="{D34D751D-EFC3-B8BF-FB02-BEE571D0E201}"/>
+              </a:ext>
+            </a:extLst>
+          </p:cNvPr>
+          <p:cNvSpPr txBox="1"/>
+          <p:nvPr/>
+        </p:nvSpPr>
+        <p:spPr>
+          <a:xfrm>
+            <a:off x="10421133" y="6378157"/>
+            <a:ext cx="1772473" cy="523220"/>
+          </a:xfrm>
+          <a:prstGeom prst="rect">
+            <a:avLst/>
+          </a:prstGeom>
+          <a:noFill/>
+        </p:spPr>
+        <p:txBody>
+          <a:bodyPr wrap="none" lIns="91440" tIns="45720" rIns="91440" bIns="45720" rtlCol="0" anchor="t">
+            <a:spAutoFit/>
+          </a:bodyPr>
+          <a:lstStyle/>
+          <a:p>
+            <a:r>
+              <a:rPr lang="en-US" sz="2800" dirty="0">
+                <a:solidFill>
+                  <a:schemeClr val="tx1">
+                    <a:lumMod val="65000"/>
+                    <a:lumOff val="35000"/>
+                  </a:schemeClr>
+                </a:solidFill>
+              </a:rPr>
+              <a:t>#PSSATKA</a:t>
+            </a:r>
+          </a:p>
+        </p:txBody>
+      </p:sp>
+    </p:spTree>
+    <p:extLst>
+      <p:ext uri="{BB962C8B-B14F-4D97-AF65-F5344CB8AC3E}">
+        <p14:creationId xmlns:p14="http://schemas.microsoft.com/office/powerpoint/2010/main" val="1483834583"/>
+      </p:ext>
+    </p:extLst>
+  </p:cSld>
+  <p:clrMapOvr>
+    <a:masterClrMapping/>
+  </p:clrMapOvr>
+</p:sld>
+</file>
+
+<file path=ppt/slides/slide16.xml><?xml version="1.0" encoding="utf-8"?>
+<p:sld xmlns:a="http://schemas.openxmlformats.org/drawingml/2006/main" xmlns:r="http://schemas.openxmlformats.org/officeDocument/2006/relationships" xmlns:p="http://schemas.openxmlformats.org/presentationml/2006/main">
+  <p:cSld>
+    <p:spTree>
+      <p:nvGrpSpPr>
+        <p:cNvPr id="1" name=""/>
+        <p:cNvGrpSpPr/>
+        <p:nvPr/>
+      </p:nvGrpSpPr>
+      <p:grpSpPr>
+        <a:xfrm>
+          <a:off x="0" y="0"/>
+          <a:ext cx="0" cy="0"/>
+          <a:chOff x="0" y="0"/>
+          <a:chExt cx="0" cy="0"/>
+        </a:xfrm>
+      </p:grpSpPr>
+      <p:grpSp>
+        <p:nvGrpSpPr>
+          <p:cNvPr id="8" name="Group 7">
+            <a:extLst>
+              <a:ext uri="{FF2B5EF4-FFF2-40B4-BE49-F238E27FC236}">
+                <a16:creationId xmlns:a16="http://schemas.microsoft.com/office/drawing/2014/main" id="{D3AD12B6-36B4-2539-79A1-7E554473ABB8}"/>
+              </a:ext>
+            </a:extLst>
+          </p:cNvPr>
+          <p:cNvGrpSpPr/>
+          <p:nvPr/>
+        </p:nvGrpSpPr>
+        <p:grpSpPr>
+          <a:xfrm>
+            <a:off x="0" y="0"/>
+            <a:ext cx="12192000" cy="6902244"/>
+            <a:chOff x="0" y="0"/>
+            <a:chExt cx="12192000" cy="6902244"/>
+          </a:xfrm>
+        </p:grpSpPr>
+        <p:pic>
+          <p:nvPicPr>
+            <p:cNvPr id="4" name="Picture 3" descr="A blue background with light blue lines&#10;&#10;Description automatically generated">
+              <a:extLst>
+                <a:ext uri="{FF2B5EF4-FFF2-40B4-BE49-F238E27FC236}">
+                  <a16:creationId xmlns:a16="http://schemas.microsoft.com/office/drawing/2014/main" id="{EA4BAED5-F1D9-08C2-8DC0-82AA2ADCB5CC}"/>
+                </a:ext>
+              </a:extLst>
+            </p:cNvPr>
+            <p:cNvPicPr>
+              <a:picLocks noChangeAspect="1"/>
+            </p:cNvPicPr>
+            <p:nvPr/>
+          </p:nvPicPr>
+          <p:blipFill>
+            <a:blip r:embed="rId2">
+              <a:extLst>
+                <a:ext uri="{28A0092B-C50C-407E-A947-70E740481C1C}">
+                  <a14:useLocalDpi xmlns:a14="http://schemas.microsoft.com/office/drawing/2010/main" val="0"/>
+                </a:ext>
+              </a:extLst>
+            </a:blip>
+            <a:stretch>
+              <a:fillRect/>
+            </a:stretch>
+          </p:blipFill>
+          <p:spPr>
+            <a:xfrm>
+              <a:off x="0" y="0"/>
+              <a:ext cx="12192000" cy="6858000"/>
+            </a:xfrm>
+            <a:prstGeom prst="rect">
+              <a:avLst/>
+            </a:prstGeom>
+          </p:spPr>
+        </p:pic>
+        <p:pic>
+          <p:nvPicPr>
+            <p:cNvPr id="5" name="Picture 4" descr="A blue and white tree&#10;&#10;Description automatically generated">
+              <a:extLst>
+                <a:ext uri="{FF2B5EF4-FFF2-40B4-BE49-F238E27FC236}">
+                  <a16:creationId xmlns:a16="http://schemas.microsoft.com/office/drawing/2014/main" id="{E8826AAC-B3B9-5AEC-7A96-B710A024D0F3}"/>
+                </a:ext>
+              </a:extLst>
+            </p:cNvPr>
+            <p:cNvPicPr>
+              <a:picLocks noChangeAspect="1"/>
+            </p:cNvPicPr>
+            <p:nvPr/>
+          </p:nvPicPr>
+          <p:blipFill>
+            <a:blip r:embed="rId3">
+              <a:alphaModFix amt="85000"/>
+              <a:extLst>
+                <a:ext uri="{28A0092B-C50C-407E-A947-70E740481C1C}">
+                  <a14:useLocalDpi xmlns:a14="http://schemas.microsoft.com/office/drawing/2010/main" val="0"/>
+                </a:ext>
+              </a:extLst>
+            </a:blip>
+            <a:stretch>
+              <a:fillRect/>
+            </a:stretch>
+          </p:blipFill>
+          <p:spPr>
+            <a:xfrm>
+              <a:off x="0" y="5094252"/>
+              <a:ext cx="1583140" cy="1807992"/>
+            </a:xfrm>
+            <a:prstGeom prst="rect">
+              <a:avLst/>
+            </a:prstGeom>
+          </p:spPr>
+        </p:pic>
+        <p:pic>
+          <p:nvPicPr>
+            <p:cNvPr id="6" name="Picture 5" descr="A white paper with a black background&#10;&#10;Description automatically generated">
+              <a:extLst>
+                <a:ext uri="{FF2B5EF4-FFF2-40B4-BE49-F238E27FC236}">
+                  <a16:creationId xmlns:a16="http://schemas.microsoft.com/office/drawing/2014/main" id="{8A4B09CE-44B9-15D7-E555-425940C3BC93}"/>
+                </a:ext>
+              </a:extLst>
+            </p:cNvPr>
+            <p:cNvPicPr>
+              <a:picLocks noChangeAspect="1"/>
+            </p:cNvPicPr>
+            <p:nvPr/>
+          </p:nvPicPr>
+          <p:blipFill>
+            <a:blip r:embed="rId4">
+              <a:alphaModFix amt="85000"/>
+              <a:extLst>
+                <a:ext uri="{28A0092B-C50C-407E-A947-70E740481C1C}">
+                  <a14:useLocalDpi xmlns:a14="http://schemas.microsoft.com/office/drawing/2010/main" val="0"/>
+                </a:ext>
+              </a:extLst>
+            </a:blip>
+            <a:stretch>
+              <a:fillRect/>
+            </a:stretch>
+          </p:blipFill>
+          <p:spPr>
+            <a:xfrm>
+              <a:off x="7650910" y="5740966"/>
+              <a:ext cx="4541090" cy="1139156"/>
+            </a:xfrm>
+            <a:prstGeom prst="rect">
+              <a:avLst/>
+            </a:prstGeom>
+          </p:spPr>
+        </p:pic>
+      </p:grpSp>
+      <p:sp>
+        <p:nvSpPr>
+          <p:cNvPr id="9" name="Title 1">
+            <a:extLst>
+              <a:ext uri="{FF2B5EF4-FFF2-40B4-BE49-F238E27FC236}">
+                <a16:creationId xmlns:a16="http://schemas.microsoft.com/office/drawing/2014/main" id="{CAF161BC-F434-AC53-9372-34A67EB52966}"/>
+              </a:ext>
+            </a:extLst>
+          </p:cNvPr>
+          <p:cNvSpPr txBox="1">
+            <a:spLocks/>
+          </p:cNvSpPr>
+          <p:nvPr/>
+        </p:nvSpPr>
+        <p:spPr>
+          <a:xfrm>
+            <a:off x="1447800" y="2766218"/>
+            <a:ext cx="10515600" cy="1325563"/>
+          </a:xfrm>
+          <a:prstGeom prst="rect">
+            <a:avLst/>
+          </a:prstGeom>
+        </p:spPr>
+        <p:txBody>
+          <a:bodyPr vert="horz" lIns="91440" tIns="45720" rIns="91440" bIns="45720" rtlCol="0" anchor="ctr">
+            <a:normAutofit/>
+          </a:bodyPr>
+          <a:lstStyle>
+            <a:lvl1pPr algn="l" defTabSz="914400" rtl="0" eaLnBrk="1" latinLnBrk="0" hangingPunct="1">
+              <a:lnSpc>
+                <a:spcPct val="90000"/>
+              </a:lnSpc>
+              <a:spcBef>
+                <a:spcPct val="0"/>
+              </a:spcBef>
+              <a:buNone/>
+              <a:defRPr sz="4400" kern="1200">
+                <a:solidFill>
+                  <a:schemeClr val="tx1"/>
+                </a:solidFill>
+                <a:latin typeface="+mj-lt"/>
+                <a:ea typeface="+mj-ea"/>
+                <a:cs typeface="+mj-cs"/>
+              </a:defRPr>
+            </a:lvl1pPr>
+          </a:lstStyle>
+          <a:p>
+            <a:r>
+              <a:rPr lang="en-US" dirty="0">
+                <a:latin typeface="CaskaydiaCove NF" panose="02000009000000000000"/>
+              </a:rPr>
+              <a:t>Thanks for your attention and all the fish</a:t>
+            </a:r>
+          </a:p>
+        </p:txBody>
+      </p:sp>
+      <p:sp>
+        <p:nvSpPr>
+          <p:cNvPr id="3" name="TextBox 6">
+            <a:extLst>
+              <a:ext uri="{FF2B5EF4-FFF2-40B4-BE49-F238E27FC236}">
+                <a16:creationId xmlns:a16="http://schemas.microsoft.com/office/drawing/2014/main" id="{CC7FDD6F-A8DE-1C95-0964-B21D747158A2}"/>
+              </a:ext>
+            </a:extLst>
+          </p:cNvPr>
+          <p:cNvSpPr txBox="1"/>
+          <p:nvPr/>
+        </p:nvSpPr>
+        <p:spPr>
+          <a:xfrm>
+            <a:off x="10421133" y="6378157"/>
+            <a:ext cx="1772473" cy="523220"/>
+          </a:xfrm>
+          <a:prstGeom prst="rect">
+            <a:avLst/>
+          </a:prstGeom>
+          <a:noFill/>
+        </p:spPr>
+        <p:txBody>
+          <a:bodyPr wrap="none" lIns="91440" tIns="45720" rIns="91440" bIns="45720" rtlCol="0" anchor="t">
+            <a:spAutoFit/>
+          </a:bodyPr>
+          <a:lstStyle/>
+          <a:p>
+            <a:r>
+              <a:rPr lang="en-US" sz="2800" dirty="0">
+                <a:solidFill>
+                  <a:schemeClr val="tx1">
+                    <a:lumMod val="65000"/>
+                    <a:lumOff val="35000"/>
+                  </a:schemeClr>
+                </a:solidFill>
+              </a:rPr>
+              <a:t>#PSSATKA</a:t>
+            </a:r>
+          </a:p>
+        </p:txBody>
+      </p:sp>
+    </p:spTree>
+    <p:extLst>
+      <p:ext uri="{BB962C8B-B14F-4D97-AF65-F5344CB8AC3E}">
+        <p14:creationId xmlns:p14="http://schemas.microsoft.com/office/powerpoint/2010/main" val="372060718"/>
+      </p:ext>
+    </p:extLst>
+  </p:cSld>
+  <p:clrMapOvr>
+    <a:masterClrMapping/>
+  </p:clrMapOvr>
+</p:sld>
+</file>
+
+<file path=ppt/slides/slide2.xml><?xml version="1.0" encoding="utf-8"?>
+<p:sld xmlns:a="http://schemas.openxmlformats.org/drawingml/2006/main" xmlns:r="http://schemas.openxmlformats.org/officeDocument/2006/relationships" xmlns:p="http://schemas.openxmlformats.org/presentationml/2006/main">
+  <p:cSld>
+    <p:spTree>
+      <p:nvGrpSpPr>
+        <p:cNvPr id="1" name=""/>
+        <p:cNvGrpSpPr/>
+        <p:nvPr/>
+      </p:nvGrpSpPr>
+      <p:grpSpPr>
+        <a:xfrm>
+          <a:off x="0" y="0"/>
+          <a:ext cx="0" cy="0"/>
+          <a:chOff x="0" y="0"/>
+          <a:chExt cx="0" cy="0"/>
+        </a:xfrm>
+      </p:grpSpPr>
+      <p:pic>
+        <p:nvPicPr>
+          <p:cNvPr id="8" name="Picture 7" descr="A blue background with light blue lines&#10;&#10;Description automatically generated">
+            <a:extLst>
+              <a:ext uri="{FF2B5EF4-FFF2-40B4-BE49-F238E27FC236}">
+                <a16:creationId xmlns:a16="http://schemas.microsoft.com/office/drawing/2014/main" id="{AE5BD249-EEC6-497A-BA20-98C1853DD3B3}"/>
+              </a:ext>
+            </a:extLst>
+          </p:cNvPr>
+          <p:cNvPicPr>
+            <a:picLocks noChangeAspect="1"/>
+          </p:cNvPicPr>
+          <p:nvPr/>
+        </p:nvPicPr>
+        <p:blipFill>
+          <a:blip r:embed="rId2">
+            <a:extLst>
+              <a:ext uri="{28A0092B-C50C-407E-A947-70E740481C1C}">
+                <a14:useLocalDpi xmlns:a14="http://schemas.microsoft.com/office/drawing/2010/main" val="0"/>
+              </a:ext>
+            </a:extLst>
+          </a:blip>
+          <a:stretch>
+            <a:fillRect/>
+          </a:stretch>
+        </p:blipFill>
+        <p:spPr>
+          <a:xfrm>
+            <a:off x="0" y="0"/>
+            <a:ext cx="12192000" cy="6858000"/>
+          </a:xfrm>
+          <a:prstGeom prst="rect">
+            <a:avLst/>
+          </a:prstGeom>
+        </p:spPr>
+      </p:pic>
+      <p:sp>
+        <p:nvSpPr>
+          <p:cNvPr id="2" name="Title 1">
+            <a:extLst>
+              <a:ext uri="{FF2B5EF4-FFF2-40B4-BE49-F238E27FC236}">
+                <a16:creationId xmlns:a16="http://schemas.microsoft.com/office/drawing/2014/main" id="{F728B897-14A8-CCAC-76FC-F45864B2301F}"/>
+              </a:ext>
+            </a:extLst>
+          </p:cNvPr>
+          <p:cNvSpPr>
+            <a:spLocks noGrp="1"/>
+          </p:cNvSpPr>
+          <p:nvPr>
+            <p:ph type="title"/>
+          </p:nvPr>
+        </p:nvSpPr>
+        <p:spPr/>
+        <p:txBody>
+          <a:bodyPr/>
+          <a:lstStyle/>
+          <a:p>
+            <a:pPr algn="ctr"/>
+            <a:r>
+              <a:rPr lang="en-US" dirty="0">
+                <a:latin typeface="CaskaydiaCove NF" panose="02000009000000000000"/>
+              </a:rPr>
+              <a:t>Thanks to our sponsors:</a:t>
+            </a:r>
+          </a:p>
+        </p:txBody>
+      </p:sp>
+      <p:pic>
+        <p:nvPicPr>
+          <p:cNvPr id="5" name="Picture 4" descr="A blue text on a black background&#10;&#10;Description automatically generated">
+            <a:extLst>
+              <a:ext uri="{FF2B5EF4-FFF2-40B4-BE49-F238E27FC236}">
+                <a16:creationId xmlns:a16="http://schemas.microsoft.com/office/drawing/2014/main" id="{470E3F5F-1739-028F-4F59-839B045A641A}"/>
+              </a:ext>
+            </a:extLst>
+          </p:cNvPr>
+          <p:cNvPicPr>
+            <a:picLocks noChangeAspect="1"/>
+          </p:cNvPicPr>
+          <p:nvPr/>
+        </p:nvPicPr>
+        <p:blipFill>
+          <a:blip r:embed="rId3">
+            <a:extLst>
+              <a:ext uri="{28A0092B-C50C-407E-A947-70E740481C1C}">
+                <a14:useLocalDpi xmlns:a14="http://schemas.microsoft.com/office/drawing/2010/main" val="0"/>
+              </a:ext>
+            </a:extLst>
+          </a:blip>
+          <a:stretch>
+            <a:fillRect/>
+          </a:stretch>
+        </p:blipFill>
+        <p:spPr>
+          <a:xfrm>
+            <a:off x="381000" y="2000250"/>
+            <a:ext cx="5011132" cy="1252783"/>
+          </a:xfrm>
+          <a:prstGeom prst="rect">
+            <a:avLst/>
+          </a:prstGeom>
+        </p:spPr>
+      </p:pic>
+      <p:pic>
+        <p:nvPicPr>
+          <p:cNvPr id="4" name="Picture 3" descr="A white paper with a black background&#10;&#10;Description automatically generated">
+            <a:extLst>
+              <a:ext uri="{FF2B5EF4-FFF2-40B4-BE49-F238E27FC236}">
+                <a16:creationId xmlns:a16="http://schemas.microsoft.com/office/drawing/2014/main" id="{FD3D9C6F-BC84-84E9-105C-6A9EFABB6937}"/>
+              </a:ext>
+            </a:extLst>
+          </p:cNvPr>
+          <p:cNvPicPr>
+            <a:picLocks noChangeAspect="1"/>
+          </p:cNvPicPr>
+          <p:nvPr/>
+        </p:nvPicPr>
+        <p:blipFill>
+          <a:blip r:embed="rId4">
+            <a:alphaModFix amt="85000"/>
+            <a:extLst>
+              <a:ext uri="{28A0092B-C50C-407E-A947-70E740481C1C}">
+                <a14:useLocalDpi xmlns:a14="http://schemas.microsoft.com/office/drawing/2010/main" val="0"/>
+              </a:ext>
+            </a:extLst>
+          </a:blip>
+          <a:stretch>
+            <a:fillRect/>
+          </a:stretch>
+        </p:blipFill>
+        <p:spPr>
+          <a:xfrm>
+            <a:off x="7650910" y="5718844"/>
+            <a:ext cx="4541090" cy="1139156"/>
+          </a:xfrm>
+          <a:prstGeom prst="rect">
+            <a:avLst/>
+          </a:prstGeom>
+        </p:spPr>
+      </p:pic>
+      <p:sp>
+        <p:nvSpPr>
+          <p:cNvPr id="6" name="TextBox 5">
+            <a:extLst>
+              <a:ext uri="{FF2B5EF4-FFF2-40B4-BE49-F238E27FC236}">
+                <a16:creationId xmlns:a16="http://schemas.microsoft.com/office/drawing/2014/main" id="{219679E6-147C-7834-F67E-AD85388DC2E7}"/>
+              </a:ext>
+            </a:extLst>
+          </p:cNvPr>
+          <p:cNvSpPr txBox="1"/>
+          <p:nvPr/>
+        </p:nvSpPr>
+        <p:spPr>
+          <a:xfrm>
+            <a:off x="10421133" y="6286349"/>
+            <a:ext cx="1772473" cy="523220"/>
+          </a:xfrm>
+          <a:prstGeom prst="rect">
+            <a:avLst/>
+          </a:prstGeom>
+          <a:noFill/>
+        </p:spPr>
+        <p:txBody>
+          <a:bodyPr wrap="none" lIns="91440" tIns="45720" rIns="91440" bIns="45720" rtlCol="0" anchor="t">
+            <a:spAutoFit/>
+          </a:bodyPr>
+          <a:lstStyle/>
+          <a:p>
+            <a:r>
+              <a:rPr lang="en-US" sz="2800" dirty="0">
+                <a:solidFill>
+                  <a:schemeClr val="tx1">
+                    <a:lumMod val="65000"/>
+                    <a:lumOff val="35000"/>
+                  </a:schemeClr>
+                </a:solidFill>
+              </a:rPr>
+              <a:t>#PSSATKA</a:t>
+            </a:r>
+          </a:p>
+        </p:txBody>
+      </p:sp>
+      <p:pic>
+        <p:nvPicPr>
+          <p:cNvPr id="3" name="Picture 2" descr="A blue and white tree&#10;&#10;Description automatically generated">
+            <a:extLst>
+              <a:ext uri="{FF2B5EF4-FFF2-40B4-BE49-F238E27FC236}">
+                <a16:creationId xmlns:a16="http://schemas.microsoft.com/office/drawing/2014/main" id="{C0CD74CF-83DB-DD07-D045-B18E267A79AF}"/>
+              </a:ext>
+            </a:extLst>
+          </p:cNvPr>
+          <p:cNvPicPr>
+            <a:picLocks noChangeAspect="1"/>
+          </p:cNvPicPr>
+          <p:nvPr/>
+        </p:nvPicPr>
+        <p:blipFill>
+          <a:blip r:embed="rId5">
+            <a:alphaModFix amt="85000"/>
+            <a:extLst>
+              <a:ext uri="{28A0092B-C50C-407E-A947-70E740481C1C}">
+                <a14:useLocalDpi xmlns:a14="http://schemas.microsoft.com/office/drawing/2010/main" val="0"/>
+              </a:ext>
+            </a:extLst>
+          </a:blip>
+          <a:stretch>
+            <a:fillRect/>
+          </a:stretch>
+        </p:blipFill>
+        <p:spPr>
+          <a:xfrm>
+            <a:off x="0" y="5094252"/>
+            <a:ext cx="1583140" cy="1807992"/>
+          </a:xfrm>
+          <a:prstGeom prst="rect">
+            <a:avLst/>
+          </a:prstGeom>
+        </p:spPr>
+      </p:pic>
+      <p:pic>
+        <p:nvPicPr>
+          <p:cNvPr id="1026" name="Picture 2">
+            <a:extLst>
+              <a:ext uri="{FF2B5EF4-FFF2-40B4-BE49-F238E27FC236}">
+                <a16:creationId xmlns:a16="http://schemas.microsoft.com/office/drawing/2014/main" id="{C4BDA416-B1AA-190D-EB60-C4CA386397B3}"/>
+              </a:ext>
+            </a:extLst>
+          </p:cNvPr>
+          <p:cNvPicPr>
+            <a:picLocks noChangeAspect="1" noChangeArrowheads="1"/>
+          </p:cNvPicPr>
+          <p:nvPr/>
+        </p:nvPicPr>
+        <p:blipFill>
+          <a:blip r:embed="rId6">
+            <a:extLst>
+              <a:ext uri="{28A0092B-C50C-407E-A947-70E740481C1C}">
+                <a14:useLocalDpi xmlns:a14="http://schemas.microsoft.com/office/drawing/2010/main" val="0"/>
+              </a:ext>
+            </a:extLst>
+          </a:blip>
+          <a:srcRect/>
+          <a:stretch>
+            <a:fillRect/>
+          </a:stretch>
+        </p:blipFill>
+        <p:spPr bwMode="auto">
+          <a:xfrm>
+            <a:off x="6456218" y="3378416"/>
+            <a:ext cx="5375564" cy="1791855"/>
+          </a:xfrm>
+          <a:prstGeom prst="rect">
+            <a:avLst/>
+          </a:prstGeom>
+          <a:noFill/>
+          <a:extLst>
+            <a:ext uri="{909E8E84-426E-40DD-AFC4-6F175D3DCCD1}">
+              <a14:hiddenFill xmlns:a14="http://schemas.microsoft.com/office/drawing/2010/main">
+                <a:solidFill>
+                  <a:srgbClr val="FFFFFF"/>
+                </a:solidFill>
+              </a14:hiddenFill>
+            </a:ext>
+          </a:extLst>
+        </p:spPr>
+      </p:pic>
+      <p:pic>
+        <p:nvPicPr>
+          <p:cNvPr id="9" name="Graphic 8">
+            <a:extLst>
+              <a:ext uri="{FF2B5EF4-FFF2-40B4-BE49-F238E27FC236}">
+                <a16:creationId xmlns:a16="http://schemas.microsoft.com/office/drawing/2014/main" id="{C9CFC646-D1B4-0BCF-1CE5-0B07057A3BEA}"/>
+              </a:ext>
+            </a:extLst>
+          </p:cNvPr>
+          <p:cNvPicPr>
+            <a:picLocks noChangeAspect="1"/>
+          </p:cNvPicPr>
+          <p:nvPr/>
+        </p:nvPicPr>
+        <p:blipFill>
+          <a:blip r:embed="rId7">
+            <a:extLst>
+              <a:ext uri="{96DAC541-7B7A-43D3-8B79-37D633B846F1}">
+                <asvg:svgBlip xmlns:asvg="http://schemas.microsoft.com/office/drawing/2016/SVG/main" r:embed="rId8"/>
+              </a:ext>
+            </a:extLst>
+          </a:blip>
+          <a:stretch>
+            <a:fillRect/>
+          </a:stretch>
+        </p:blipFill>
+        <p:spPr>
+          <a:xfrm>
+            <a:off x="838201" y="4102683"/>
+            <a:ext cx="5932714" cy="1768347"/>
+          </a:xfrm>
+          <a:prstGeom prst="rect">
+            <a:avLst/>
+          </a:prstGeom>
+        </p:spPr>
+      </p:pic>
+    </p:spTree>
+    <p:extLst>
+      <p:ext uri="{BB962C8B-B14F-4D97-AF65-F5344CB8AC3E}">
+        <p14:creationId xmlns:p14="http://schemas.microsoft.com/office/powerpoint/2010/main" val="1436281231"/>
+      </p:ext>
+    </p:extLst>
+  </p:cSld>
+  <p:clrMapOvr>
+    <a:masterClrMapping/>
+  </p:clrMapOvr>
+</p:sld>
+</file>
+
+<file path=ppt/slides/slide3.xml><?xml version="1.0" encoding="utf-8"?>
+<p:sld xmlns:a="http://schemas.openxmlformats.org/drawingml/2006/main" xmlns:r="http://schemas.openxmlformats.org/officeDocument/2006/relationships" xmlns:p="http://schemas.openxmlformats.org/presentationml/2006/main">
+  <p:cSld>
+    <p:spTree>
+      <p:nvGrpSpPr>
+        <p:cNvPr id="1" name=""/>
+        <p:cNvGrpSpPr/>
+        <p:nvPr/>
+      </p:nvGrpSpPr>
+      <p:grpSpPr>
+        <a:xfrm>
+          <a:off x="0" y="0"/>
+          <a:ext cx="0" cy="0"/>
+          <a:chOff x="0" y="0"/>
+          <a:chExt cx="0" cy="0"/>
+        </a:xfrm>
+      </p:grpSpPr>
+      <p:grpSp>
+        <p:nvGrpSpPr>
+          <p:cNvPr id="8" name="Group 7">
+            <a:extLst>
+              <a:ext uri="{FF2B5EF4-FFF2-40B4-BE49-F238E27FC236}">
+                <a16:creationId xmlns:a16="http://schemas.microsoft.com/office/drawing/2014/main" id="{D3AD12B6-36B4-2539-79A1-7E554473ABB8}"/>
+              </a:ext>
+            </a:extLst>
+          </p:cNvPr>
+          <p:cNvGrpSpPr/>
+          <p:nvPr/>
+        </p:nvGrpSpPr>
+        <p:grpSpPr>
+          <a:xfrm>
+            <a:off x="0" y="0"/>
+            <a:ext cx="12193606" cy="6902244"/>
+            <a:chOff x="0" y="0"/>
+            <a:chExt cx="12193606" cy="6902244"/>
+          </a:xfrm>
+        </p:grpSpPr>
+        <p:pic>
+          <p:nvPicPr>
+            <p:cNvPr id="4" name="Picture 3" descr="A blue background with light blue lines&#10;&#10;Description automatically generated">
+              <a:extLst>
+                <a:ext uri="{FF2B5EF4-FFF2-40B4-BE49-F238E27FC236}">
+                  <a16:creationId xmlns:a16="http://schemas.microsoft.com/office/drawing/2014/main" id="{EA4BAED5-F1D9-08C2-8DC0-82AA2ADCB5CC}"/>
+                </a:ext>
+              </a:extLst>
+            </p:cNvPr>
+            <p:cNvPicPr>
+              <a:picLocks noChangeAspect="1"/>
+            </p:cNvPicPr>
+            <p:nvPr/>
+          </p:nvPicPr>
+          <p:blipFill>
+            <a:blip r:embed="rId2">
+              <a:extLst>
+                <a:ext uri="{28A0092B-C50C-407E-A947-70E740481C1C}">
+                  <a14:useLocalDpi xmlns:a14="http://schemas.microsoft.com/office/drawing/2010/main" val="0"/>
+                </a:ext>
+              </a:extLst>
+            </a:blip>
+            <a:stretch>
+              <a:fillRect/>
+            </a:stretch>
+          </p:blipFill>
+          <p:spPr>
+            <a:xfrm>
+              <a:off x="0" y="0"/>
+              <a:ext cx="12192000" cy="6858000"/>
+            </a:xfrm>
+            <a:prstGeom prst="rect">
+              <a:avLst/>
+            </a:prstGeom>
+          </p:spPr>
+        </p:pic>
+        <p:pic>
+          <p:nvPicPr>
+            <p:cNvPr id="5" name="Picture 4" descr="A blue and white tree&#10;&#10;Description automatically generated">
+              <a:extLst>
+                <a:ext uri="{FF2B5EF4-FFF2-40B4-BE49-F238E27FC236}">
+                  <a16:creationId xmlns:a16="http://schemas.microsoft.com/office/drawing/2014/main" id="{E8826AAC-B3B9-5AEC-7A96-B710A024D0F3}"/>
+                </a:ext>
+              </a:extLst>
+            </p:cNvPr>
+            <p:cNvPicPr>
+              <a:picLocks noChangeAspect="1"/>
+            </p:cNvPicPr>
+            <p:nvPr/>
+          </p:nvPicPr>
+          <p:blipFill>
+            <a:blip r:embed="rId3">
+              <a:alphaModFix amt="85000"/>
+              <a:extLst>
+                <a:ext uri="{28A0092B-C50C-407E-A947-70E740481C1C}">
+                  <a14:useLocalDpi xmlns:a14="http://schemas.microsoft.com/office/drawing/2010/main" val="0"/>
+                </a:ext>
+              </a:extLst>
+            </a:blip>
+            <a:stretch>
+              <a:fillRect/>
+            </a:stretch>
+          </p:blipFill>
+          <p:spPr>
+            <a:xfrm>
+              <a:off x="0" y="5094252"/>
+              <a:ext cx="1583140" cy="1807992"/>
+            </a:xfrm>
+            <a:prstGeom prst="rect">
+              <a:avLst/>
+            </a:prstGeom>
+          </p:spPr>
+        </p:pic>
+        <p:pic>
+          <p:nvPicPr>
+            <p:cNvPr id="6" name="Picture 5" descr="A white paper with a black background&#10;&#10;Description automatically generated">
+              <a:extLst>
+                <a:ext uri="{FF2B5EF4-FFF2-40B4-BE49-F238E27FC236}">
+                  <a16:creationId xmlns:a16="http://schemas.microsoft.com/office/drawing/2014/main" id="{8A4B09CE-44B9-15D7-E555-425940C3BC93}"/>
+                </a:ext>
+              </a:extLst>
+            </p:cNvPr>
+            <p:cNvPicPr>
+              <a:picLocks noChangeAspect="1"/>
+            </p:cNvPicPr>
+            <p:nvPr/>
+          </p:nvPicPr>
+          <p:blipFill>
+            <a:blip r:embed="rId4">
+              <a:alphaModFix amt="85000"/>
+              <a:extLst>
+                <a:ext uri="{28A0092B-C50C-407E-A947-70E740481C1C}">
+                  <a14:useLocalDpi xmlns:a14="http://schemas.microsoft.com/office/drawing/2010/main" val="0"/>
+                </a:ext>
+              </a:extLst>
+            </a:blip>
+            <a:stretch>
+              <a:fillRect/>
+            </a:stretch>
+          </p:blipFill>
+          <p:spPr>
+            <a:xfrm>
+              <a:off x="7650910" y="5740966"/>
+              <a:ext cx="4541090" cy="1139156"/>
+            </a:xfrm>
+            <a:prstGeom prst="rect">
+              <a:avLst/>
+            </a:prstGeom>
+          </p:spPr>
+        </p:pic>
+        <p:sp>
+          <p:nvSpPr>
+            <p:cNvPr id="7" name="TextBox 6">
+              <a:extLst>
+                <a:ext uri="{FF2B5EF4-FFF2-40B4-BE49-F238E27FC236}">
+                  <a16:creationId xmlns:a16="http://schemas.microsoft.com/office/drawing/2014/main" id="{70B4D598-2189-7F0F-C758-5A77CFCCD682}"/>
+                </a:ext>
+              </a:extLst>
+            </p:cNvPr>
+            <p:cNvSpPr txBox="1"/>
+            <p:nvPr/>
+          </p:nvSpPr>
+          <p:spPr>
+            <a:xfrm>
+              <a:off x="10421133" y="6332253"/>
+              <a:ext cx="1772473" cy="523220"/>
+            </a:xfrm>
+            <a:prstGeom prst="rect">
+              <a:avLst/>
+            </a:prstGeom>
+            <a:noFill/>
+          </p:spPr>
+          <p:txBody>
+            <a:bodyPr wrap="none" lIns="91440" tIns="45720" rIns="91440" bIns="45720" rtlCol="0" anchor="t">
+              <a:spAutoFit/>
+            </a:bodyPr>
+            <a:lstStyle/>
+            <a:p>
+              <a:r>
+                <a:rPr lang="en-US" sz="2800" dirty="0">
+                  <a:solidFill>
+                    <a:schemeClr val="tx1">
+                      <a:lumMod val="65000"/>
+                      <a:lumOff val="35000"/>
+                    </a:schemeClr>
+                  </a:solidFill>
+                </a:rPr>
+                <a:t>#PSSATKA</a:t>
+              </a:r>
+            </a:p>
+          </p:txBody>
+        </p:sp>
+      </p:grpSp>
+      <p:sp>
+        <p:nvSpPr>
+          <p:cNvPr id="2" name="Title 1">
+            <a:extLst>
+              <a:ext uri="{FF2B5EF4-FFF2-40B4-BE49-F238E27FC236}">
+                <a16:creationId xmlns:a16="http://schemas.microsoft.com/office/drawing/2014/main" id="{74F23C85-F3E2-3194-0242-BB901D8FEE62}"/>
+              </a:ext>
+            </a:extLst>
+          </p:cNvPr>
+          <p:cNvSpPr>
+            <a:spLocks noGrp="1"/>
+          </p:cNvSpPr>
+          <p:nvPr>
+            <p:ph type="title"/>
+          </p:nvPr>
+        </p:nvSpPr>
+        <p:spPr/>
+        <p:txBody>
+          <a:bodyPr/>
+          <a:lstStyle/>
+          <a:p>
+            <a:r>
+              <a:rPr lang="en-US" dirty="0">
+                <a:latin typeface="CaskaydiaCove NF" panose="02000009000000000000" pitchFamily="50" charset="0"/>
+                <a:ea typeface="CaskaydiaCove NF" panose="02000009000000000000" pitchFamily="50" charset="0"/>
+                <a:cs typeface="CaskaydiaCove NF" panose="02000009000000000000" pitchFamily="50" charset="0"/>
+              </a:rPr>
+              <a:t>			  About me</a:t>
+            </a:r>
+            <a:endParaRPr lang="LID4096" dirty="0">
+              <a:latin typeface="CaskaydiaCove NF" panose="02000009000000000000" pitchFamily="50" charset="0"/>
+              <a:ea typeface="CaskaydiaCove NF" panose="02000009000000000000" pitchFamily="50" charset="0"/>
+              <a:cs typeface="CaskaydiaCove NF" panose="02000009000000000000" pitchFamily="50" charset="0"/>
+            </a:endParaRPr>
+          </a:p>
+        </p:txBody>
+      </p:sp>
+      <p:grpSp>
+        <p:nvGrpSpPr>
+          <p:cNvPr id="20" name="Group 19">
+            <a:extLst>
+              <a:ext uri="{FF2B5EF4-FFF2-40B4-BE49-F238E27FC236}">
+                <a16:creationId xmlns:a16="http://schemas.microsoft.com/office/drawing/2014/main" id="{8C51634E-0527-9806-203C-DB49AE327FFF}"/>
+              </a:ext>
+            </a:extLst>
+          </p:cNvPr>
+          <p:cNvGrpSpPr/>
+          <p:nvPr/>
+        </p:nvGrpSpPr>
+        <p:grpSpPr>
+          <a:xfrm>
+            <a:off x="4762224" y="3338368"/>
+            <a:ext cx="7007142" cy="489840"/>
+            <a:chOff x="6494007" y="2355588"/>
+            <a:chExt cx="7007142" cy="489840"/>
+          </a:xfrm>
+        </p:grpSpPr>
+        <p:pic>
+          <p:nvPicPr>
+            <p:cNvPr id="15" name="Picture 4" descr="Logo KPMG Switzerland Organization Brand, declining call ...">
+              <a:extLst>
+                <a:ext uri="{FF2B5EF4-FFF2-40B4-BE49-F238E27FC236}">
+                  <a16:creationId xmlns:a16="http://schemas.microsoft.com/office/drawing/2014/main" id="{2AAEE3CB-EAB0-0800-8CE7-F2EF14F120E8}"/>
+                </a:ext>
+              </a:extLst>
+            </p:cNvPr>
+            <p:cNvPicPr>
+              <a:picLocks noChangeAspect="1" noChangeArrowheads="1"/>
+            </p:cNvPicPr>
+            <p:nvPr/>
+          </p:nvPicPr>
+          <p:blipFill>
+            <a:blip r:embed="rId5">
+              <a:extLst>
+                <a:ext uri="{BEBA8EAE-BF5A-486C-A8C5-ECC9F3942E4B}">
+                  <a14:imgProps xmlns:a14="http://schemas.microsoft.com/office/drawing/2010/main">
+                    <a14:imgLayer r:embed="rId6">
+                      <a14:imgEffect>
+                        <a14:backgroundRemoval t="10000" b="90000" l="10000" r="90000"/>
+                      </a14:imgEffect>
+                    </a14:imgLayer>
+                  </a14:imgProps>
+                </a:ext>
+                <a:ext uri="{28A0092B-C50C-407E-A947-70E740481C1C}">
+                  <a14:useLocalDpi xmlns:a14="http://schemas.microsoft.com/office/drawing/2010/main" val="0"/>
+                </a:ext>
+              </a:extLst>
+            </a:blip>
+            <a:srcRect/>
+            <a:stretch>
+              <a:fillRect/>
+            </a:stretch>
+          </p:blipFill>
+          <p:spPr bwMode="auto">
+            <a:xfrm>
+              <a:off x="6494007" y="2355588"/>
+              <a:ext cx="997789" cy="427941"/>
+            </a:xfrm>
+            <a:prstGeom prst="rect">
+              <a:avLst/>
+            </a:prstGeom>
+            <a:noFill/>
+            <a:extLst>
+              <a:ext uri="{909E8E84-426E-40DD-AFC4-6F175D3DCCD1}">
+                <a14:hiddenFill xmlns:a14="http://schemas.microsoft.com/office/drawing/2010/main">
+                  <a:solidFill>
+                    <a:srgbClr val="FFFFFF"/>
+                  </a:solidFill>
+                </a14:hiddenFill>
+              </a:ext>
+            </a:extLst>
+          </p:spPr>
+        </p:pic>
+        <p:sp>
+          <p:nvSpPr>
+            <p:cNvPr id="19" name="TextBox 18">
+              <a:extLst>
+                <a:ext uri="{FF2B5EF4-FFF2-40B4-BE49-F238E27FC236}">
+                  <a16:creationId xmlns:a16="http://schemas.microsoft.com/office/drawing/2014/main" id="{30115022-50CF-8457-E21B-77EE0D956ADD}"/>
+                </a:ext>
+              </a:extLst>
+            </p:cNvPr>
+            <p:cNvSpPr txBox="1"/>
+            <p:nvPr/>
+          </p:nvSpPr>
+          <p:spPr>
+            <a:xfrm>
+              <a:off x="7350721" y="2383763"/>
+              <a:ext cx="6150428" cy="461665"/>
+            </a:xfrm>
+            <a:prstGeom prst="rect">
+              <a:avLst/>
+            </a:prstGeom>
+            <a:noFill/>
+          </p:spPr>
+          <p:txBody>
+            <a:bodyPr wrap="square">
+              <a:spAutoFit/>
+            </a:bodyPr>
+            <a:lstStyle/>
+            <a:p>
+              <a:r>
+                <a:rPr lang="en-US" sz="2400" dirty="0"/>
+                <a:t>Technology Lead Automation</a:t>
+              </a:r>
+            </a:p>
+          </p:txBody>
+        </p:sp>
+      </p:grpSp>
+      <p:grpSp>
+        <p:nvGrpSpPr>
+          <p:cNvPr id="25" name="Group 24">
+            <a:extLst>
+              <a:ext uri="{FF2B5EF4-FFF2-40B4-BE49-F238E27FC236}">
+                <a16:creationId xmlns:a16="http://schemas.microsoft.com/office/drawing/2014/main" id="{0BB2D4A9-CD61-26B3-3915-EC770CB008A6}"/>
+              </a:ext>
+            </a:extLst>
+          </p:cNvPr>
+          <p:cNvGrpSpPr/>
+          <p:nvPr/>
+        </p:nvGrpSpPr>
+        <p:grpSpPr>
+          <a:xfrm>
+            <a:off x="4066001" y="5392854"/>
+            <a:ext cx="7439923" cy="696223"/>
+            <a:chOff x="6716757" y="3189543"/>
+            <a:chExt cx="7439923" cy="696223"/>
+          </a:xfrm>
+        </p:grpSpPr>
+        <p:pic>
+          <p:nvPicPr>
+            <p:cNvPr id="14" name="Picture 2">
+              <a:extLst>
+                <a:ext uri="{FF2B5EF4-FFF2-40B4-BE49-F238E27FC236}">
+                  <a16:creationId xmlns:a16="http://schemas.microsoft.com/office/drawing/2014/main" id="{E06ED28D-488B-8AF9-1414-936EA0F5037B}"/>
+                </a:ext>
+              </a:extLst>
+            </p:cNvPr>
+            <p:cNvPicPr>
+              <a:picLocks noChangeAspect="1" noChangeArrowheads="1"/>
+            </p:cNvPicPr>
+            <p:nvPr/>
+          </p:nvPicPr>
+          <p:blipFill>
+            <a:blip r:embed="rId7">
+              <a:extLst>
+                <a:ext uri="{28A0092B-C50C-407E-A947-70E740481C1C}">
+                  <a14:useLocalDpi xmlns:a14="http://schemas.microsoft.com/office/drawing/2010/main" val="0"/>
+                </a:ext>
+              </a:extLst>
+            </a:blip>
+            <a:srcRect/>
+            <a:stretch>
+              <a:fillRect/>
+            </a:stretch>
+          </p:blipFill>
+          <p:spPr bwMode="auto">
+            <a:xfrm>
+              <a:off x="6716757" y="3189543"/>
+              <a:ext cx="696223" cy="696223"/>
+            </a:xfrm>
+            <a:prstGeom prst="rect">
+              <a:avLst/>
+            </a:prstGeom>
+            <a:noFill/>
+            <a:extLst>
+              <a:ext uri="{909E8E84-426E-40DD-AFC4-6F175D3DCCD1}">
+                <a14:hiddenFill xmlns:a14="http://schemas.microsoft.com/office/drawing/2010/main">
+                  <a:solidFill>
+                    <a:srgbClr val="FFFFFF"/>
+                  </a:solidFill>
+                </a14:hiddenFill>
+              </a:ext>
+            </a:extLst>
+          </p:spPr>
+        </p:pic>
+        <p:sp>
+          <p:nvSpPr>
+            <p:cNvPr id="24" name="TextBox 23">
+              <a:extLst>
+                <a:ext uri="{FF2B5EF4-FFF2-40B4-BE49-F238E27FC236}">
+                  <a16:creationId xmlns:a16="http://schemas.microsoft.com/office/drawing/2014/main" id="{E7648D4E-2C14-2327-52DA-292919C60F8F}"/>
+                </a:ext>
+              </a:extLst>
+            </p:cNvPr>
+            <p:cNvSpPr txBox="1"/>
+            <p:nvPr/>
+          </p:nvSpPr>
+          <p:spPr>
+            <a:xfrm>
+              <a:off x="7412980" y="3354474"/>
+              <a:ext cx="6743700" cy="461665"/>
+            </a:xfrm>
+            <a:prstGeom prst="rect">
+              <a:avLst/>
+            </a:prstGeom>
+            <a:noFill/>
+          </p:spPr>
+          <p:txBody>
+            <a:bodyPr wrap="square">
+              <a:spAutoFit/>
+            </a:bodyPr>
+            <a:lstStyle/>
+            <a:p>
+              <a:r>
+                <a:rPr lang="en-US" sz="2400" dirty="0"/>
+                <a:t>github.com/gogbg/pssatka</a:t>
+              </a:r>
+              <a:endParaRPr lang="bg-BG" sz="2400" dirty="0"/>
+            </a:p>
+          </p:txBody>
+        </p:sp>
+      </p:grpSp>
+      <p:grpSp>
+        <p:nvGrpSpPr>
+          <p:cNvPr id="30" name="Group 29">
+            <a:extLst>
+              <a:ext uri="{FF2B5EF4-FFF2-40B4-BE49-F238E27FC236}">
+                <a16:creationId xmlns:a16="http://schemas.microsoft.com/office/drawing/2014/main" id="{35FD15A2-5564-0EB6-DA21-01BFF07E3B34}"/>
+              </a:ext>
+            </a:extLst>
+          </p:cNvPr>
+          <p:cNvGrpSpPr/>
+          <p:nvPr/>
+        </p:nvGrpSpPr>
+        <p:grpSpPr>
+          <a:xfrm>
+            <a:off x="4645940" y="4368771"/>
+            <a:ext cx="7644077" cy="549362"/>
+            <a:chOff x="6735758" y="3727348"/>
+            <a:chExt cx="7644077" cy="549362"/>
+          </a:xfrm>
+        </p:grpSpPr>
+        <p:pic>
+          <p:nvPicPr>
+            <p:cNvPr id="1026" name="Picture 2" descr="Linkedin - Free social media icons">
+              <a:extLst>
+                <a:ext uri="{FF2B5EF4-FFF2-40B4-BE49-F238E27FC236}">
+                  <a16:creationId xmlns:a16="http://schemas.microsoft.com/office/drawing/2014/main" id="{53EA480E-7018-B7B5-2673-A1C1E1EA903B}"/>
+                </a:ext>
+              </a:extLst>
+            </p:cNvPr>
+            <p:cNvPicPr>
+              <a:picLocks noChangeAspect="1" noChangeArrowheads="1"/>
+            </p:cNvPicPr>
+            <p:nvPr/>
+          </p:nvPicPr>
+          <p:blipFill>
+            <a:blip r:embed="rId8">
+              <a:extLst>
+                <a:ext uri="{28A0092B-C50C-407E-A947-70E740481C1C}">
+                  <a14:useLocalDpi xmlns:a14="http://schemas.microsoft.com/office/drawing/2010/main" val="0"/>
+                </a:ext>
+              </a:extLst>
+            </a:blip>
+            <a:srcRect/>
+            <a:stretch>
+              <a:fillRect/>
+            </a:stretch>
+          </p:blipFill>
+          <p:spPr bwMode="auto">
+            <a:xfrm>
+              <a:off x="6735758" y="3727348"/>
+              <a:ext cx="549362" cy="549362"/>
+            </a:xfrm>
+            <a:prstGeom prst="rect">
+              <a:avLst/>
+            </a:prstGeom>
+            <a:noFill/>
+            <a:extLst>
+              <a:ext uri="{909E8E84-426E-40DD-AFC4-6F175D3DCCD1}">
+                <a14:hiddenFill xmlns:a14="http://schemas.microsoft.com/office/drawing/2010/main">
+                  <a:solidFill>
+                    <a:srgbClr val="FFFFFF"/>
+                  </a:solidFill>
+                </a14:hiddenFill>
+              </a:ext>
+            </a:extLst>
+          </p:spPr>
+        </p:pic>
+        <p:sp>
+          <p:nvSpPr>
+            <p:cNvPr id="29" name="TextBox 28">
+              <a:extLst>
+                <a:ext uri="{FF2B5EF4-FFF2-40B4-BE49-F238E27FC236}">
+                  <a16:creationId xmlns:a16="http://schemas.microsoft.com/office/drawing/2014/main" id="{0C7ED3C7-FAD2-24B9-9123-0307C8F73D0A}"/>
+                </a:ext>
+              </a:extLst>
+            </p:cNvPr>
+            <p:cNvSpPr txBox="1"/>
+            <p:nvPr/>
+          </p:nvSpPr>
+          <p:spPr>
+            <a:xfrm>
+              <a:off x="7358551" y="3815045"/>
+              <a:ext cx="7021284" cy="461665"/>
+            </a:xfrm>
+            <a:prstGeom prst="rect">
+              <a:avLst/>
+            </a:prstGeom>
+            <a:noFill/>
+          </p:spPr>
+          <p:txBody>
+            <a:bodyPr wrap="square">
+              <a:spAutoFit/>
+            </a:bodyPr>
+            <a:lstStyle/>
+            <a:p>
+              <a:r>
+                <a:rPr lang="en-US" sz="2400" dirty="0"/>
+                <a:t>linkedin.com/in/gogivanov</a:t>
+              </a:r>
+              <a:endParaRPr lang="bg-BG" sz="2400" dirty="0"/>
+            </a:p>
+          </p:txBody>
+        </p:sp>
+      </p:grpSp>
+      <p:grpSp>
+        <p:nvGrpSpPr>
+          <p:cNvPr id="38" name="Group 37">
+            <a:extLst>
+              <a:ext uri="{FF2B5EF4-FFF2-40B4-BE49-F238E27FC236}">
+                <a16:creationId xmlns:a16="http://schemas.microsoft.com/office/drawing/2014/main" id="{89264079-4AC9-A03B-B67A-5775407B141E}"/>
+              </a:ext>
+            </a:extLst>
+          </p:cNvPr>
+          <p:cNvGrpSpPr/>
+          <p:nvPr/>
+        </p:nvGrpSpPr>
+        <p:grpSpPr>
+          <a:xfrm>
+            <a:off x="4545478" y="2002062"/>
+            <a:ext cx="7177191" cy="971711"/>
+            <a:chOff x="4777498" y="1402948"/>
+            <a:chExt cx="7177191" cy="971711"/>
+          </a:xfrm>
+        </p:grpSpPr>
+        <p:pic>
+          <p:nvPicPr>
+            <p:cNvPr id="31" name="Picture 6" descr="99,600+ Graduation Cap Stock Photos, Pictures &amp; Royalty-Free ...">
+              <a:extLst>
+                <a:ext uri="{FF2B5EF4-FFF2-40B4-BE49-F238E27FC236}">
+                  <a16:creationId xmlns:a16="http://schemas.microsoft.com/office/drawing/2014/main" id="{B732E4EF-EFF3-ED59-6BB8-BC2BBCEF22A1}"/>
+                </a:ext>
+              </a:extLst>
+            </p:cNvPr>
+            <p:cNvPicPr>
+              <a:picLocks noChangeAspect="1" noChangeArrowheads="1"/>
+            </p:cNvPicPr>
+            <p:nvPr/>
+          </p:nvPicPr>
+          <p:blipFill>
+            <a:blip r:embed="rId9">
+              <a:extLst>
+                <a:ext uri="{BEBA8EAE-BF5A-486C-A8C5-ECC9F3942E4B}">
+                  <a14:imgProps xmlns:a14="http://schemas.microsoft.com/office/drawing/2010/main">
+                    <a14:imgLayer r:embed="rId10">
+                      <a14:imgEffect>
+                        <a14:backgroundRemoval t="10000" b="90000" l="10000" r="90000">
+                          <a14:foregroundMark x1="34967" y1="53431" x2="34967" y2="53431"/>
+                        </a14:backgroundRemoval>
+                      </a14:imgEffect>
+                    </a14:imgLayer>
+                  </a14:imgProps>
+                </a:ext>
+                <a:ext uri="{28A0092B-C50C-407E-A947-70E740481C1C}">
+                  <a14:useLocalDpi xmlns:a14="http://schemas.microsoft.com/office/drawing/2010/main" val="0"/>
+                </a:ext>
+              </a:extLst>
+            </a:blip>
+            <a:srcRect/>
+            <a:stretch>
+              <a:fillRect/>
+            </a:stretch>
+          </p:blipFill>
+          <p:spPr bwMode="auto">
+            <a:xfrm>
+              <a:off x="4777498" y="1402948"/>
+              <a:ext cx="971711" cy="971711"/>
+            </a:xfrm>
+            <a:prstGeom prst="rect">
+              <a:avLst/>
+            </a:prstGeom>
+            <a:noFill/>
+            <a:extLst>
+              <a:ext uri="{909E8E84-426E-40DD-AFC4-6F175D3DCCD1}">
+                <a14:hiddenFill xmlns:a14="http://schemas.microsoft.com/office/drawing/2010/main">
+                  <a:solidFill>
+                    <a:srgbClr val="FFFFFF"/>
+                  </a:solidFill>
+                </a14:hiddenFill>
+              </a:ext>
+            </a:extLst>
+          </p:spPr>
+        </p:pic>
+        <p:sp>
+          <p:nvSpPr>
+            <p:cNvPr id="37" name="TextBox 36">
+              <a:extLst>
+                <a:ext uri="{FF2B5EF4-FFF2-40B4-BE49-F238E27FC236}">
+                  <a16:creationId xmlns:a16="http://schemas.microsoft.com/office/drawing/2014/main" id="{3C2953EA-9167-9B7E-79F3-9582E484792D}"/>
+                </a:ext>
+              </a:extLst>
+            </p:cNvPr>
+            <p:cNvSpPr txBox="1"/>
+            <p:nvPr/>
+          </p:nvSpPr>
+          <p:spPr>
+            <a:xfrm>
+              <a:off x="5624647" y="1456896"/>
+              <a:ext cx="6330042" cy="830997"/>
+            </a:xfrm>
+            <a:prstGeom prst="rect">
+              <a:avLst/>
+            </a:prstGeom>
+            <a:noFill/>
+          </p:spPr>
+          <p:txBody>
+            <a:bodyPr wrap="square">
+              <a:spAutoFit/>
+            </a:bodyPr>
+            <a:lstStyle/>
+            <a:p>
+              <a:r>
+                <a:rPr lang="en-US" sz="2400" dirty="0"/>
+                <a:t>Trainer</a:t>
+              </a:r>
+            </a:p>
+            <a:p>
+              <a:r>
+                <a:rPr lang="en-US" sz="2400" dirty="0"/>
+                <a:t>Speaker at PowerShell UG BG</a:t>
+              </a:r>
+            </a:p>
+          </p:txBody>
+        </p:sp>
+      </p:grpSp>
+      <p:sp>
+        <p:nvSpPr>
+          <p:cNvPr id="43" name="Freihandform: Form 9">
+            <a:extLst>
+              <a:ext uri="{FF2B5EF4-FFF2-40B4-BE49-F238E27FC236}">
+                <a16:creationId xmlns:a16="http://schemas.microsoft.com/office/drawing/2014/main" id="{BF0618FB-895B-FFC7-9F80-A53CA0C2D3B4}"/>
+              </a:ext>
+            </a:extLst>
+          </p:cNvPr>
+          <p:cNvSpPr/>
+          <p:nvPr/>
+        </p:nvSpPr>
+        <p:spPr>
+          <a:xfrm>
+            <a:off x="-1" y="0"/>
+            <a:ext cx="4645941" cy="6857990"/>
+          </a:xfrm>
+          <a:custGeom>
+            <a:avLst/>
+            <a:gdLst>
+              <a:gd name="connsiteX0" fmla="*/ 1216946 w 4645941"/>
+              <a:gd name="connsiteY0" fmla="*/ 0 h 6857990"/>
+              <a:gd name="connsiteX1" fmla="*/ 4645941 w 4645941"/>
+              <a:gd name="connsiteY1" fmla="*/ 3428995 h 6857990"/>
+              <a:gd name="connsiteX2" fmla="*/ 1216946 w 4645941"/>
+              <a:gd name="connsiteY2" fmla="*/ 6857990 h 6857990"/>
+              <a:gd name="connsiteX3" fmla="*/ 37943 w 4645941"/>
+              <a:gd name="connsiteY3" fmla="*/ 6649920 h 6857990"/>
+              <a:gd name="connsiteX4" fmla="*/ 0 w 4645941"/>
+              <a:gd name="connsiteY4" fmla="*/ 6634960 h 6857990"/>
+              <a:gd name="connsiteX5" fmla="*/ 0 w 4645941"/>
+              <a:gd name="connsiteY5" fmla="*/ 223031 h 6857990"/>
+              <a:gd name="connsiteX6" fmla="*/ 37943 w 4645941"/>
+              <a:gd name="connsiteY6" fmla="*/ 208071 h 6857990"/>
+              <a:gd name="connsiteX7" fmla="*/ 1216946 w 4645941"/>
+              <a:gd name="connsiteY7" fmla="*/ 0 h 6857990"/>
+            </a:gdLst>
+            <a:ahLst/>
+            <a:cxnLst>
+              <a:cxn ang="0">
+                <a:pos x="connsiteX0" y="connsiteY0"/>
+              </a:cxn>
+              <a:cxn ang="0">
+                <a:pos x="connsiteX1" y="connsiteY1"/>
+              </a:cxn>
+              <a:cxn ang="0">
+                <a:pos x="connsiteX2" y="connsiteY2"/>
+              </a:cxn>
+              <a:cxn ang="0">
+                <a:pos x="connsiteX3" y="connsiteY3"/>
+              </a:cxn>
+              <a:cxn ang="0">
+                <a:pos x="connsiteX4" y="connsiteY4"/>
+              </a:cxn>
+              <a:cxn ang="0">
+                <a:pos x="connsiteX5" y="connsiteY5"/>
+              </a:cxn>
+              <a:cxn ang="0">
+                <a:pos x="connsiteX6" y="connsiteY6"/>
+              </a:cxn>
+              <a:cxn ang="0">
+                <a:pos x="connsiteX7" y="connsiteY7"/>
+              </a:cxn>
+            </a:cxnLst>
+            <a:rect l="l" t="t" r="r" b="b"/>
+            <a:pathLst>
+              <a:path w="4645941" h="6857990">
+                <a:moveTo>
+                  <a:pt x="1216946" y="0"/>
+                </a:moveTo>
+                <a:cubicBezTo>
+                  <a:pt x="3110728" y="0"/>
+                  <a:pt x="4645941" y="1535213"/>
+                  <a:pt x="4645941" y="3428995"/>
+                </a:cubicBezTo>
+                <a:cubicBezTo>
+                  <a:pt x="4645941" y="5322777"/>
+                  <a:pt x="3110728" y="6857990"/>
+                  <a:pt x="1216946" y="6857990"/>
+                </a:cubicBezTo>
+                <a:cubicBezTo>
+                  <a:pt x="802681" y="6857990"/>
+                  <a:pt x="405575" y="6784528"/>
+                  <a:pt x="37943" y="6649920"/>
+                </a:cubicBezTo>
+                <a:lnTo>
+                  <a:pt x="0" y="6634960"/>
+                </a:lnTo>
+                <a:lnTo>
+                  <a:pt x="0" y="223031"/>
+                </a:lnTo>
+                <a:lnTo>
+                  <a:pt x="37943" y="208071"/>
+                </a:lnTo>
+                <a:cubicBezTo>
+                  <a:pt x="405575" y="73462"/>
+                  <a:pt x="802681" y="0"/>
+                  <a:pt x="1216946" y="0"/>
+                </a:cubicBezTo>
+                <a:close/>
+              </a:path>
+            </a:pathLst>
+          </a:custGeom>
+          <a:solidFill>
+            <a:srgbClr val="0277BD"/>
+          </a:solidFill>
+          <a:ln>
+            <a:noFill/>
+          </a:ln>
+          <a:effectLst>
+            <a:innerShdw blurRad="317500" dist="101600" dir="13500000">
+              <a:prstClr val="black">
+                <a:alpha val="56000"/>
+              </a:prstClr>
+            </a:innerShdw>
+          </a:effectLst>
+        </p:spPr>
+        <p:style>
+          <a:lnRef idx="2">
+            <a:schemeClr val="accent1">
+              <a:shade val="15000"/>
+            </a:schemeClr>
+          </a:lnRef>
+          <a:fillRef idx="1">
+            <a:schemeClr val="accent1"/>
+          </a:fillRef>
+          <a:effectRef idx="0">
+            <a:schemeClr val="accent1"/>
+          </a:effectRef>
+          <a:fontRef idx="minor">
+            <a:schemeClr val="lt1"/>
+          </a:fontRef>
+        </p:style>
+        <p:txBody>
+          <a:bodyPr wrap="square" rtlCol="0" anchor="ctr">
+            <a:noAutofit/>
+          </a:bodyPr>
+          <a:lstStyle/>
+          <a:p>
+            <a:pPr>
+              <a:lnSpc>
+                <a:spcPct val="100000"/>
+              </a:lnSpc>
+            </a:pPr>
+            <a:r>
+              <a:rPr lang="en-US" sz="1800" b="1">
+                <a:solidFill>
+                  <a:srgbClr val="14385B"/>
+                </a:solidFill>
+                <a:latin typeface="CaskaydiaCove NF" panose="02000009000000000000" pitchFamily="50" charset="0"/>
+                <a:ea typeface="CaskaydiaCove NF" panose="02000009000000000000" pitchFamily="50" charset="0"/>
+                <a:cs typeface="CaskaydiaCove NF" panose="02000009000000000000" pitchFamily="50" charset="0"/>
+              </a:rPr>
+              <a:t>30. November 2024</a:t>
+            </a:r>
+            <a:endParaRPr lang="en-US" sz="1800" b="1" dirty="0">
+              <a:solidFill>
+                <a:srgbClr val="14385B"/>
+              </a:solidFill>
+              <a:latin typeface="CaskaydiaCove NF" panose="02000009000000000000" pitchFamily="50" charset="0"/>
+              <a:ea typeface="CaskaydiaCove NF" panose="02000009000000000000" pitchFamily="50" charset="0"/>
+              <a:cs typeface="CaskaydiaCove NF" panose="02000009000000000000" pitchFamily="50" charset="0"/>
+            </a:endParaRPr>
+          </a:p>
+        </p:txBody>
+      </p:sp>
+      <p:pic>
+        <p:nvPicPr>
+          <p:cNvPr id="44" name="Grafik 12">
+            <a:extLst>
+              <a:ext uri="{FF2B5EF4-FFF2-40B4-BE49-F238E27FC236}">
+                <a16:creationId xmlns:a16="http://schemas.microsoft.com/office/drawing/2014/main" id="{9062DBE6-876E-A99B-B537-0EA6F672B7CB}"/>
+              </a:ext>
+            </a:extLst>
+          </p:cNvPr>
+          <p:cNvPicPr>
+            <a:picLocks noChangeAspect="1"/>
+          </p:cNvPicPr>
+          <p:nvPr/>
+        </p:nvPicPr>
+        <p:blipFill>
+          <a:blip r:embed="rId11">
+            <a:extLst>
+              <a:ext uri="{28A0092B-C50C-407E-A947-70E740481C1C}">
+                <a14:useLocalDpi xmlns:a14="http://schemas.microsoft.com/office/drawing/2010/main" val="0"/>
+              </a:ext>
+            </a:extLst>
+          </a:blip>
+          <a:srcRect l="12510" r="12510"/>
+          <a:stretch/>
+        </p:blipFill>
+        <p:spPr>
+          <a:xfrm>
+            <a:off x="0" y="1435296"/>
+            <a:ext cx="3222436" cy="4114796"/>
+          </a:xfrm>
+          <a:custGeom>
+            <a:avLst/>
+            <a:gdLst>
+              <a:gd name="connsiteX0" fmla="*/ 1165038 w 3222436"/>
+              <a:gd name="connsiteY0" fmla="*/ 0 h 4114796"/>
+              <a:gd name="connsiteX1" fmla="*/ 3222436 w 3222436"/>
+              <a:gd name="connsiteY1" fmla="*/ 2057398 h 4114796"/>
+              <a:gd name="connsiteX2" fmla="*/ 1165038 w 3222436"/>
+              <a:gd name="connsiteY2" fmla="*/ 4114796 h 4114796"/>
+              <a:gd name="connsiteX3" fmla="*/ 14727 w 3222436"/>
+              <a:gd name="connsiteY3" fmla="*/ 3763425 h 4114796"/>
+              <a:gd name="connsiteX4" fmla="*/ 0 w 3222436"/>
+              <a:gd name="connsiteY4" fmla="*/ 3752412 h 4114796"/>
+              <a:gd name="connsiteX5" fmla="*/ 0 w 3222436"/>
+              <a:gd name="connsiteY5" fmla="*/ 362384 h 4114796"/>
+              <a:gd name="connsiteX6" fmla="*/ 14727 w 3222436"/>
+              <a:gd name="connsiteY6" fmla="*/ 351371 h 4114796"/>
+              <a:gd name="connsiteX7" fmla="*/ 1165038 w 3222436"/>
+              <a:gd name="connsiteY7" fmla="*/ 0 h 4114796"/>
+            </a:gdLst>
+            <a:ahLst/>
+            <a:cxnLst>
+              <a:cxn ang="0">
+                <a:pos x="connsiteX0" y="connsiteY0"/>
+              </a:cxn>
+              <a:cxn ang="0">
+                <a:pos x="connsiteX1" y="connsiteY1"/>
+              </a:cxn>
+              <a:cxn ang="0">
+                <a:pos x="connsiteX2" y="connsiteY2"/>
+              </a:cxn>
+              <a:cxn ang="0">
+                <a:pos x="connsiteX3" y="connsiteY3"/>
+              </a:cxn>
+              <a:cxn ang="0">
+                <a:pos x="connsiteX4" y="connsiteY4"/>
+              </a:cxn>
+              <a:cxn ang="0">
+                <a:pos x="connsiteX5" y="connsiteY5"/>
+              </a:cxn>
+              <a:cxn ang="0">
+                <a:pos x="connsiteX6" y="connsiteY6"/>
+              </a:cxn>
+              <a:cxn ang="0">
+                <a:pos x="connsiteX7" y="connsiteY7"/>
+              </a:cxn>
+            </a:cxnLst>
+            <a:rect l="l" t="t" r="r" b="b"/>
+            <a:pathLst>
+              <a:path w="3222436" h="4114796">
+                <a:moveTo>
+                  <a:pt x="1165038" y="0"/>
+                </a:moveTo>
+                <a:cubicBezTo>
+                  <a:pt x="2301308" y="0"/>
+                  <a:pt x="3222436" y="921128"/>
+                  <a:pt x="3222436" y="2057398"/>
+                </a:cubicBezTo>
+                <a:cubicBezTo>
+                  <a:pt x="3222436" y="3193668"/>
+                  <a:pt x="2301308" y="4114796"/>
+                  <a:pt x="1165038" y="4114796"/>
+                </a:cubicBezTo>
+                <a:cubicBezTo>
+                  <a:pt x="738937" y="4114796"/>
+                  <a:pt x="343090" y="3985263"/>
+                  <a:pt x="14727" y="3763425"/>
+                </a:cubicBezTo>
+                <a:lnTo>
+                  <a:pt x="0" y="3752412"/>
+                </a:lnTo>
+                <a:lnTo>
+                  <a:pt x="0" y="362384"/>
+                </a:lnTo>
+                <a:lnTo>
+                  <a:pt x="14727" y="351371"/>
+                </a:lnTo>
+                <a:cubicBezTo>
+                  <a:pt x="343090" y="129534"/>
+                  <a:pt x="738937" y="0"/>
+                  <a:pt x="1165038" y="0"/>
+                </a:cubicBezTo>
+                <a:close/>
+              </a:path>
+            </a:pathLst>
+          </a:custGeom>
+          <a:effectLst>
+            <a:innerShdw blurRad="317500" dist="101600" dir="13500000">
+              <a:prstClr val="black">
+                <a:alpha val="56000"/>
+              </a:prstClr>
+            </a:innerShdw>
+          </a:effectLst>
+        </p:spPr>
+      </p:pic>
+    </p:spTree>
+    <p:extLst>
+      <p:ext uri="{BB962C8B-B14F-4D97-AF65-F5344CB8AC3E}">
+        <p14:creationId xmlns:p14="http://schemas.microsoft.com/office/powerpoint/2010/main" val="1608874287"/>
+      </p:ext>
+    </p:extLst>
+  </p:cSld>
+  <p:clrMapOvr>
+    <a:masterClrMapping/>
+  </p:clrMapOvr>
+</p:sld>
+</file>
+
+<file path=ppt/slides/slide4.xml><?xml version="1.0" encoding="utf-8"?>
 <p:sld xmlns:a="http://schemas.openxmlformats.org/drawingml/2006/main" xmlns:r="http://schemas.openxmlformats.org/officeDocument/2006/relationships" xmlns:p="http://schemas.openxmlformats.org/presentationml/2006/main">
   <p:cSld>
     <p:spTree>
@@ -4848,8 +7336,13 @@
                 <a:ea typeface="CaskaydiaCove NF" panose="02000009000000000000" pitchFamily="50" charset="0"/>
                 <a:cs typeface="CaskaydiaCove NF" panose="02000009000000000000" pitchFamily="50" charset="0"/>
               </a:rPr>
-              <a:t>Best practices</a:t>
-            </a:r>
+              <a:t>Agenda</a:t>
+            </a:r>
+            <a:endParaRPr lang="LID4096" dirty="0">
+              <a:latin typeface="CaskaydiaCove NF" panose="02000009000000000000" pitchFamily="50" charset="0"/>
+              <a:ea typeface="CaskaydiaCove NF" panose="02000009000000000000" pitchFamily="50" charset="0"/>
+              <a:cs typeface="CaskaydiaCove NF" panose="02000009000000000000" pitchFamily="50" charset="0"/>
+            </a:endParaRPr>
           </a:p>
         </p:txBody>
       </p:sp>
@@ -4885,2446 +7378,6 @@
                 <a:ea typeface="CaskaydiaCove NF" panose="02000009000000000000" pitchFamily="50" charset="0"/>
                 <a:cs typeface="CaskaydiaCove NF" panose="02000009000000000000" pitchFamily="50" charset="0"/>
               </a:rPr>
-              <a:t>BP1</a:t>
-            </a:r>
-          </a:p>
-          <a:p>
-            <a:r>
-              <a:rPr lang="en-GB" dirty="0">
-                <a:latin typeface="CaskaydiaCove NF" panose="02000009000000000000" pitchFamily="50" charset="0"/>
-                <a:ea typeface="CaskaydiaCove NF" panose="02000009000000000000" pitchFamily="50" charset="0"/>
-                <a:cs typeface="CaskaydiaCove NF" panose="02000009000000000000" pitchFamily="50" charset="0"/>
-              </a:rPr>
-              <a:t>BP2</a:t>
-            </a:r>
-          </a:p>
-        </p:txBody>
-      </p:sp>
-    </p:spTree>
-    <p:extLst>
-      <p:ext uri="{BB962C8B-B14F-4D97-AF65-F5344CB8AC3E}">
-        <p14:creationId xmlns:p14="http://schemas.microsoft.com/office/powerpoint/2010/main" val="3426665639"/>
-      </p:ext>
-    </p:extLst>
-  </p:cSld>
-  <p:clrMapOvr>
-    <a:masterClrMapping/>
-  </p:clrMapOvr>
-</p:sld>
-</file>
-
-<file path=ppt/slides/slide14.xml><?xml version="1.0" encoding="utf-8"?>
-<p:sld xmlns:a="http://schemas.openxmlformats.org/drawingml/2006/main" xmlns:r="http://schemas.openxmlformats.org/officeDocument/2006/relationships" xmlns:p="http://schemas.openxmlformats.org/presentationml/2006/main">
-  <p:cSld>
-    <p:spTree>
-      <p:nvGrpSpPr>
-        <p:cNvPr id="1" name=""/>
-        <p:cNvGrpSpPr/>
-        <p:nvPr/>
-      </p:nvGrpSpPr>
-      <p:grpSpPr>
-        <a:xfrm>
-          <a:off x="0" y="0"/>
-          <a:ext cx="0" cy="0"/>
-          <a:chOff x="0" y="0"/>
-          <a:chExt cx="0" cy="0"/>
-        </a:xfrm>
-      </p:grpSpPr>
-      <p:pic>
-        <p:nvPicPr>
-          <p:cNvPr id="8" name="Picture 7" descr="A blue background with light blue lines&#10;&#10;Description automatically generated">
-            <a:extLst>
-              <a:ext uri="{FF2B5EF4-FFF2-40B4-BE49-F238E27FC236}">
-                <a16:creationId xmlns:a16="http://schemas.microsoft.com/office/drawing/2014/main" id="{089E2708-95F1-6E82-BEF5-FDD50509F797}"/>
-              </a:ext>
-            </a:extLst>
-          </p:cNvPr>
-          <p:cNvPicPr>
-            <a:picLocks noChangeAspect="1"/>
-          </p:cNvPicPr>
-          <p:nvPr/>
-        </p:nvPicPr>
-        <p:blipFill>
-          <a:blip r:embed="rId2">
-            <a:extLst>
-              <a:ext uri="{28A0092B-C50C-407E-A947-70E740481C1C}">
-                <a14:useLocalDpi xmlns:a14="http://schemas.microsoft.com/office/drawing/2010/main" val="0"/>
-              </a:ext>
-            </a:extLst>
-          </a:blip>
-          <a:stretch>
-            <a:fillRect/>
-          </a:stretch>
-        </p:blipFill>
-        <p:spPr>
-          <a:xfrm>
-            <a:off x="0" y="-10"/>
-            <a:ext cx="12192000" cy="6858000"/>
-          </a:xfrm>
-          <a:prstGeom prst="rect">
-            <a:avLst/>
-          </a:prstGeom>
-        </p:spPr>
-      </p:pic>
-      <p:sp>
-        <p:nvSpPr>
-          <p:cNvPr id="2" name="Title 1">
-            <a:extLst>
-              <a:ext uri="{FF2B5EF4-FFF2-40B4-BE49-F238E27FC236}">
-                <a16:creationId xmlns:a16="http://schemas.microsoft.com/office/drawing/2014/main" id="{3BCAA743-ECAA-E02F-71D2-24A92F37B541}"/>
-              </a:ext>
-            </a:extLst>
-          </p:cNvPr>
-          <p:cNvSpPr>
-            <a:spLocks noGrp="1"/>
-          </p:cNvSpPr>
-          <p:nvPr>
-            <p:ph type="title"/>
-          </p:nvPr>
-        </p:nvSpPr>
-        <p:spPr>
-          <a:xfrm>
-            <a:off x="908724" y="1284514"/>
-            <a:ext cx="4620584" cy="1424202"/>
-          </a:xfrm>
-        </p:spPr>
-        <p:txBody>
-          <a:bodyPr vert="horz" lIns="91440" tIns="45720" rIns="91440" bIns="45720" rtlCol="0" anchor="b">
-            <a:normAutofit/>
-          </a:bodyPr>
-          <a:lstStyle/>
-          <a:p>
-            <a:r>
-              <a:rPr lang="en-US" sz="6600" dirty="0">
-                <a:latin typeface="CaskaydiaCove NF" panose="02000009000000000000" pitchFamily="50" charset="0"/>
-                <a:ea typeface="CaskaydiaCove NF" panose="02000009000000000000" pitchFamily="50" charset="0"/>
-                <a:cs typeface="CaskaydiaCove NF" panose="02000009000000000000" pitchFamily="50" charset="0"/>
-              </a:rPr>
-              <a:t>DEMO</a:t>
-            </a:r>
-          </a:p>
-        </p:txBody>
-      </p:sp>
-      <p:pic>
-        <p:nvPicPr>
-          <p:cNvPr id="7" name="Picture 6" descr="A white paper with a black background&#10;&#10;Description automatically generated">
-            <a:extLst>
-              <a:ext uri="{FF2B5EF4-FFF2-40B4-BE49-F238E27FC236}">
-                <a16:creationId xmlns:a16="http://schemas.microsoft.com/office/drawing/2014/main" id="{C8FCC836-75FC-4711-2729-30B8EC486AE2}"/>
-              </a:ext>
-            </a:extLst>
-          </p:cNvPr>
-          <p:cNvPicPr>
-            <a:picLocks noChangeAspect="1"/>
-          </p:cNvPicPr>
-          <p:nvPr/>
-        </p:nvPicPr>
-        <p:blipFill>
-          <a:blip r:embed="rId3">
-            <a:alphaModFix amt="85000"/>
-            <a:extLst>
-              <a:ext uri="{28A0092B-C50C-407E-A947-70E740481C1C}">
-                <a14:useLocalDpi xmlns:a14="http://schemas.microsoft.com/office/drawing/2010/main" val="0"/>
-              </a:ext>
-            </a:extLst>
-          </a:blip>
-          <a:stretch>
-            <a:fillRect/>
-          </a:stretch>
-        </p:blipFill>
-        <p:spPr>
-          <a:xfrm>
-            <a:off x="7650910" y="5718844"/>
-            <a:ext cx="4541090" cy="1139156"/>
-          </a:xfrm>
-          <a:prstGeom prst="rect">
-            <a:avLst/>
-          </a:prstGeom>
-        </p:spPr>
-      </p:pic>
-      <p:pic>
-        <p:nvPicPr>
-          <p:cNvPr id="3" name="Picture 2" descr="A cartoon of a santa claus sitting at a computer&#10;&#10;Description automatically generated">
-            <a:extLst>
-              <a:ext uri="{FF2B5EF4-FFF2-40B4-BE49-F238E27FC236}">
-                <a16:creationId xmlns:a16="http://schemas.microsoft.com/office/drawing/2014/main" id="{90D0C5B4-1114-E3F6-EA12-C1D1F7A1F0F4}"/>
-              </a:ext>
-            </a:extLst>
-          </p:cNvPr>
-          <p:cNvPicPr>
-            <a:picLocks noChangeAspect="1"/>
-          </p:cNvPicPr>
-          <p:nvPr/>
-        </p:nvPicPr>
-        <p:blipFill>
-          <a:blip r:embed="rId4">
-            <a:alphaModFix amt="85000"/>
-            <a:extLst>
-              <a:ext uri="{28A0092B-C50C-407E-A947-70E740481C1C}">
-                <a14:useLocalDpi xmlns:a14="http://schemas.microsoft.com/office/drawing/2010/main" val="0"/>
-              </a:ext>
-            </a:extLst>
-          </a:blip>
-          <a:stretch>
-            <a:fillRect/>
-          </a:stretch>
-        </p:blipFill>
-        <p:spPr>
-          <a:xfrm>
-            <a:off x="4854892" y="2152613"/>
-            <a:ext cx="5166356" cy="5166356"/>
-          </a:xfrm>
-          <a:prstGeom prst="rect">
-            <a:avLst/>
-          </a:prstGeom>
-        </p:spPr>
-      </p:pic>
-      <p:pic>
-        <p:nvPicPr>
-          <p:cNvPr id="4" name="Picture 3" descr="A blue and white tree&#10;&#10;Description automatically generated">
-            <a:extLst>
-              <a:ext uri="{FF2B5EF4-FFF2-40B4-BE49-F238E27FC236}">
-                <a16:creationId xmlns:a16="http://schemas.microsoft.com/office/drawing/2014/main" id="{AF001964-C7E5-956B-AA1F-1BF4CC9719DF}"/>
-              </a:ext>
-            </a:extLst>
-          </p:cNvPr>
-          <p:cNvPicPr>
-            <a:picLocks noChangeAspect="1"/>
-          </p:cNvPicPr>
-          <p:nvPr/>
-        </p:nvPicPr>
-        <p:blipFill>
-          <a:blip r:embed="rId5">
-            <a:alphaModFix amt="85000"/>
-            <a:extLst>
-              <a:ext uri="{28A0092B-C50C-407E-A947-70E740481C1C}">
-                <a14:useLocalDpi xmlns:a14="http://schemas.microsoft.com/office/drawing/2010/main" val="0"/>
-              </a:ext>
-            </a:extLst>
-          </a:blip>
-          <a:stretch>
-            <a:fillRect/>
-          </a:stretch>
-        </p:blipFill>
-        <p:spPr>
-          <a:xfrm>
-            <a:off x="0" y="5094252"/>
-            <a:ext cx="1583140" cy="1807992"/>
-          </a:xfrm>
-          <a:prstGeom prst="rect">
-            <a:avLst/>
-          </a:prstGeom>
-        </p:spPr>
-      </p:pic>
-      <p:sp>
-        <p:nvSpPr>
-          <p:cNvPr id="9" name="TextBox 6">
-            <a:extLst>
-              <a:ext uri="{FF2B5EF4-FFF2-40B4-BE49-F238E27FC236}">
-                <a16:creationId xmlns:a16="http://schemas.microsoft.com/office/drawing/2014/main" id="{2D5CB921-6990-E1EE-C231-EEDB57AB839A}"/>
-              </a:ext>
-            </a:extLst>
-          </p:cNvPr>
-          <p:cNvSpPr txBox="1"/>
-          <p:nvPr/>
-        </p:nvSpPr>
-        <p:spPr>
-          <a:xfrm>
-            <a:off x="10421133" y="6378157"/>
-            <a:ext cx="1772473" cy="523220"/>
-          </a:xfrm>
-          <a:prstGeom prst="rect">
-            <a:avLst/>
-          </a:prstGeom>
-          <a:noFill/>
-        </p:spPr>
-        <p:txBody>
-          <a:bodyPr wrap="none" lIns="91440" tIns="45720" rIns="91440" bIns="45720" rtlCol="0" anchor="t">
-            <a:spAutoFit/>
-          </a:bodyPr>
-          <a:lstStyle/>
-          <a:p>
-            <a:r>
-              <a:rPr lang="en-US" sz="2800" dirty="0">
-                <a:solidFill>
-                  <a:schemeClr val="tx1">
-                    <a:lumMod val="65000"/>
-                    <a:lumOff val="35000"/>
-                  </a:schemeClr>
-                </a:solidFill>
-              </a:rPr>
-              <a:t>#PSSATKA</a:t>
-            </a:r>
-          </a:p>
-        </p:txBody>
-      </p:sp>
-    </p:spTree>
-    <p:extLst>
-      <p:ext uri="{BB962C8B-B14F-4D97-AF65-F5344CB8AC3E}">
-        <p14:creationId xmlns:p14="http://schemas.microsoft.com/office/powerpoint/2010/main" val="1243894290"/>
-      </p:ext>
-    </p:extLst>
-  </p:cSld>
-  <p:clrMapOvr>
-    <a:masterClrMapping/>
-  </p:clrMapOvr>
-</p:sld>
-</file>
-
-<file path=ppt/slides/slide15.xml><?xml version="1.0" encoding="utf-8"?>
-<p:sld xmlns:a="http://schemas.openxmlformats.org/drawingml/2006/main" xmlns:r="http://schemas.openxmlformats.org/officeDocument/2006/relationships" xmlns:p="http://schemas.openxmlformats.org/presentationml/2006/main">
-  <p:cSld>
-    <p:spTree>
-      <p:nvGrpSpPr>
-        <p:cNvPr id="1" name=""/>
-        <p:cNvGrpSpPr/>
-        <p:nvPr/>
-      </p:nvGrpSpPr>
-      <p:grpSpPr>
-        <a:xfrm>
-          <a:off x="0" y="0"/>
-          <a:ext cx="0" cy="0"/>
-          <a:chOff x="0" y="0"/>
-          <a:chExt cx="0" cy="0"/>
-        </a:xfrm>
-      </p:grpSpPr>
-      <p:grpSp>
-        <p:nvGrpSpPr>
-          <p:cNvPr id="8" name="Group 7">
-            <a:extLst>
-              <a:ext uri="{FF2B5EF4-FFF2-40B4-BE49-F238E27FC236}">
-                <a16:creationId xmlns:a16="http://schemas.microsoft.com/office/drawing/2014/main" id="{D3AD12B6-36B4-2539-79A1-7E554473ABB8}"/>
-              </a:ext>
-            </a:extLst>
-          </p:cNvPr>
-          <p:cNvGrpSpPr/>
-          <p:nvPr/>
-        </p:nvGrpSpPr>
-        <p:grpSpPr>
-          <a:xfrm>
-            <a:off x="0" y="0"/>
-            <a:ext cx="12192000" cy="6902244"/>
-            <a:chOff x="0" y="0"/>
-            <a:chExt cx="12192000" cy="6902244"/>
-          </a:xfrm>
-        </p:grpSpPr>
-        <p:pic>
-          <p:nvPicPr>
-            <p:cNvPr id="4" name="Picture 3" descr="A blue background with light blue lines&#10;&#10;Description automatically generated">
-              <a:extLst>
-                <a:ext uri="{FF2B5EF4-FFF2-40B4-BE49-F238E27FC236}">
-                  <a16:creationId xmlns:a16="http://schemas.microsoft.com/office/drawing/2014/main" id="{EA4BAED5-F1D9-08C2-8DC0-82AA2ADCB5CC}"/>
-                </a:ext>
-              </a:extLst>
-            </p:cNvPr>
-            <p:cNvPicPr>
-              <a:picLocks noChangeAspect="1"/>
-            </p:cNvPicPr>
-            <p:nvPr/>
-          </p:nvPicPr>
-          <p:blipFill>
-            <a:blip r:embed="rId2">
-              <a:extLst>
-                <a:ext uri="{28A0092B-C50C-407E-A947-70E740481C1C}">
-                  <a14:useLocalDpi xmlns:a14="http://schemas.microsoft.com/office/drawing/2010/main" val="0"/>
-                </a:ext>
-              </a:extLst>
-            </a:blip>
-            <a:stretch>
-              <a:fillRect/>
-            </a:stretch>
-          </p:blipFill>
-          <p:spPr>
-            <a:xfrm>
-              <a:off x="0" y="0"/>
-              <a:ext cx="12192000" cy="6858000"/>
-            </a:xfrm>
-            <a:prstGeom prst="rect">
-              <a:avLst/>
-            </a:prstGeom>
-          </p:spPr>
-        </p:pic>
-        <p:pic>
-          <p:nvPicPr>
-            <p:cNvPr id="5" name="Picture 4" descr="A blue and white tree&#10;&#10;Description automatically generated">
-              <a:extLst>
-                <a:ext uri="{FF2B5EF4-FFF2-40B4-BE49-F238E27FC236}">
-                  <a16:creationId xmlns:a16="http://schemas.microsoft.com/office/drawing/2014/main" id="{E8826AAC-B3B9-5AEC-7A96-B710A024D0F3}"/>
-                </a:ext>
-              </a:extLst>
-            </p:cNvPr>
-            <p:cNvPicPr>
-              <a:picLocks noChangeAspect="1"/>
-            </p:cNvPicPr>
-            <p:nvPr/>
-          </p:nvPicPr>
-          <p:blipFill>
-            <a:blip r:embed="rId3">
-              <a:alphaModFix amt="85000"/>
-              <a:extLst>
-                <a:ext uri="{28A0092B-C50C-407E-A947-70E740481C1C}">
-                  <a14:useLocalDpi xmlns:a14="http://schemas.microsoft.com/office/drawing/2010/main" val="0"/>
-                </a:ext>
-              </a:extLst>
-            </a:blip>
-            <a:stretch>
-              <a:fillRect/>
-            </a:stretch>
-          </p:blipFill>
-          <p:spPr>
-            <a:xfrm>
-              <a:off x="0" y="5094252"/>
-              <a:ext cx="1583140" cy="1807992"/>
-            </a:xfrm>
-            <a:prstGeom prst="rect">
-              <a:avLst/>
-            </a:prstGeom>
-          </p:spPr>
-        </p:pic>
-        <p:pic>
-          <p:nvPicPr>
-            <p:cNvPr id="6" name="Picture 5" descr="A white paper with a black background&#10;&#10;Description automatically generated">
-              <a:extLst>
-                <a:ext uri="{FF2B5EF4-FFF2-40B4-BE49-F238E27FC236}">
-                  <a16:creationId xmlns:a16="http://schemas.microsoft.com/office/drawing/2014/main" id="{8A4B09CE-44B9-15D7-E555-425940C3BC93}"/>
-                </a:ext>
-              </a:extLst>
-            </p:cNvPr>
-            <p:cNvPicPr>
-              <a:picLocks noChangeAspect="1"/>
-            </p:cNvPicPr>
-            <p:nvPr/>
-          </p:nvPicPr>
-          <p:blipFill>
-            <a:blip r:embed="rId4">
-              <a:alphaModFix amt="85000"/>
-              <a:extLst>
-                <a:ext uri="{28A0092B-C50C-407E-A947-70E740481C1C}">
-                  <a14:useLocalDpi xmlns:a14="http://schemas.microsoft.com/office/drawing/2010/main" val="0"/>
-                </a:ext>
-              </a:extLst>
-            </a:blip>
-            <a:stretch>
-              <a:fillRect/>
-            </a:stretch>
-          </p:blipFill>
-          <p:spPr>
-            <a:xfrm>
-              <a:off x="7650910" y="5740966"/>
-              <a:ext cx="4541090" cy="1139156"/>
-            </a:xfrm>
-            <a:prstGeom prst="rect">
-              <a:avLst/>
-            </a:prstGeom>
-          </p:spPr>
-        </p:pic>
-      </p:grpSp>
-      <p:sp>
-        <p:nvSpPr>
-          <p:cNvPr id="2" name="Title 1">
-            <a:extLst>
-              <a:ext uri="{FF2B5EF4-FFF2-40B4-BE49-F238E27FC236}">
-                <a16:creationId xmlns:a16="http://schemas.microsoft.com/office/drawing/2014/main" id="{74F23C85-F3E2-3194-0242-BB901D8FEE62}"/>
-              </a:ext>
-            </a:extLst>
-          </p:cNvPr>
-          <p:cNvSpPr>
-            <a:spLocks noGrp="1"/>
-          </p:cNvSpPr>
-          <p:nvPr>
-            <p:ph type="title"/>
-          </p:nvPr>
-        </p:nvSpPr>
-        <p:spPr/>
-        <p:txBody>
-          <a:bodyPr/>
-          <a:lstStyle/>
-          <a:p>
-            <a:pPr algn="ctr"/>
-            <a:r>
-              <a:rPr lang="en-GB" dirty="0">
-                <a:latin typeface="CaskaydiaCove NF" panose="02000009000000000000" pitchFamily="50" charset="0"/>
-                <a:ea typeface="CaskaydiaCove NF" panose="02000009000000000000" pitchFamily="50" charset="0"/>
-                <a:cs typeface="CaskaydiaCove NF" panose="02000009000000000000" pitchFamily="50" charset="0"/>
-              </a:rPr>
-              <a:t>Rate this session</a:t>
-            </a:r>
-            <a:endParaRPr lang="LID4096" dirty="0">
-              <a:latin typeface="CaskaydiaCove NF" panose="02000009000000000000" pitchFamily="50" charset="0"/>
-              <a:ea typeface="CaskaydiaCove NF" panose="02000009000000000000" pitchFamily="50" charset="0"/>
-              <a:cs typeface="CaskaydiaCove NF" panose="02000009000000000000" pitchFamily="50" charset="0"/>
-            </a:endParaRPr>
-          </a:p>
-        </p:txBody>
-      </p:sp>
-      <p:sp>
-        <p:nvSpPr>
-          <p:cNvPr id="3" name="Content Placeholder 2">
-            <a:extLst>
-              <a:ext uri="{FF2B5EF4-FFF2-40B4-BE49-F238E27FC236}">
-                <a16:creationId xmlns:a16="http://schemas.microsoft.com/office/drawing/2014/main" id="{6DA3ADBA-E450-EF97-FB78-71D3DE8B19A5}"/>
-              </a:ext>
-            </a:extLst>
-          </p:cNvPr>
-          <p:cNvSpPr>
-            <a:spLocks noGrp="1"/>
-          </p:cNvSpPr>
-          <p:nvPr>
-            <p:ph idx="1"/>
-          </p:nvPr>
-        </p:nvSpPr>
-        <p:spPr>
-          <a:xfrm>
-            <a:off x="2719902" y="5568118"/>
-            <a:ext cx="6752195" cy="940030"/>
-          </a:xfrm>
-        </p:spPr>
-        <p:txBody>
-          <a:bodyPr>
-            <a:normAutofit fontScale="92500"/>
-          </a:bodyPr>
-          <a:lstStyle/>
-          <a:p>
-            <a:pPr marL="0" indent="0" algn="ctr">
-              <a:buNone/>
-            </a:pPr>
-            <a:r>
-              <a:rPr lang="en-US" dirty="0">
-                <a:latin typeface="CaskaydiaCove NF" panose="02000009000000000000"/>
-              </a:rPr>
-              <a:t>Giving feedback is like wrapping a Christmas gift: thoughtful, personal, and meant to bring joy.</a:t>
-            </a:r>
-            <a:endParaRPr lang="LID4096" dirty="0">
-              <a:latin typeface="CaskaydiaCove NF" panose="02000009000000000000"/>
-              <a:ea typeface="CaskaydiaCove NF" panose="02000009000000000000" pitchFamily="50" charset="0"/>
-              <a:cs typeface="CaskaydiaCove NF" panose="02000009000000000000" pitchFamily="50" charset="0"/>
-            </a:endParaRPr>
-          </a:p>
-        </p:txBody>
-      </p:sp>
-      <p:pic>
-        <p:nvPicPr>
-          <p:cNvPr id="10" name="Picture 9" descr="A blue gift box with white ribbon and snowflakes&#10;&#10;Description automatically generated">
-            <a:extLst>
-              <a:ext uri="{FF2B5EF4-FFF2-40B4-BE49-F238E27FC236}">
-                <a16:creationId xmlns:a16="http://schemas.microsoft.com/office/drawing/2014/main" id="{F065DACE-A8F5-6972-1FBC-D06EB8E19302}"/>
-              </a:ext>
-            </a:extLst>
-          </p:cNvPr>
-          <p:cNvPicPr>
-            <a:picLocks noChangeAspect="1"/>
-          </p:cNvPicPr>
-          <p:nvPr/>
-        </p:nvPicPr>
-        <p:blipFill>
-          <a:blip r:embed="rId5">
-            <a:extLst>
-              <a:ext uri="{28A0092B-C50C-407E-A947-70E740481C1C}">
-                <a14:useLocalDpi xmlns:a14="http://schemas.microsoft.com/office/drawing/2010/main" val="0"/>
-              </a:ext>
-            </a:extLst>
-          </a:blip>
-          <a:stretch>
-            <a:fillRect/>
-          </a:stretch>
-        </p:blipFill>
-        <p:spPr>
-          <a:xfrm>
-            <a:off x="3645340" y="1027906"/>
-            <a:ext cx="4475618" cy="4626392"/>
-          </a:xfrm>
-          <a:prstGeom prst="rect">
-            <a:avLst/>
-          </a:prstGeom>
-        </p:spPr>
-      </p:pic>
-      <p:pic>
-        <p:nvPicPr>
-          <p:cNvPr id="14" name="Picture 13" descr="A qr code with a white background&#10;&#10;Description automatically generated">
-            <a:extLst>
-              <a:ext uri="{FF2B5EF4-FFF2-40B4-BE49-F238E27FC236}">
-                <a16:creationId xmlns:a16="http://schemas.microsoft.com/office/drawing/2014/main" id="{2D198BC7-C3DF-E1AA-B9E3-3D060ACE2D32}"/>
-              </a:ext>
-            </a:extLst>
-          </p:cNvPr>
-          <p:cNvPicPr>
-            <a:picLocks noChangeAspect="1"/>
-          </p:cNvPicPr>
-          <p:nvPr/>
-        </p:nvPicPr>
-        <p:blipFill>
-          <a:blip r:embed="rId6">
-            <a:extLst>
-              <a:ext uri="{28A0092B-C50C-407E-A947-70E740481C1C}">
-                <a14:useLocalDpi xmlns:a14="http://schemas.microsoft.com/office/drawing/2010/main" val="0"/>
-              </a:ext>
-            </a:extLst>
-          </a:blip>
-          <a:stretch>
-            <a:fillRect/>
-          </a:stretch>
-        </p:blipFill>
-        <p:spPr>
-          <a:xfrm>
-            <a:off x="4304145" y="3177309"/>
-            <a:ext cx="3140364" cy="2105891"/>
-          </a:xfrm>
-          <a:prstGeom prst="roundRect">
-            <a:avLst>
-              <a:gd name="adj" fmla="val 8594"/>
-            </a:avLst>
-          </a:prstGeom>
-          <a:solidFill>
-            <a:srgbClr val="FFFFFF">
-              <a:shade val="85000"/>
-            </a:srgbClr>
-          </a:solidFill>
-          <a:ln>
-            <a:noFill/>
-          </a:ln>
-          <a:effectLst/>
-        </p:spPr>
-      </p:pic>
-      <p:sp>
-        <p:nvSpPr>
-          <p:cNvPr id="11" name="TextBox 6">
-            <a:extLst>
-              <a:ext uri="{FF2B5EF4-FFF2-40B4-BE49-F238E27FC236}">
-                <a16:creationId xmlns:a16="http://schemas.microsoft.com/office/drawing/2014/main" id="{D34D751D-EFC3-B8BF-FB02-BEE571D0E201}"/>
-              </a:ext>
-            </a:extLst>
-          </p:cNvPr>
-          <p:cNvSpPr txBox="1"/>
-          <p:nvPr/>
-        </p:nvSpPr>
-        <p:spPr>
-          <a:xfrm>
-            <a:off x="10421133" y="6378157"/>
-            <a:ext cx="1772473" cy="523220"/>
-          </a:xfrm>
-          <a:prstGeom prst="rect">
-            <a:avLst/>
-          </a:prstGeom>
-          <a:noFill/>
-        </p:spPr>
-        <p:txBody>
-          <a:bodyPr wrap="none" lIns="91440" tIns="45720" rIns="91440" bIns="45720" rtlCol="0" anchor="t">
-            <a:spAutoFit/>
-          </a:bodyPr>
-          <a:lstStyle/>
-          <a:p>
-            <a:r>
-              <a:rPr lang="en-US" sz="2800" dirty="0">
-                <a:solidFill>
-                  <a:schemeClr val="tx1">
-                    <a:lumMod val="65000"/>
-                    <a:lumOff val="35000"/>
-                  </a:schemeClr>
-                </a:solidFill>
-              </a:rPr>
-              <a:t>#PSSATKA</a:t>
-            </a:r>
-          </a:p>
-        </p:txBody>
-      </p:sp>
-    </p:spTree>
-    <p:extLst>
-      <p:ext uri="{BB962C8B-B14F-4D97-AF65-F5344CB8AC3E}">
-        <p14:creationId xmlns:p14="http://schemas.microsoft.com/office/powerpoint/2010/main" val="1483834583"/>
-      </p:ext>
-    </p:extLst>
-  </p:cSld>
-  <p:clrMapOvr>
-    <a:masterClrMapping/>
-  </p:clrMapOvr>
-</p:sld>
-</file>
-
-<file path=ppt/slides/slide16.xml><?xml version="1.0" encoding="utf-8"?>
-<p:sld xmlns:a="http://schemas.openxmlformats.org/drawingml/2006/main" xmlns:r="http://schemas.openxmlformats.org/officeDocument/2006/relationships" xmlns:p="http://schemas.openxmlformats.org/presentationml/2006/main">
-  <p:cSld>
-    <p:spTree>
-      <p:nvGrpSpPr>
-        <p:cNvPr id="1" name=""/>
-        <p:cNvGrpSpPr/>
-        <p:nvPr/>
-      </p:nvGrpSpPr>
-      <p:grpSpPr>
-        <a:xfrm>
-          <a:off x="0" y="0"/>
-          <a:ext cx="0" cy="0"/>
-          <a:chOff x="0" y="0"/>
-          <a:chExt cx="0" cy="0"/>
-        </a:xfrm>
-      </p:grpSpPr>
-      <p:grpSp>
-        <p:nvGrpSpPr>
-          <p:cNvPr id="8" name="Group 7">
-            <a:extLst>
-              <a:ext uri="{FF2B5EF4-FFF2-40B4-BE49-F238E27FC236}">
-                <a16:creationId xmlns:a16="http://schemas.microsoft.com/office/drawing/2014/main" id="{D3AD12B6-36B4-2539-79A1-7E554473ABB8}"/>
-              </a:ext>
-            </a:extLst>
-          </p:cNvPr>
-          <p:cNvGrpSpPr/>
-          <p:nvPr/>
-        </p:nvGrpSpPr>
-        <p:grpSpPr>
-          <a:xfrm>
-            <a:off x="0" y="0"/>
-            <a:ext cx="12192000" cy="6902244"/>
-            <a:chOff x="0" y="0"/>
-            <a:chExt cx="12192000" cy="6902244"/>
-          </a:xfrm>
-        </p:grpSpPr>
-        <p:pic>
-          <p:nvPicPr>
-            <p:cNvPr id="4" name="Picture 3" descr="A blue background with light blue lines&#10;&#10;Description automatically generated">
-              <a:extLst>
-                <a:ext uri="{FF2B5EF4-FFF2-40B4-BE49-F238E27FC236}">
-                  <a16:creationId xmlns:a16="http://schemas.microsoft.com/office/drawing/2014/main" id="{EA4BAED5-F1D9-08C2-8DC0-82AA2ADCB5CC}"/>
-                </a:ext>
-              </a:extLst>
-            </p:cNvPr>
-            <p:cNvPicPr>
-              <a:picLocks noChangeAspect="1"/>
-            </p:cNvPicPr>
-            <p:nvPr/>
-          </p:nvPicPr>
-          <p:blipFill>
-            <a:blip r:embed="rId2">
-              <a:extLst>
-                <a:ext uri="{28A0092B-C50C-407E-A947-70E740481C1C}">
-                  <a14:useLocalDpi xmlns:a14="http://schemas.microsoft.com/office/drawing/2010/main" val="0"/>
-                </a:ext>
-              </a:extLst>
-            </a:blip>
-            <a:stretch>
-              <a:fillRect/>
-            </a:stretch>
-          </p:blipFill>
-          <p:spPr>
-            <a:xfrm>
-              <a:off x="0" y="0"/>
-              <a:ext cx="12192000" cy="6858000"/>
-            </a:xfrm>
-            <a:prstGeom prst="rect">
-              <a:avLst/>
-            </a:prstGeom>
-          </p:spPr>
-        </p:pic>
-        <p:pic>
-          <p:nvPicPr>
-            <p:cNvPr id="5" name="Picture 4" descr="A blue and white tree&#10;&#10;Description automatically generated">
-              <a:extLst>
-                <a:ext uri="{FF2B5EF4-FFF2-40B4-BE49-F238E27FC236}">
-                  <a16:creationId xmlns:a16="http://schemas.microsoft.com/office/drawing/2014/main" id="{E8826AAC-B3B9-5AEC-7A96-B710A024D0F3}"/>
-                </a:ext>
-              </a:extLst>
-            </p:cNvPr>
-            <p:cNvPicPr>
-              <a:picLocks noChangeAspect="1"/>
-            </p:cNvPicPr>
-            <p:nvPr/>
-          </p:nvPicPr>
-          <p:blipFill>
-            <a:blip r:embed="rId3">
-              <a:alphaModFix amt="85000"/>
-              <a:extLst>
-                <a:ext uri="{28A0092B-C50C-407E-A947-70E740481C1C}">
-                  <a14:useLocalDpi xmlns:a14="http://schemas.microsoft.com/office/drawing/2010/main" val="0"/>
-                </a:ext>
-              </a:extLst>
-            </a:blip>
-            <a:stretch>
-              <a:fillRect/>
-            </a:stretch>
-          </p:blipFill>
-          <p:spPr>
-            <a:xfrm>
-              <a:off x="0" y="5094252"/>
-              <a:ext cx="1583140" cy="1807992"/>
-            </a:xfrm>
-            <a:prstGeom prst="rect">
-              <a:avLst/>
-            </a:prstGeom>
-          </p:spPr>
-        </p:pic>
-        <p:pic>
-          <p:nvPicPr>
-            <p:cNvPr id="6" name="Picture 5" descr="A white paper with a black background&#10;&#10;Description automatically generated">
-              <a:extLst>
-                <a:ext uri="{FF2B5EF4-FFF2-40B4-BE49-F238E27FC236}">
-                  <a16:creationId xmlns:a16="http://schemas.microsoft.com/office/drawing/2014/main" id="{8A4B09CE-44B9-15D7-E555-425940C3BC93}"/>
-                </a:ext>
-              </a:extLst>
-            </p:cNvPr>
-            <p:cNvPicPr>
-              <a:picLocks noChangeAspect="1"/>
-            </p:cNvPicPr>
-            <p:nvPr/>
-          </p:nvPicPr>
-          <p:blipFill>
-            <a:blip r:embed="rId4">
-              <a:alphaModFix amt="85000"/>
-              <a:extLst>
-                <a:ext uri="{28A0092B-C50C-407E-A947-70E740481C1C}">
-                  <a14:useLocalDpi xmlns:a14="http://schemas.microsoft.com/office/drawing/2010/main" val="0"/>
-                </a:ext>
-              </a:extLst>
-            </a:blip>
-            <a:stretch>
-              <a:fillRect/>
-            </a:stretch>
-          </p:blipFill>
-          <p:spPr>
-            <a:xfrm>
-              <a:off x="7650910" y="5740966"/>
-              <a:ext cx="4541090" cy="1139156"/>
-            </a:xfrm>
-            <a:prstGeom prst="rect">
-              <a:avLst/>
-            </a:prstGeom>
-          </p:spPr>
-        </p:pic>
-      </p:grpSp>
-      <p:sp>
-        <p:nvSpPr>
-          <p:cNvPr id="9" name="Title 1">
-            <a:extLst>
-              <a:ext uri="{FF2B5EF4-FFF2-40B4-BE49-F238E27FC236}">
-                <a16:creationId xmlns:a16="http://schemas.microsoft.com/office/drawing/2014/main" id="{CAF161BC-F434-AC53-9372-34A67EB52966}"/>
-              </a:ext>
-            </a:extLst>
-          </p:cNvPr>
-          <p:cNvSpPr txBox="1">
-            <a:spLocks/>
-          </p:cNvSpPr>
-          <p:nvPr/>
-        </p:nvSpPr>
-        <p:spPr>
-          <a:xfrm>
-            <a:off x="1447800" y="2766218"/>
-            <a:ext cx="10515600" cy="1325563"/>
-          </a:xfrm>
-          <a:prstGeom prst="rect">
-            <a:avLst/>
-          </a:prstGeom>
-        </p:spPr>
-        <p:txBody>
-          <a:bodyPr vert="horz" lIns="91440" tIns="45720" rIns="91440" bIns="45720" rtlCol="0" anchor="ctr">
-            <a:normAutofit/>
-          </a:bodyPr>
-          <a:lstStyle>
-            <a:lvl1pPr algn="l" defTabSz="914400" rtl="0" eaLnBrk="1" latinLnBrk="0" hangingPunct="1">
-              <a:lnSpc>
-                <a:spcPct val="90000"/>
-              </a:lnSpc>
-              <a:spcBef>
-                <a:spcPct val="0"/>
-              </a:spcBef>
-              <a:buNone/>
-              <a:defRPr sz="4400" kern="1200">
-                <a:solidFill>
-                  <a:schemeClr val="tx1"/>
-                </a:solidFill>
-                <a:latin typeface="+mj-lt"/>
-                <a:ea typeface="+mj-ea"/>
-                <a:cs typeface="+mj-cs"/>
-              </a:defRPr>
-            </a:lvl1pPr>
-          </a:lstStyle>
-          <a:p>
-            <a:r>
-              <a:rPr lang="en-US" dirty="0">
-                <a:latin typeface="CaskaydiaCove NF" panose="02000009000000000000"/>
-              </a:rPr>
-              <a:t>Thanks for your attention and all the fish</a:t>
-            </a:r>
-          </a:p>
-        </p:txBody>
-      </p:sp>
-      <p:sp>
-        <p:nvSpPr>
-          <p:cNvPr id="3" name="TextBox 6">
-            <a:extLst>
-              <a:ext uri="{FF2B5EF4-FFF2-40B4-BE49-F238E27FC236}">
-                <a16:creationId xmlns:a16="http://schemas.microsoft.com/office/drawing/2014/main" id="{CC7FDD6F-A8DE-1C95-0964-B21D747158A2}"/>
-              </a:ext>
-            </a:extLst>
-          </p:cNvPr>
-          <p:cNvSpPr txBox="1"/>
-          <p:nvPr/>
-        </p:nvSpPr>
-        <p:spPr>
-          <a:xfrm>
-            <a:off x="10421133" y="6378157"/>
-            <a:ext cx="1772473" cy="523220"/>
-          </a:xfrm>
-          <a:prstGeom prst="rect">
-            <a:avLst/>
-          </a:prstGeom>
-          <a:noFill/>
-        </p:spPr>
-        <p:txBody>
-          <a:bodyPr wrap="none" lIns="91440" tIns="45720" rIns="91440" bIns="45720" rtlCol="0" anchor="t">
-            <a:spAutoFit/>
-          </a:bodyPr>
-          <a:lstStyle/>
-          <a:p>
-            <a:r>
-              <a:rPr lang="en-US" sz="2800" dirty="0">
-                <a:solidFill>
-                  <a:schemeClr val="tx1">
-                    <a:lumMod val="65000"/>
-                    <a:lumOff val="35000"/>
-                  </a:schemeClr>
-                </a:solidFill>
-              </a:rPr>
-              <a:t>#PSSATKA</a:t>
-            </a:r>
-          </a:p>
-        </p:txBody>
-      </p:sp>
-    </p:spTree>
-    <p:extLst>
-      <p:ext uri="{BB962C8B-B14F-4D97-AF65-F5344CB8AC3E}">
-        <p14:creationId xmlns:p14="http://schemas.microsoft.com/office/powerpoint/2010/main" val="372060718"/>
-      </p:ext>
-    </p:extLst>
-  </p:cSld>
-  <p:clrMapOvr>
-    <a:masterClrMapping/>
-  </p:clrMapOvr>
-</p:sld>
-</file>
-
-<file path=ppt/slides/slide2.xml><?xml version="1.0" encoding="utf-8"?>
-<p:sld xmlns:a="http://schemas.openxmlformats.org/drawingml/2006/main" xmlns:r="http://schemas.openxmlformats.org/officeDocument/2006/relationships" xmlns:p="http://schemas.openxmlformats.org/presentationml/2006/main">
-  <p:cSld>
-    <p:spTree>
-      <p:nvGrpSpPr>
-        <p:cNvPr id="1" name=""/>
-        <p:cNvGrpSpPr/>
-        <p:nvPr/>
-      </p:nvGrpSpPr>
-      <p:grpSpPr>
-        <a:xfrm>
-          <a:off x="0" y="0"/>
-          <a:ext cx="0" cy="0"/>
-          <a:chOff x="0" y="0"/>
-          <a:chExt cx="0" cy="0"/>
-        </a:xfrm>
-      </p:grpSpPr>
-      <p:pic>
-        <p:nvPicPr>
-          <p:cNvPr id="8" name="Picture 7" descr="A blue background with light blue lines&#10;&#10;Description automatically generated">
-            <a:extLst>
-              <a:ext uri="{FF2B5EF4-FFF2-40B4-BE49-F238E27FC236}">
-                <a16:creationId xmlns:a16="http://schemas.microsoft.com/office/drawing/2014/main" id="{AE5BD249-EEC6-497A-BA20-98C1853DD3B3}"/>
-              </a:ext>
-            </a:extLst>
-          </p:cNvPr>
-          <p:cNvPicPr>
-            <a:picLocks noChangeAspect="1"/>
-          </p:cNvPicPr>
-          <p:nvPr/>
-        </p:nvPicPr>
-        <p:blipFill>
-          <a:blip r:embed="rId2">
-            <a:extLst>
-              <a:ext uri="{28A0092B-C50C-407E-A947-70E740481C1C}">
-                <a14:useLocalDpi xmlns:a14="http://schemas.microsoft.com/office/drawing/2010/main" val="0"/>
-              </a:ext>
-            </a:extLst>
-          </a:blip>
-          <a:stretch>
-            <a:fillRect/>
-          </a:stretch>
-        </p:blipFill>
-        <p:spPr>
-          <a:xfrm>
-            <a:off x="0" y="0"/>
-            <a:ext cx="12192000" cy="6858000"/>
-          </a:xfrm>
-          <a:prstGeom prst="rect">
-            <a:avLst/>
-          </a:prstGeom>
-        </p:spPr>
-      </p:pic>
-      <p:sp>
-        <p:nvSpPr>
-          <p:cNvPr id="2" name="Title 1">
-            <a:extLst>
-              <a:ext uri="{FF2B5EF4-FFF2-40B4-BE49-F238E27FC236}">
-                <a16:creationId xmlns:a16="http://schemas.microsoft.com/office/drawing/2014/main" id="{F728B897-14A8-CCAC-76FC-F45864B2301F}"/>
-              </a:ext>
-            </a:extLst>
-          </p:cNvPr>
-          <p:cNvSpPr>
-            <a:spLocks noGrp="1"/>
-          </p:cNvSpPr>
-          <p:nvPr>
-            <p:ph type="title"/>
-          </p:nvPr>
-        </p:nvSpPr>
-        <p:spPr/>
-        <p:txBody>
-          <a:bodyPr/>
-          <a:lstStyle/>
-          <a:p>
-            <a:pPr algn="ctr"/>
-            <a:r>
-              <a:rPr lang="en-US" dirty="0">
-                <a:latin typeface="CaskaydiaCove NF" panose="02000009000000000000"/>
-              </a:rPr>
-              <a:t>Thanks to our sponsors:</a:t>
-            </a:r>
-          </a:p>
-        </p:txBody>
-      </p:sp>
-      <p:pic>
-        <p:nvPicPr>
-          <p:cNvPr id="5" name="Picture 4" descr="A blue text on a black background&#10;&#10;Description automatically generated">
-            <a:extLst>
-              <a:ext uri="{FF2B5EF4-FFF2-40B4-BE49-F238E27FC236}">
-                <a16:creationId xmlns:a16="http://schemas.microsoft.com/office/drawing/2014/main" id="{470E3F5F-1739-028F-4F59-839B045A641A}"/>
-              </a:ext>
-            </a:extLst>
-          </p:cNvPr>
-          <p:cNvPicPr>
-            <a:picLocks noChangeAspect="1"/>
-          </p:cNvPicPr>
-          <p:nvPr/>
-        </p:nvPicPr>
-        <p:blipFill>
-          <a:blip r:embed="rId3">
-            <a:extLst>
-              <a:ext uri="{28A0092B-C50C-407E-A947-70E740481C1C}">
-                <a14:useLocalDpi xmlns:a14="http://schemas.microsoft.com/office/drawing/2010/main" val="0"/>
-              </a:ext>
-            </a:extLst>
-          </a:blip>
-          <a:stretch>
-            <a:fillRect/>
-          </a:stretch>
-        </p:blipFill>
-        <p:spPr>
-          <a:xfrm>
-            <a:off x="381000" y="2000250"/>
-            <a:ext cx="5011132" cy="1252783"/>
-          </a:xfrm>
-          <a:prstGeom prst="rect">
-            <a:avLst/>
-          </a:prstGeom>
-        </p:spPr>
-      </p:pic>
-      <p:pic>
-        <p:nvPicPr>
-          <p:cNvPr id="4" name="Picture 3" descr="A white paper with a black background&#10;&#10;Description automatically generated">
-            <a:extLst>
-              <a:ext uri="{FF2B5EF4-FFF2-40B4-BE49-F238E27FC236}">
-                <a16:creationId xmlns:a16="http://schemas.microsoft.com/office/drawing/2014/main" id="{FD3D9C6F-BC84-84E9-105C-6A9EFABB6937}"/>
-              </a:ext>
-            </a:extLst>
-          </p:cNvPr>
-          <p:cNvPicPr>
-            <a:picLocks noChangeAspect="1"/>
-          </p:cNvPicPr>
-          <p:nvPr/>
-        </p:nvPicPr>
-        <p:blipFill>
-          <a:blip r:embed="rId4">
-            <a:alphaModFix amt="85000"/>
-            <a:extLst>
-              <a:ext uri="{28A0092B-C50C-407E-A947-70E740481C1C}">
-                <a14:useLocalDpi xmlns:a14="http://schemas.microsoft.com/office/drawing/2010/main" val="0"/>
-              </a:ext>
-            </a:extLst>
-          </a:blip>
-          <a:stretch>
-            <a:fillRect/>
-          </a:stretch>
-        </p:blipFill>
-        <p:spPr>
-          <a:xfrm>
-            <a:off x="7650910" y="5718844"/>
-            <a:ext cx="4541090" cy="1139156"/>
-          </a:xfrm>
-          <a:prstGeom prst="rect">
-            <a:avLst/>
-          </a:prstGeom>
-        </p:spPr>
-      </p:pic>
-      <p:sp>
-        <p:nvSpPr>
-          <p:cNvPr id="6" name="TextBox 5">
-            <a:extLst>
-              <a:ext uri="{FF2B5EF4-FFF2-40B4-BE49-F238E27FC236}">
-                <a16:creationId xmlns:a16="http://schemas.microsoft.com/office/drawing/2014/main" id="{219679E6-147C-7834-F67E-AD85388DC2E7}"/>
-              </a:ext>
-            </a:extLst>
-          </p:cNvPr>
-          <p:cNvSpPr txBox="1"/>
-          <p:nvPr/>
-        </p:nvSpPr>
-        <p:spPr>
-          <a:xfrm>
-            <a:off x="10421133" y="6286349"/>
-            <a:ext cx="1772473" cy="523220"/>
-          </a:xfrm>
-          <a:prstGeom prst="rect">
-            <a:avLst/>
-          </a:prstGeom>
-          <a:noFill/>
-        </p:spPr>
-        <p:txBody>
-          <a:bodyPr wrap="none" lIns="91440" tIns="45720" rIns="91440" bIns="45720" rtlCol="0" anchor="t">
-            <a:spAutoFit/>
-          </a:bodyPr>
-          <a:lstStyle/>
-          <a:p>
-            <a:r>
-              <a:rPr lang="en-US" sz="2800" dirty="0">
-                <a:solidFill>
-                  <a:schemeClr val="tx1">
-                    <a:lumMod val="65000"/>
-                    <a:lumOff val="35000"/>
-                  </a:schemeClr>
-                </a:solidFill>
-              </a:rPr>
-              <a:t>#PSSATKA</a:t>
-            </a:r>
-          </a:p>
-        </p:txBody>
-      </p:sp>
-      <p:pic>
-        <p:nvPicPr>
-          <p:cNvPr id="3" name="Picture 2" descr="A blue and white tree&#10;&#10;Description automatically generated">
-            <a:extLst>
-              <a:ext uri="{FF2B5EF4-FFF2-40B4-BE49-F238E27FC236}">
-                <a16:creationId xmlns:a16="http://schemas.microsoft.com/office/drawing/2014/main" id="{C0CD74CF-83DB-DD07-D045-B18E267A79AF}"/>
-              </a:ext>
-            </a:extLst>
-          </p:cNvPr>
-          <p:cNvPicPr>
-            <a:picLocks noChangeAspect="1"/>
-          </p:cNvPicPr>
-          <p:nvPr/>
-        </p:nvPicPr>
-        <p:blipFill>
-          <a:blip r:embed="rId5">
-            <a:alphaModFix amt="85000"/>
-            <a:extLst>
-              <a:ext uri="{28A0092B-C50C-407E-A947-70E740481C1C}">
-                <a14:useLocalDpi xmlns:a14="http://schemas.microsoft.com/office/drawing/2010/main" val="0"/>
-              </a:ext>
-            </a:extLst>
-          </a:blip>
-          <a:stretch>
-            <a:fillRect/>
-          </a:stretch>
-        </p:blipFill>
-        <p:spPr>
-          <a:xfrm>
-            <a:off x="0" y="5094252"/>
-            <a:ext cx="1583140" cy="1807992"/>
-          </a:xfrm>
-          <a:prstGeom prst="rect">
-            <a:avLst/>
-          </a:prstGeom>
-        </p:spPr>
-      </p:pic>
-      <p:pic>
-        <p:nvPicPr>
-          <p:cNvPr id="1026" name="Picture 2">
-            <a:extLst>
-              <a:ext uri="{FF2B5EF4-FFF2-40B4-BE49-F238E27FC236}">
-                <a16:creationId xmlns:a16="http://schemas.microsoft.com/office/drawing/2014/main" id="{C4BDA416-B1AA-190D-EB60-C4CA386397B3}"/>
-              </a:ext>
-            </a:extLst>
-          </p:cNvPr>
-          <p:cNvPicPr>
-            <a:picLocks noChangeAspect="1" noChangeArrowheads="1"/>
-          </p:cNvPicPr>
-          <p:nvPr/>
-        </p:nvPicPr>
-        <p:blipFill>
-          <a:blip r:embed="rId6">
-            <a:extLst>
-              <a:ext uri="{28A0092B-C50C-407E-A947-70E740481C1C}">
-                <a14:useLocalDpi xmlns:a14="http://schemas.microsoft.com/office/drawing/2010/main" val="0"/>
-              </a:ext>
-            </a:extLst>
-          </a:blip>
-          <a:srcRect/>
-          <a:stretch>
-            <a:fillRect/>
-          </a:stretch>
-        </p:blipFill>
-        <p:spPr bwMode="auto">
-          <a:xfrm>
-            <a:off x="6456218" y="3378416"/>
-            <a:ext cx="5375564" cy="1791855"/>
-          </a:xfrm>
-          <a:prstGeom prst="rect">
-            <a:avLst/>
-          </a:prstGeom>
-          <a:noFill/>
-          <a:extLst>
-            <a:ext uri="{909E8E84-426E-40DD-AFC4-6F175D3DCCD1}">
-              <a14:hiddenFill xmlns:a14="http://schemas.microsoft.com/office/drawing/2010/main">
-                <a:solidFill>
-                  <a:srgbClr val="FFFFFF"/>
-                </a:solidFill>
-              </a14:hiddenFill>
-            </a:ext>
-          </a:extLst>
-        </p:spPr>
-      </p:pic>
-    </p:spTree>
-    <p:extLst>
-      <p:ext uri="{BB962C8B-B14F-4D97-AF65-F5344CB8AC3E}">
-        <p14:creationId xmlns:p14="http://schemas.microsoft.com/office/powerpoint/2010/main" val="1436281231"/>
-      </p:ext>
-    </p:extLst>
-  </p:cSld>
-  <p:clrMapOvr>
-    <a:masterClrMapping/>
-  </p:clrMapOvr>
-</p:sld>
-</file>
-
-<file path=ppt/slides/slide3.xml><?xml version="1.0" encoding="utf-8"?>
-<p:sld xmlns:a="http://schemas.openxmlformats.org/drawingml/2006/main" xmlns:r="http://schemas.openxmlformats.org/officeDocument/2006/relationships" xmlns:p="http://schemas.openxmlformats.org/presentationml/2006/main">
-  <p:cSld>
-    <p:spTree>
-      <p:nvGrpSpPr>
-        <p:cNvPr id="1" name=""/>
-        <p:cNvGrpSpPr/>
-        <p:nvPr/>
-      </p:nvGrpSpPr>
-      <p:grpSpPr>
-        <a:xfrm>
-          <a:off x="0" y="0"/>
-          <a:ext cx="0" cy="0"/>
-          <a:chOff x="0" y="0"/>
-          <a:chExt cx="0" cy="0"/>
-        </a:xfrm>
-      </p:grpSpPr>
-      <p:grpSp>
-        <p:nvGrpSpPr>
-          <p:cNvPr id="8" name="Group 7">
-            <a:extLst>
-              <a:ext uri="{FF2B5EF4-FFF2-40B4-BE49-F238E27FC236}">
-                <a16:creationId xmlns:a16="http://schemas.microsoft.com/office/drawing/2014/main" id="{D3AD12B6-36B4-2539-79A1-7E554473ABB8}"/>
-              </a:ext>
-            </a:extLst>
-          </p:cNvPr>
-          <p:cNvGrpSpPr/>
-          <p:nvPr/>
-        </p:nvGrpSpPr>
-        <p:grpSpPr>
-          <a:xfrm>
-            <a:off x="0" y="0"/>
-            <a:ext cx="12193606" cy="6902244"/>
-            <a:chOff x="0" y="0"/>
-            <a:chExt cx="12193606" cy="6902244"/>
-          </a:xfrm>
-        </p:grpSpPr>
-        <p:pic>
-          <p:nvPicPr>
-            <p:cNvPr id="4" name="Picture 3" descr="A blue background with light blue lines&#10;&#10;Description automatically generated">
-              <a:extLst>
-                <a:ext uri="{FF2B5EF4-FFF2-40B4-BE49-F238E27FC236}">
-                  <a16:creationId xmlns:a16="http://schemas.microsoft.com/office/drawing/2014/main" id="{EA4BAED5-F1D9-08C2-8DC0-82AA2ADCB5CC}"/>
-                </a:ext>
-              </a:extLst>
-            </p:cNvPr>
-            <p:cNvPicPr>
-              <a:picLocks noChangeAspect="1"/>
-            </p:cNvPicPr>
-            <p:nvPr/>
-          </p:nvPicPr>
-          <p:blipFill>
-            <a:blip r:embed="rId2">
-              <a:extLst>
-                <a:ext uri="{28A0092B-C50C-407E-A947-70E740481C1C}">
-                  <a14:useLocalDpi xmlns:a14="http://schemas.microsoft.com/office/drawing/2010/main" val="0"/>
-                </a:ext>
-              </a:extLst>
-            </a:blip>
-            <a:stretch>
-              <a:fillRect/>
-            </a:stretch>
-          </p:blipFill>
-          <p:spPr>
-            <a:xfrm>
-              <a:off x="0" y="0"/>
-              <a:ext cx="12192000" cy="6858000"/>
-            </a:xfrm>
-            <a:prstGeom prst="rect">
-              <a:avLst/>
-            </a:prstGeom>
-          </p:spPr>
-        </p:pic>
-        <p:pic>
-          <p:nvPicPr>
-            <p:cNvPr id="5" name="Picture 4" descr="A blue and white tree&#10;&#10;Description automatically generated">
-              <a:extLst>
-                <a:ext uri="{FF2B5EF4-FFF2-40B4-BE49-F238E27FC236}">
-                  <a16:creationId xmlns:a16="http://schemas.microsoft.com/office/drawing/2014/main" id="{E8826AAC-B3B9-5AEC-7A96-B710A024D0F3}"/>
-                </a:ext>
-              </a:extLst>
-            </p:cNvPr>
-            <p:cNvPicPr>
-              <a:picLocks noChangeAspect="1"/>
-            </p:cNvPicPr>
-            <p:nvPr/>
-          </p:nvPicPr>
-          <p:blipFill>
-            <a:blip r:embed="rId3">
-              <a:alphaModFix amt="85000"/>
-              <a:extLst>
-                <a:ext uri="{28A0092B-C50C-407E-A947-70E740481C1C}">
-                  <a14:useLocalDpi xmlns:a14="http://schemas.microsoft.com/office/drawing/2010/main" val="0"/>
-                </a:ext>
-              </a:extLst>
-            </a:blip>
-            <a:stretch>
-              <a:fillRect/>
-            </a:stretch>
-          </p:blipFill>
-          <p:spPr>
-            <a:xfrm>
-              <a:off x="0" y="5094252"/>
-              <a:ext cx="1583140" cy="1807992"/>
-            </a:xfrm>
-            <a:prstGeom prst="rect">
-              <a:avLst/>
-            </a:prstGeom>
-          </p:spPr>
-        </p:pic>
-        <p:pic>
-          <p:nvPicPr>
-            <p:cNvPr id="6" name="Picture 5" descr="A white paper with a black background&#10;&#10;Description automatically generated">
-              <a:extLst>
-                <a:ext uri="{FF2B5EF4-FFF2-40B4-BE49-F238E27FC236}">
-                  <a16:creationId xmlns:a16="http://schemas.microsoft.com/office/drawing/2014/main" id="{8A4B09CE-44B9-15D7-E555-425940C3BC93}"/>
-                </a:ext>
-              </a:extLst>
-            </p:cNvPr>
-            <p:cNvPicPr>
-              <a:picLocks noChangeAspect="1"/>
-            </p:cNvPicPr>
-            <p:nvPr/>
-          </p:nvPicPr>
-          <p:blipFill>
-            <a:blip r:embed="rId4">
-              <a:alphaModFix amt="85000"/>
-              <a:extLst>
-                <a:ext uri="{28A0092B-C50C-407E-A947-70E740481C1C}">
-                  <a14:useLocalDpi xmlns:a14="http://schemas.microsoft.com/office/drawing/2010/main" val="0"/>
-                </a:ext>
-              </a:extLst>
-            </a:blip>
-            <a:stretch>
-              <a:fillRect/>
-            </a:stretch>
-          </p:blipFill>
-          <p:spPr>
-            <a:xfrm>
-              <a:off x="7650910" y="5740966"/>
-              <a:ext cx="4541090" cy="1139156"/>
-            </a:xfrm>
-            <a:prstGeom prst="rect">
-              <a:avLst/>
-            </a:prstGeom>
-          </p:spPr>
-        </p:pic>
-        <p:sp>
-          <p:nvSpPr>
-            <p:cNvPr id="7" name="TextBox 6">
-              <a:extLst>
-                <a:ext uri="{FF2B5EF4-FFF2-40B4-BE49-F238E27FC236}">
-                  <a16:creationId xmlns:a16="http://schemas.microsoft.com/office/drawing/2014/main" id="{70B4D598-2189-7F0F-C758-5A77CFCCD682}"/>
-                </a:ext>
-              </a:extLst>
-            </p:cNvPr>
-            <p:cNvSpPr txBox="1"/>
-            <p:nvPr/>
-          </p:nvSpPr>
-          <p:spPr>
-            <a:xfrm>
-              <a:off x="10421133" y="6332253"/>
-              <a:ext cx="1772473" cy="523220"/>
-            </a:xfrm>
-            <a:prstGeom prst="rect">
-              <a:avLst/>
-            </a:prstGeom>
-            <a:noFill/>
-          </p:spPr>
-          <p:txBody>
-            <a:bodyPr wrap="none" lIns="91440" tIns="45720" rIns="91440" bIns="45720" rtlCol="0" anchor="t">
-              <a:spAutoFit/>
-            </a:bodyPr>
-            <a:lstStyle/>
-            <a:p>
-              <a:r>
-                <a:rPr lang="en-US" sz="2800" dirty="0">
-                  <a:solidFill>
-                    <a:schemeClr val="tx1">
-                      <a:lumMod val="65000"/>
-                      <a:lumOff val="35000"/>
-                    </a:schemeClr>
-                  </a:solidFill>
-                </a:rPr>
-                <a:t>#PSSATKA</a:t>
-              </a:r>
-            </a:p>
-          </p:txBody>
-        </p:sp>
-      </p:grpSp>
-      <p:sp>
-        <p:nvSpPr>
-          <p:cNvPr id="2" name="Title 1">
-            <a:extLst>
-              <a:ext uri="{FF2B5EF4-FFF2-40B4-BE49-F238E27FC236}">
-                <a16:creationId xmlns:a16="http://schemas.microsoft.com/office/drawing/2014/main" id="{74F23C85-F3E2-3194-0242-BB901D8FEE62}"/>
-              </a:ext>
-            </a:extLst>
-          </p:cNvPr>
-          <p:cNvSpPr>
-            <a:spLocks noGrp="1"/>
-          </p:cNvSpPr>
-          <p:nvPr>
-            <p:ph type="title"/>
-          </p:nvPr>
-        </p:nvSpPr>
-        <p:spPr/>
-        <p:txBody>
-          <a:bodyPr/>
-          <a:lstStyle/>
-          <a:p>
-            <a:r>
-              <a:rPr lang="en-US" dirty="0">
-                <a:latin typeface="CaskaydiaCove NF" panose="02000009000000000000" pitchFamily="50" charset="0"/>
-                <a:ea typeface="CaskaydiaCove NF" panose="02000009000000000000" pitchFamily="50" charset="0"/>
-                <a:cs typeface="CaskaydiaCove NF" panose="02000009000000000000" pitchFamily="50" charset="0"/>
-              </a:rPr>
-              <a:t>			  About me</a:t>
-            </a:r>
-            <a:endParaRPr lang="LID4096" dirty="0">
-              <a:latin typeface="CaskaydiaCove NF" panose="02000009000000000000" pitchFamily="50" charset="0"/>
-              <a:ea typeface="CaskaydiaCove NF" panose="02000009000000000000" pitchFamily="50" charset="0"/>
-              <a:cs typeface="CaskaydiaCove NF" panose="02000009000000000000" pitchFamily="50" charset="0"/>
-            </a:endParaRPr>
-          </a:p>
-        </p:txBody>
-      </p:sp>
-      <p:grpSp>
-        <p:nvGrpSpPr>
-          <p:cNvPr id="20" name="Group 19">
-            <a:extLst>
-              <a:ext uri="{FF2B5EF4-FFF2-40B4-BE49-F238E27FC236}">
-                <a16:creationId xmlns:a16="http://schemas.microsoft.com/office/drawing/2014/main" id="{8C51634E-0527-9806-203C-DB49AE327FFF}"/>
-              </a:ext>
-            </a:extLst>
-          </p:cNvPr>
-          <p:cNvGrpSpPr/>
-          <p:nvPr/>
-        </p:nvGrpSpPr>
-        <p:grpSpPr>
-          <a:xfrm>
-            <a:off x="4762224" y="3338368"/>
-            <a:ext cx="7007142" cy="489840"/>
-            <a:chOff x="6494007" y="2355588"/>
-            <a:chExt cx="7007142" cy="489840"/>
-          </a:xfrm>
-        </p:grpSpPr>
-        <p:pic>
-          <p:nvPicPr>
-            <p:cNvPr id="15" name="Picture 4" descr="Logo KPMG Switzerland Organization Brand, declining call ...">
-              <a:extLst>
-                <a:ext uri="{FF2B5EF4-FFF2-40B4-BE49-F238E27FC236}">
-                  <a16:creationId xmlns:a16="http://schemas.microsoft.com/office/drawing/2014/main" id="{2AAEE3CB-EAB0-0800-8CE7-F2EF14F120E8}"/>
-                </a:ext>
-              </a:extLst>
-            </p:cNvPr>
-            <p:cNvPicPr>
-              <a:picLocks noChangeAspect="1" noChangeArrowheads="1"/>
-            </p:cNvPicPr>
-            <p:nvPr/>
-          </p:nvPicPr>
-          <p:blipFill>
-            <a:blip r:embed="rId5">
-              <a:extLst>
-                <a:ext uri="{BEBA8EAE-BF5A-486C-A8C5-ECC9F3942E4B}">
-                  <a14:imgProps xmlns:a14="http://schemas.microsoft.com/office/drawing/2010/main">
-                    <a14:imgLayer r:embed="rId6">
-                      <a14:imgEffect>
-                        <a14:backgroundRemoval t="10000" b="90000" l="10000" r="90000"/>
-                      </a14:imgEffect>
-                    </a14:imgLayer>
-                  </a14:imgProps>
-                </a:ext>
-                <a:ext uri="{28A0092B-C50C-407E-A947-70E740481C1C}">
-                  <a14:useLocalDpi xmlns:a14="http://schemas.microsoft.com/office/drawing/2010/main" val="0"/>
-                </a:ext>
-              </a:extLst>
-            </a:blip>
-            <a:srcRect/>
-            <a:stretch>
-              <a:fillRect/>
-            </a:stretch>
-          </p:blipFill>
-          <p:spPr bwMode="auto">
-            <a:xfrm>
-              <a:off x="6494007" y="2355588"/>
-              <a:ext cx="997789" cy="427941"/>
-            </a:xfrm>
-            <a:prstGeom prst="rect">
-              <a:avLst/>
-            </a:prstGeom>
-            <a:noFill/>
-            <a:extLst>
-              <a:ext uri="{909E8E84-426E-40DD-AFC4-6F175D3DCCD1}">
-                <a14:hiddenFill xmlns:a14="http://schemas.microsoft.com/office/drawing/2010/main">
-                  <a:solidFill>
-                    <a:srgbClr val="FFFFFF"/>
-                  </a:solidFill>
-                </a14:hiddenFill>
-              </a:ext>
-            </a:extLst>
-          </p:spPr>
-        </p:pic>
-        <p:sp>
-          <p:nvSpPr>
-            <p:cNvPr id="19" name="TextBox 18">
-              <a:extLst>
-                <a:ext uri="{FF2B5EF4-FFF2-40B4-BE49-F238E27FC236}">
-                  <a16:creationId xmlns:a16="http://schemas.microsoft.com/office/drawing/2014/main" id="{30115022-50CF-8457-E21B-77EE0D956ADD}"/>
-                </a:ext>
-              </a:extLst>
-            </p:cNvPr>
-            <p:cNvSpPr txBox="1"/>
-            <p:nvPr/>
-          </p:nvSpPr>
-          <p:spPr>
-            <a:xfrm>
-              <a:off x="7350721" y="2383763"/>
-              <a:ext cx="6150428" cy="461665"/>
-            </a:xfrm>
-            <a:prstGeom prst="rect">
-              <a:avLst/>
-            </a:prstGeom>
-            <a:noFill/>
-          </p:spPr>
-          <p:txBody>
-            <a:bodyPr wrap="square">
-              <a:spAutoFit/>
-            </a:bodyPr>
-            <a:lstStyle/>
-            <a:p>
-              <a:r>
-                <a:rPr lang="en-US" sz="2400" dirty="0"/>
-                <a:t>Technology Lead Automation</a:t>
-              </a:r>
-            </a:p>
-          </p:txBody>
-        </p:sp>
-      </p:grpSp>
-      <p:grpSp>
-        <p:nvGrpSpPr>
-          <p:cNvPr id="25" name="Group 24">
-            <a:extLst>
-              <a:ext uri="{FF2B5EF4-FFF2-40B4-BE49-F238E27FC236}">
-                <a16:creationId xmlns:a16="http://schemas.microsoft.com/office/drawing/2014/main" id="{0BB2D4A9-CD61-26B3-3915-EC770CB008A6}"/>
-              </a:ext>
-            </a:extLst>
-          </p:cNvPr>
-          <p:cNvGrpSpPr/>
-          <p:nvPr/>
-        </p:nvGrpSpPr>
-        <p:grpSpPr>
-          <a:xfrm>
-            <a:off x="4066001" y="5392854"/>
-            <a:ext cx="7439923" cy="696223"/>
-            <a:chOff x="6716757" y="3189543"/>
-            <a:chExt cx="7439923" cy="696223"/>
-          </a:xfrm>
-        </p:grpSpPr>
-        <p:pic>
-          <p:nvPicPr>
-            <p:cNvPr id="14" name="Picture 2">
-              <a:extLst>
-                <a:ext uri="{FF2B5EF4-FFF2-40B4-BE49-F238E27FC236}">
-                  <a16:creationId xmlns:a16="http://schemas.microsoft.com/office/drawing/2014/main" id="{E06ED28D-488B-8AF9-1414-936EA0F5037B}"/>
-                </a:ext>
-              </a:extLst>
-            </p:cNvPr>
-            <p:cNvPicPr>
-              <a:picLocks noChangeAspect="1" noChangeArrowheads="1"/>
-            </p:cNvPicPr>
-            <p:nvPr/>
-          </p:nvPicPr>
-          <p:blipFill>
-            <a:blip r:embed="rId7">
-              <a:extLst>
-                <a:ext uri="{28A0092B-C50C-407E-A947-70E740481C1C}">
-                  <a14:useLocalDpi xmlns:a14="http://schemas.microsoft.com/office/drawing/2010/main" val="0"/>
-                </a:ext>
-              </a:extLst>
-            </a:blip>
-            <a:srcRect/>
-            <a:stretch>
-              <a:fillRect/>
-            </a:stretch>
-          </p:blipFill>
-          <p:spPr bwMode="auto">
-            <a:xfrm>
-              <a:off x="6716757" y="3189543"/>
-              <a:ext cx="696223" cy="696223"/>
-            </a:xfrm>
-            <a:prstGeom prst="rect">
-              <a:avLst/>
-            </a:prstGeom>
-            <a:noFill/>
-            <a:extLst>
-              <a:ext uri="{909E8E84-426E-40DD-AFC4-6F175D3DCCD1}">
-                <a14:hiddenFill xmlns:a14="http://schemas.microsoft.com/office/drawing/2010/main">
-                  <a:solidFill>
-                    <a:srgbClr val="FFFFFF"/>
-                  </a:solidFill>
-                </a14:hiddenFill>
-              </a:ext>
-            </a:extLst>
-          </p:spPr>
-        </p:pic>
-        <p:sp>
-          <p:nvSpPr>
-            <p:cNvPr id="24" name="TextBox 23">
-              <a:extLst>
-                <a:ext uri="{FF2B5EF4-FFF2-40B4-BE49-F238E27FC236}">
-                  <a16:creationId xmlns:a16="http://schemas.microsoft.com/office/drawing/2014/main" id="{E7648D4E-2C14-2327-52DA-292919C60F8F}"/>
-                </a:ext>
-              </a:extLst>
-            </p:cNvPr>
-            <p:cNvSpPr txBox="1"/>
-            <p:nvPr/>
-          </p:nvSpPr>
-          <p:spPr>
-            <a:xfrm>
-              <a:off x="7412980" y="3354474"/>
-              <a:ext cx="6743700" cy="461665"/>
-            </a:xfrm>
-            <a:prstGeom prst="rect">
-              <a:avLst/>
-            </a:prstGeom>
-            <a:noFill/>
-          </p:spPr>
-          <p:txBody>
-            <a:bodyPr wrap="square">
-              <a:spAutoFit/>
-            </a:bodyPr>
-            <a:lstStyle/>
-            <a:p>
-              <a:r>
-                <a:rPr lang="en-US" sz="2400" dirty="0"/>
-                <a:t>github.com/gogbg/pssatka</a:t>
-              </a:r>
-              <a:endParaRPr lang="bg-BG" sz="2400" dirty="0"/>
-            </a:p>
-          </p:txBody>
-        </p:sp>
-      </p:grpSp>
-      <p:grpSp>
-        <p:nvGrpSpPr>
-          <p:cNvPr id="30" name="Group 29">
-            <a:extLst>
-              <a:ext uri="{FF2B5EF4-FFF2-40B4-BE49-F238E27FC236}">
-                <a16:creationId xmlns:a16="http://schemas.microsoft.com/office/drawing/2014/main" id="{35FD15A2-5564-0EB6-DA21-01BFF07E3B34}"/>
-              </a:ext>
-            </a:extLst>
-          </p:cNvPr>
-          <p:cNvGrpSpPr/>
-          <p:nvPr/>
-        </p:nvGrpSpPr>
-        <p:grpSpPr>
-          <a:xfrm>
-            <a:off x="4645940" y="4368771"/>
-            <a:ext cx="7644077" cy="549362"/>
-            <a:chOff x="6735758" y="3727348"/>
-            <a:chExt cx="7644077" cy="549362"/>
-          </a:xfrm>
-        </p:grpSpPr>
-        <p:pic>
-          <p:nvPicPr>
-            <p:cNvPr id="1026" name="Picture 2" descr="Linkedin - Free social media icons">
-              <a:extLst>
-                <a:ext uri="{FF2B5EF4-FFF2-40B4-BE49-F238E27FC236}">
-                  <a16:creationId xmlns:a16="http://schemas.microsoft.com/office/drawing/2014/main" id="{53EA480E-7018-B7B5-2673-A1C1E1EA903B}"/>
-                </a:ext>
-              </a:extLst>
-            </p:cNvPr>
-            <p:cNvPicPr>
-              <a:picLocks noChangeAspect="1" noChangeArrowheads="1"/>
-            </p:cNvPicPr>
-            <p:nvPr/>
-          </p:nvPicPr>
-          <p:blipFill>
-            <a:blip r:embed="rId8">
-              <a:extLst>
-                <a:ext uri="{28A0092B-C50C-407E-A947-70E740481C1C}">
-                  <a14:useLocalDpi xmlns:a14="http://schemas.microsoft.com/office/drawing/2010/main" val="0"/>
-                </a:ext>
-              </a:extLst>
-            </a:blip>
-            <a:srcRect/>
-            <a:stretch>
-              <a:fillRect/>
-            </a:stretch>
-          </p:blipFill>
-          <p:spPr bwMode="auto">
-            <a:xfrm>
-              <a:off x="6735758" y="3727348"/>
-              <a:ext cx="549362" cy="549362"/>
-            </a:xfrm>
-            <a:prstGeom prst="rect">
-              <a:avLst/>
-            </a:prstGeom>
-            <a:noFill/>
-            <a:extLst>
-              <a:ext uri="{909E8E84-426E-40DD-AFC4-6F175D3DCCD1}">
-                <a14:hiddenFill xmlns:a14="http://schemas.microsoft.com/office/drawing/2010/main">
-                  <a:solidFill>
-                    <a:srgbClr val="FFFFFF"/>
-                  </a:solidFill>
-                </a14:hiddenFill>
-              </a:ext>
-            </a:extLst>
-          </p:spPr>
-        </p:pic>
-        <p:sp>
-          <p:nvSpPr>
-            <p:cNvPr id="29" name="TextBox 28">
-              <a:extLst>
-                <a:ext uri="{FF2B5EF4-FFF2-40B4-BE49-F238E27FC236}">
-                  <a16:creationId xmlns:a16="http://schemas.microsoft.com/office/drawing/2014/main" id="{0C7ED3C7-FAD2-24B9-9123-0307C8F73D0A}"/>
-                </a:ext>
-              </a:extLst>
-            </p:cNvPr>
-            <p:cNvSpPr txBox="1"/>
-            <p:nvPr/>
-          </p:nvSpPr>
-          <p:spPr>
-            <a:xfrm>
-              <a:off x="7358551" y="3815045"/>
-              <a:ext cx="7021284" cy="461665"/>
-            </a:xfrm>
-            <a:prstGeom prst="rect">
-              <a:avLst/>
-            </a:prstGeom>
-            <a:noFill/>
-          </p:spPr>
-          <p:txBody>
-            <a:bodyPr wrap="square">
-              <a:spAutoFit/>
-            </a:bodyPr>
-            <a:lstStyle/>
-            <a:p>
-              <a:r>
-                <a:rPr lang="en-US" sz="2400" dirty="0"/>
-                <a:t>linkedin.com/in/gogivanov</a:t>
-              </a:r>
-              <a:endParaRPr lang="bg-BG" sz="2400" dirty="0"/>
-            </a:p>
-          </p:txBody>
-        </p:sp>
-      </p:grpSp>
-      <p:grpSp>
-        <p:nvGrpSpPr>
-          <p:cNvPr id="38" name="Group 37">
-            <a:extLst>
-              <a:ext uri="{FF2B5EF4-FFF2-40B4-BE49-F238E27FC236}">
-                <a16:creationId xmlns:a16="http://schemas.microsoft.com/office/drawing/2014/main" id="{89264079-4AC9-A03B-B67A-5775407B141E}"/>
-              </a:ext>
-            </a:extLst>
-          </p:cNvPr>
-          <p:cNvGrpSpPr/>
-          <p:nvPr/>
-        </p:nvGrpSpPr>
-        <p:grpSpPr>
-          <a:xfrm>
-            <a:off x="4545478" y="2002062"/>
-            <a:ext cx="7177191" cy="971711"/>
-            <a:chOff x="4777498" y="1402948"/>
-            <a:chExt cx="7177191" cy="971711"/>
-          </a:xfrm>
-        </p:grpSpPr>
-        <p:pic>
-          <p:nvPicPr>
-            <p:cNvPr id="31" name="Picture 6" descr="99,600+ Graduation Cap Stock Photos, Pictures &amp; Royalty-Free ...">
-              <a:extLst>
-                <a:ext uri="{FF2B5EF4-FFF2-40B4-BE49-F238E27FC236}">
-                  <a16:creationId xmlns:a16="http://schemas.microsoft.com/office/drawing/2014/main" id="{B732E4EF-EFF3-ED59-6BB8-BC2BBCEF22A1}"/>
-                </a:ext>
-              </a:extLst>
-            </p:cNvPr>
-            <p:cNvPicPr>
-              <a:picLocks noChangeAspect="1" noChangeArrowheads="1"/>
-            </p:cNvPicPr>
-            <p:nvPr/>
-          </p:nvPicPr>
-          <p:blipFill>
-            <a:blip r:embed="rId9">
-              <a:extLst>
-                <a:ext uri="{BEBA8EAE-BF5A-486C-A8C5-ECC9F3942E4B}">
-                  <a14:imgProps xmlns:a14="http://schemas.microsoft.com/office/drawing/2010/main">
-                    <a14:imgLayer r:embed="rId10">
-                      <a14:imgEffect>
-                        <a14:backgroundRemoval t="10000" b="90000" l="10000" r="90000">
-                          <a14:foregroundMark x1="34967" y1="53431" x2="34967" y2="53431"/>
-                        </a14:backgroundRemoval>
-                      </a14:imgEffect>
-                    </a14:imgLayer>
-                  </a14:imgProps>
-                </a:ext>
-                <a:ext uri="{28A0092B-C50C-407E-A947-70E740481C1C}">
-                  <a14:useLocalDpi xmlns:a14="http://schemas.microsoft.com/office/drawing/2010/main" val="0"/>
-                </a:ext>
-              </a:extLst>
-            </a:blip>
-            <a:srcRect/>
-            <a:stretch>
-              <a:fillRect/>
-            </a:stretch>
-          </p:blipFill>
-          <p:spPr bwMode="auto">
-            <a:xfrm>
-              <a:off x="4777498" y="1402948"/>
-              <a:ext cx="971711" cy="971711"/>
-            </a:xfrm>
-            <a:prstGeom prst="rect">
-              <a:avLst/>
-            </a:prstGeom>
-            <a:noFill/>
-            <a:extLst>
-              <a:ext uri="{909E8E84-426E-40DD-AFC4-6F175D3DCCD1}">
-                <a14:hiddenFill xmlns:a14="http://schemas.microsoft.com/office/drawing/2010/main">
-                  <a:solidFill>
-                    <a:srgbClr val="FFFFFF"/>
-                  </a:solidFill>
-                </a14:hiddenFill>
-              </a:ext>
-            </a:extLst>
-          </p:spPr>
-        </p:pic>
-        <p:sp>
-          <p:nvSpPr>
-            <p:cNvPr id="37" name="TextBox 36">
-              <a:extLst>
-                <a:ext uri="{FF2B5EF4-FFF2-40B4-BE49-F238E27FC236}">
-                  <a16:creationId xmlns:a16="http://schemas.microsoft.com/office/drawing/2014/main" id="{3C2953EA-9167-9B7E-79F3-9582E484792D}"/>
-                </a:ext>
-              </a:extLst>
-            </p:cNvPr>
-            <p:cNvSpPr txBox="1"/>
-            <p:nvPr/>
-          </p:nvSpPr>
-          <p:spPr>
-            <a:xfrm>
-              <a:off x="5624647" y="1456896"/>
-              <a:ext cx="6330042" cy="830997"/>
-            </a:xfrm>
-            <a:prstGeom prst="rect">
-              <a:avLst/>
-            </a:prstGeom>
-            <a:noFill/>
-          </p:spPr>
-          <p:txBody>
-            <a:bodyPr wrap="square">
-              <a:spAutoFit/>
-            </a:bodyPr>
-            <a:lstStyle/>
-            <a:p>
-              <a:r>
-                <a:rPr lang="en-US" sz="2400" dirty="0"/>
-                <a:t>Trainer</a:t>
-              </a:r>
-            </a:p>
-            <a:p>
-              <a:r>
-                <a:rPr lang="en-US" sz="2400" dirty="0"/>
-                <a:t>Speaker at PowerShell UG BG</a:t>
-              </a:r>
-            </a:p>
-          </p:txBody>
-        </p:sp>
-      </p:grpSp>
-      <p:sp>
-        <p:nvSpPr>
-          <p:cNvPr id="43" name="Freihandform: Form 9">
-            <a:extLst>
-              <a:ext uri="{FF2B5EF4-FFF2-40B4-BE49-F238E27FC236}">
-                <a16:creationId xmlns:a16="http://schemas.microsoft.com/office/drawing/2014/main" id="{BF0618FB-895B-FFC7-9F80-A53CA0C2D3B4}"/>
-              </a:ext>
-            </a:extLst>
-          </p:cNvPr>
-          <p:cNvSpPr/>
-          <p:nvPr/>
-        </p:nvSpPr>
-        <p:spPr>
-          <a:xfrm>
-            <a:off x="-1" y="0"/>
-            <a:ext cx="4645941" cy="6857990"/>
-          </a:xfrm>
-          <a:custGeom>
-            <a:avLst/>
-            <a:gdLst>
-              <a:gd name="connsiteX0" fmla="*/ 1216946 w 4645941"/>
-              <a:gd name="connsiteY0" fmla="*/ 0 h 6857990"/>
-              <a:gd name="connsiteX1" fmla="*/ 4645941 w 4645941"/>
-              <a:gd name="connsiteY1" fmla="*/ 3428995 h 6857990"/>
-              <a:gd name="connsiteX2" fmla="*/ 1216946 w 4645941"/>
-              <a:gd name="connsiteY2" fmla="*/ 6857990 h 6857990"/>
-              <a:gd name="connsiteX3" fmla="*/ 37943 w 4645941"/>
-              <a:gd name="connsiteY3" fmla="*/ 6649920 h 6857990"/>
-              <a:gd name="connsiteX4" fmla="*/ 0 w 4645941"/>
-              <a:gd name="connsiteY4" fmla="*/ 6634960 h 6857990"/>
-              <a:gd name="connsiteX5" fmla="*/ 0 w 4645941"/>
-              <a:gd name="connsiteY5" fmla="*/ 223031 h 6857990"/>
-              <a:gd name="connsiteX6" fmla="*/ 37943 w 4645941"/>
-              <a:gd name="connsiteY6" fmla="*/ 208071 h 6857990"/>
-              <a:gd name="connsiteX7" fmla="*/ 1216946 w 4645941"/>
-              <a:gd name="connsiteY7" fmla="*/ 0 h 6857990"/>
-            </a:gdLst>
-            <a:ahLst/>
-            <a:cxnLst>
-              <a:cxn ang="0">
-                <a:pos x="connsiteX0" y="connsiteY0"/>
-              </a:cxn>
-              <a:cxn ang="0">
-                <a:pos x="connsiteX1" y="connsiteY1"/>
-              </a:cxn>
-              <a:cxn ang="0">
-                <a:pos x="connsiteX2" y="connsiteY2"/>
-              </a:cxn>
-              <a:cxn ang="0">
-                <a:pos x="connsiteX3" y="connsiteY3"/>
-              </a:cxn>
-              <a:cxn ang="0">
-                <a:pos x="connsiteX4" y="connsiteY4"/>
-              </a:cxn>
-              <a:cxn ang="0">
-                <a:pos x="connsiteX5" y="connsiteY5"/>
-              </a:cxn>
-              <a:cxn ang="0">
-                <a:pos x="connsiteX6" y="connsiteY6"/>
-              </a:cxn>
-              <a:cxn ang="0">
-                <a:pos x="connsiteX7" y="connsiteY7"/>
-              </a:cxn>
-            </a:cxnLst>
-            <a:rect l="l" t="t" r="r" b="b"/>
-            <a:pathLst>
-              <a:path w="4645941" h="6857990">
-                <a:moveTo>
-                  <a:pt x="1216946" y="0"/>
-                </a:moveTo>
-                <a:cubicBezTo>
-                  <a:pt x="3110728" y="0"/>
-                  <a:pt x="4645941" y="1535213"/>
-                  <a:pt x="4645941" y="3428995"/>
-                </a:cubicBezTo>
-                <a:cubicBezTo>
-                  <a:pt x="4645941" y="5322777"/>
-                  <a:pt x="3110728" y="6857990"/>
-                  <a:pt x="1216946" y="6857990"/>
-                </a:cubicBezTo>
-                <a:cubicBezTo>
-                  <a:pt x="802681" y="6857990"/>
-                  <a:pt x="405575" y="6784528"/>
-                  <a:pt x="37943" y="6649920"/>
-                </a:cubicBezTo>
-                <a:lnTo>
-                  <a:pt x="0" y="6634960"/>
-                </a:lnTo>
-                <a:lnTo>
-                  <a:pt x="0" y="223031"/>
-                </a:lnTo>
-                <a:lnTo>
-                  <a:pt x="37943" y="208071"/>
-                </a:lnTo>
-                <a:cubicBezTo>
-                  <a:pt x="405575" y="73462"/>
-                  <a:pt x="802681" y="0"/>
-                  <a:pt x="1216946" y="0"/>
-                </a:cubicBezTo>
-                <a:close/>
-              </a:path>
-            </a:pathLst>
-          </a:custGeom>
-          <a:solidFill>
-            <a:srgbClr val="0277BD"/>
-          </a:solidFill>
-          <a:ln>
-            <a:noFill/>
-          </a:ln>
-          <a:effectLst>
-            <a:innerShdw blurRad="317500" dist="101600" dir="13500000">
-              <a:prstClr val="black">
-                <a:alpha val="56000"/>
-              </a:prstClr>
-            </a:innerShdw>
-          </a:effectLst>
-        </p:spPr>
-        <p:style>
-          <a:lnRef idx="2">
-            <a:schemeClr val="accent1">
-              <a:shade val="15000"/>
-            </a:schemeClr>
-          </a:lnRef>
-          <a:fillRef idx="1">
-            <a:schemeClr val="accent1"/>
-          </a:fillRef>
-          <a:effectRef idx="0">
-            <a:schemeClr val="accent1"/>
-          </a:effectRef>
-          <a:fontRef idx="minor">
-            <a:schemeClr val="lt1"/>
-          </a:fontRef>
-        </p:style>
-        <p:txBody>
-          <a:bodyPr wrap="square" rtlCol="0" anchor="ctr">
-            <a:noAutofit/>
-          </a:bodyPr>
-          <a:lstStyle/>
-          <a:p>
-            <a:pPr>
-              <a:lnSpc>
-                <a:spcPct val="100000"/>
-              </a:lnSpc>
-            </a:pPr>
-            <a:r>
-              <a:rPr lang="en-US" sz="1800" b="1">
-                <a:solidFill>
-                  <a:srgbClr val="14385B"/>
-                </a:solidFill>
-                <a:latin typeface="CaskaydiaCove NF" panose="02000009000000000000" pitchFamily="50" charset="0"/>
-                <a:ea typeface="CaskaydiaCove NF" panose="02000009000000000000" pitchFamily="50" charset="0"/>
-                <a:cs typeface="CaskaydiaCove NF" panose="02000009000000000000" pitchFamily="50" charset="0"/>
-              </a:rPr>
-              <a:t>30. November 2024</a:t>
-            </a:r>
-            <a:endParaRPr lang="en-US" sz="1800" b="1" dirty="0">
-              <a:solidFill>
-                <a:srgbClr val="14385B"/>
-              </a:solidFill>
-              <a:latin typeface="CaskaydiaCove NF" panose="02000009000000000000" pitchFamily="50" charset="0"/>
-              <a:ea typeface="CaskaydiaCove NF" panose="02000009000000000000" pitchFamily="50" charset="0"/>
-              <a:cs typeface="CaskaydiaCove NF" panose="02000009000000000000" pitchFamily="50" charset="0"/>
-            </a:endParaRPr>
-          </a:p>
-        </p:txBody>
-      </p:sp>
-      <p:pic>
-        <p:nvPicPr>
-          <p:cNvPr id="44" name="Grafik 12">
-            <a:extLst>
-              <a:ext uri="{FF2B5EF4-FFF2-40B4-BE49-F238E27FC236}">
-                <a16:creationId xmlns:a16="http://schemas.microsoft.com/office/drawing/2014/main" id="{9062DBE6-876E-A99B-B537-0EA6F672B7CB}"/>
-              </a:ext>
-            </a:extLst>
-          </p:cNvPr>
-          <p:cNvPicPr>
-            <a:picLocks noChangeAspect="1"/>
-          </p:cNvPicPr>
-          <p:nvPr/>
-        </p:nvPicPr>
-        <p:blipFill>
-          <a:blip r:embed="rId11">
-            <a:extLst>
-              <a:ext uri="{28A0092B-C50C-407E-A947-70E740481C1C}">
-                <a14:useLocalDpi xmlns:a14="http://schemas.microsoft.com/office/drawing/2010/main" val="0"/>
-              </a:ext>
-            </a:extLst>
-          </a:blip>
-          <a:srcRect l="12510" r="12510"/>
-          <a:stretch/>
-        </p:blipFill>
-        <p:spPr>
-          <a:xfrm>
-            <a:off x="0" y="1435296"/>
-            <a:ext cx="3222436" cy="4114796"/>
-          </a:xfrm>
-          <a:custGeom>
-            <a:avLst/>
-            <a:gdLst>
-              <a:gd name="connsiteX0" fmla="*/ 1165038 w 3222436"/>
-              <a:gd name="connsiteY0" fmla="*/ 0 h 4114796"/>
-              <a:gd name="connsiteX1" fmla="*/ 3222436 w 3222436"/>
-              <a:gd name="connsiteY1" fmla="*/ 2057398 h 4114796"/>
-              <a:gd name="connsiteX2" fmla="*/ 1165038 w 3222436"/>
-              <a:gd name="connsiteY2" fmla="*/ 4114796 h 4114796"/>
-              <a:gd name="connsiteX3" fmla="*/ 14727 w 3222436"/>
-              <a:gd name="connsiteY3" fmla="*/ 3763425 h 4114796"/>
-              <a:gd name="connsiteX4" fmla="*/ 0 w 3222436"/>
-              <a:gd name="connsiteY4" fmla="*/ 3752412 h 4114796"/>
-              <a:gd name="connsiteX5" fmla="*/ 0 w 3222436"/>
-              <a:gd name="connsiteY5" fmla="*/ 362384 h 4114796"/>
-              <a:gd name="connsiteX6" fmla="*/ 14727 w 3222436"/>
-              <a:gd name="connsiteY6" fmla="*/ 351371 h 4114796"/>
-              <a:gd name="connsiteX7" fmla="*/ 1165038 w 3222436"/>
-              <a:gd name="connsiteY7" fmla="*/ 0 h 4114796"/>
-            </a:gdLst>
-            <a:ahLst/>
-            <a:cxnLst>
-              <a:cxn ang="0">
-                <a:pos x="connsiteX0" y="connsiteY0"/>
-              </a:cxn>
-              <a:cxn ang="0">
-                <a:pos x="connsiteX1" y="connsiteY1"/>
-              </a:cxn>
-              <a:cxn ang="0">
-                <a:pos x="connsiteX2" y="connsiteY2"/>
-              </a:cxn>
-              <a:cxn ang="0">
-                <a:pos x="connsiteX3" y="connsiteY3"/>
-              </a:cxn>
-              <a:cxn ang="0">
-                <a:pos x="connsiteX4" y="connsiteY4"/>
-              </a:cxn>
-              <a:cxn ang="0">
-                <a:pos x="connsiteX5" y="connsiteY5"/>
-              </a:cxn>
-              <a:cxn ang="0">
-                <a:pos x="connsiteX6" y="connsiteY6"/>
-              </a:cxn>
-              <a:cxn ang="0">
-                <a:pos x="connsiteX7" y="connsiteY7"/>
-              </a:cxn>
-            </a:cxnLst>
-            <a:rect l="l" t="t" r="r" b="b"/>
-            <a:pathLst>
-              <a:path w="3222436" h="4114796">
-                <a:moveTo>
-                  <a:pt x="1165038" y="0"/>
-                </a:moveTo>
-                <a:cubicBezTo>
-                  <a:pt x="2301308" y="0"/>
-                  <a:pt x="3222436" y="921128"/>
-                  <a:pt x="3222436" y="2057398"/>
-                </a:cubicBezTo>
-                <a:cubicBezTo>
-                  <a:pt x="3222436" y="3193668"/>
-                  <a:pt x="2301308" y="4114796"/>
-                  <a:pt x="1165038" y="4114796"/>
-                </a:cubicBezTo>
-                <a:cubicBezTo>
-                  <a:pt x="738937" y="4114796"/>
-                  <a:pt x="343090" y="3985263"/>
-                  <a:pt x="14727" y="3763425"/>
-                </a:cubicBezTo>
-                <a:lnTo>
-                  <a:pt x="0" y="3752412"/>
-                </a:lnTo>
-                <a:lnTo>
-                  <a:pt x="0" y="362384"/>
-                </a:lnTo>
-                <a:lnTo>
-                  <a:pt x="14727" y="351371"/>
-                </a:lnTo>
-                <a:cubicBezTo>
-                  <a:pt x="343090" y="129534"/>
-                  <a:pt x="738937" y="0"/>
-                  <a:pt x="1165038" y="0"/>
-                </a:cubicBezTo>
-                <a:close/>
-              </a:path>
-            </a:pathLst>
-          </a:custGeom>
-          <a:effectLst>
-            <a:innerShdw blurRad="317500" dist="101600" dir="13500000">
-              <a:prstClr val="black">
-                <a:alpha val="56000"/>
-              </a:prstClr>
-            </a:innerShdw>
-          </a:effectLst>
-        </p:spPr>
-      </p:pic>
-    </p:spTree>
-    <p:extLst>
-      <p:ext uri="{BB962C8B-B14F-4D97-AF65-F5344CB8AC3E}">
-        <p14:creationId xmlns:p14="http://schemas.microsoft.com/office/powerpoint/2010/main" val="1608874287"/>
-      </p:ext>
-    </p:extLst>
-  </p:cSld>
-  <p:clrMapOvr>
-    <a:masterClrMapping/>
-  </p:clrMapOvr>
-</p:sld>
-</file>
-
-<file path=ppt/slides/slide4.xml><?xml version="1.0" encoding="utf-8"?>
-<p:sld xmlns:a="http://schemas.openxmlformats.org/drawingml/2006/main" xmlns:r="http://schemas.openxmlformats.org/officeDocument/2006/relationships" xmlns:p="http://schemas.openxmlformats.org/presentationml/2006/main">
-  <p:cSld>
-    <p:spTree>
-      <p:nvGrpSpPr>
-        <p:cNvPr id="1" name=""/>
-        <p:cNvGrpSpPr/>
-        <p:nvPr/>
-      </p:nvGrpSpPr>
-      <p:grpSpPr>
-        <a:xfrm>
-          <a:off x="0" y="0"/>
-          <a:ext cx="0" cy="0"/>
-          <a:chOff x="0" y="0"/>
-          <a:chExt cx="0" cy="0"/>
-        </a:xfrm>
-      </p:grpSpPr>
-      <p:grpSp>
-        <p:nvGrpSpPr>
-          <p:cNvPr id="8" name="Group 7">
-            <a:extLst>
-              <a:ext uri="{FF2B5EF4-FFF2-40B4-BE49-F238E27FC236}">
-                <a16:creationId xmlns:a16="http://schemas.microsoft.com/office/drawing/2014/main" id="{D3AD12B6-36B4-2539-79A1-7E554473ABB8}"/>
-              </a:ext>
-            </a:extLst>
-          </p:cNvPr>
-          <p:cNvGrpSpPr/>
-          <p:nvPr/>
-        </p:nvGrpSpPr>
-        <p:grpSpPr>
-          <a:xfrm>
-            <a:off x="0" y="0"/>
-            <a:ext cx="12193606" cy="6902244"/>
-            <a:chOff x="0" y="0"/>
-            <a:chExt cx="12193606" cy="6902244"/>
-          </a:xfrm>
-        </p:grpSpPr>
-        <p:pic>
-          <p:nvPicPr>
-            <p:cNvPr id="4" name="Picture 3" descr="A blue background with light blue lines&#10;&#10;Description automatically generated">
-              <a:extLst>
-                <a:ext uri="{FF2B5EF4-FFF2-40B4-BE49-F238E27FC236}">
-                  <a16:creationId xmlns:a16="http://schemas.microsoft.com/office/drawing/2014/main" id="{EA4BAED5-F1D9-08C2-8DC0-82AA2ADCB5CC}"/>
-                </a:ext>
-              </a:extLst>
-            </p:cNvPr>
-            <p:cNvPicPr>
-              <a:picLocks noChangeAspect="1"/>
-            </p:cNvPicPr>
-            <p:nvPr/>
-          </p:nvPicPr>
-          <p:blipFill>
-            <a:blip r:embed="rId2">
-              <a:extLst>
-                <a:ext uri="{28A0092B-C50C-407E-A947-70E740481C1C}">
-                  <a14:useLocalDpi xmlns:a14="http://schemas.microsoft.com/office/drawing/2010/main" val="0"/>
-                </a:ext>
-              </a:extLst>
-            </a:blip>
-            <a:stretch>
-              <a:fillRect/>
-            </a:stretch>
-          </p:blipFill>
-          <p:spPr>
-            <a:xfrm>
-              <a:off x="0" y="0"/>
-              <a:ext cx="12192000" cy="6858000"/>
-            </a:xfrm>
-            <a:prstGeom prst="rect">
-              <a:avLst/>
-            </a:prstGeom>
-          </p:spPr>
-        </p:pic>
-        <p:pic>
-          <p:nvPicPr>
-            <p:cNvPr id="5" name="Picture 4" descr="A blue and white tree&#10;&#10;Description automatically generated">
-              <a:extLst>
-                <a:ext uri="{FF2B5EF4-FFF2-40B4-BE49-F238E27FC236}">
-                  <a16:creationId xmlns:a16="http://schemas.microsoft.com/office/drawing/2014/main" id="{E8826AAC-B3B9-5AEC-7A96-B710A024D0F3}"/>
-                </a:ext>
-              </a:extLst>
-            </p:cNvPr>
-            <p:cNvPicPr>
-              <a:picLocks noChangeAspect="1"/>
-            </p:cNvPicPr>
-            <p:nvPr/>
-          </p:nvPicPr>
-          <p:blipFill>
-            <a:blip r:embed="rId3">
-              <a:alphaModFix amt="85000"/>
-              <a:extLst>
-                <a:ext uri="{28A0092B-C50C-407E-A947-70E740481C1C}">
-                  <a14:useLocalDpi xmlns:a14="http://schemas.microsoft.com/office/drawing/2010/main" val="0"/>
-                </a:ext>
-              </a:extLst>
-            </a:blip>
-            <a:stretch>
-              <a:fillRect/>
-            </a:stretch>
-          </p:blipFill>
-          <p:spPr>
-            <a:xfrm>
-              <a:off x="0" y="5094252"/>
-              <a:ext cx="1583140" cy="1807992"/>
-            </a:xfrm>
-            <a:prstGeom prst="rect">
-              <a:avLst/>
-            </a:prstGeom>
-          </p:spPr>
-        </p:pic>
-        <p:pic>
-          <p:nvPicPr>
-            <p:cNvPr id="6" name="Picture 5" descr="A white paper with a black background&#10;&#10;Description automatically generated">
-              <a:extLst>
-                <a:ext uri="{FF2B5EF4-FFF2-40B4-BE49-F238E27FC236}">
-                  <a16:creationId xmlns:a16="http://schemas.microsoft.com/office/drawing/2014/main" id="{8A4B09CE-44B9-15D7-E555-425940C3BC93}"/>
-                </a:ext>
-              </a:extLst>
-            </p:cNvPr>
-            <p:cNvPicPr>
-              <a:picLocks noChangeAspect="1"/>
-            </p:cNvPicPr>
-            <p:nvPr/>
-          </p:nvPicPr>
-          <p:blipFill>
-            <a:blip r:embed="rId4">
-              <a:alphaModFix amt="85000"/>
-              <a:extLst>
-                <a:ext uri="{28A0092B-C50C-407E-A947-70E740481C1C}">
-                  <a14:useLocalDpi xmlns:a14="http://schemas.microsoft.com/office/drawing/2010/main" val="0"/>
-                </a:ext>
-              </a:extLst>
-            </a:blip>
-            <a:stretch>
-              <a:fillRect/>
-            </a:stretch>
-          </p:blipFill>
-          <p:spPr>
-            <a:xfrm>
-              <a:off x="7650910" y="5740966"/>
-              <a:ext cx="4541090" cy="1139156"/>
-            </a:xfrm>
-            <a:prstGeom prst="rect">
-              <a:avLst/>
-            </a:prstGeom>
-          </p:spPr>
-        </p:pic>
-        <p:sp>
-          <p:nvSpPr>
-            <p:cNvPr id="7" name="TextBox 6">
-              <a:extLst>
-                <a:ext uri="{FF2B5EF4-FFF2-40B4-BE49-F238E27FC236}">
-                  <a16:creationId xmlns:a16="http://schemas.microsoft.com/office/drawing/2014/main" id="{70B4D598-2189-7F0F-C758-5A77CFCCD682}"/>
-                </a:ext>
-              </a:extLst>
-            </p:cNvPr>
-            <p:cNvSpPr txBox="1"/>
-            <p:nvPr/>
-          </p:nvSpPr>
-          <p:spPr>
-            <a:xfrm>
-              <a:off x="10421133" y="6378157"/>
-              <a:ext cx="1772473" cy="523220"/>
-            </a:xfrm>
-            <a:prstGeom prst="rect">
-              <a:avLst/>
-            </a:prstGeom>
-            <a:noFill/>
-          </p:spPr>
-          <p:txBody>
-            <a:bodyPr wrap="none" lIns="91440" tIns="45720" rIns="91440" bIns="45720" rtlCol="0" anchor="t">
-              <a:spAutoFit/>
-            </a:bodyPr>
-            <a:lstStyle/>
-            <a:p>
-              <a:r>
-                <a:rPr lang="en-US" sz="2800" dirty="0">
-                  <a:solidFill>
-                    <a:schemeClr val="tx1">
-                      <a:lumMod val="65000"/>
-                      <a:lumOff val="35000"/>
-                    </a:schemeClr>
-                  </a:solidFill>
-                </a:rPr>
-                <a:t>#PSSATKA</a:t>
-              </a:r>
-            </a:p>
-          </p:txBody>
-        </p:sp>
-      </p:grpSp>
-      <p:sp>
-        <p:nvSpPr>
-          <p:cNvPr id="2" name="Title 1">
-            <a:extLst>
-              <a:ext uri="{FF2B5EF4-FFF2-40B4-BE49-F238E27FC236}">
-                <a16:creationId xmlns:a16="http://schemas.microsoft.com/office/drawing/2014/main" id="{74F23C85-F3E2-3194-0242-BB901D8FEE62}"/>
-              </a:ext>
-            </a:extLst>
-          </p:cNvPr>
-          <p:cNvSpPr>
-            <a:spLocks noGrp="1"/>
-          </p:cNvSpPr>
-          <p:nvPr>
-            <p:ph type="title"/>
-          </p:nvPr>
-        </p:nvSpPr>
-        <p:spPr/>
-        <p:txBody>
-          <a:bodyPr/>
-          <a:lstStyle/>
-          <a:p>
-            <a:r>
-              <a:rPr lang="en-GB" dirty="0">
-                <a:latin typeface="CaskaydiaCove NF" panose="02000009000000000000" pitchFamily="50" charset="0"/>
-                <a:ea typeface="CaskaydiaCove NF" panose="02000009000000000000" pitchFamily="50" charset="0"/>
-                <a:cs typeface="CaskaydiaCove NF" panose="02000009000000000000" pitchFamily="50" charset="0"/>
-              </a:rPr>
-              <a:t>Agenda</a:t>
-            </a:r>
-            <a:endParaRPr lang="LID4096" dirty="0">
-              <a:latin typeface="CaskaydiaCove NF" panose="02000009000000000000" pitchFamily="50" charset="0"/>
-              <a:ea typeface="CaskaydiaCove NF" panose="02000009000000000000" pitchFamily="50" charset="0"/>
-              <a:cs typeface="CaskaydiaCove NF" panose="02000009000000000000" pitchFamily="50" charset="0"/>
-            </a:endParaRPr>
-          </a:p>
-        </p:txBody>
-      </p:sp>
-      <p:sp>
-        <p:nvSpPr>
-          <p:cNvPr id="3" name="Content Placeholder 2">
-            <a:extLst>
-              <a:ext uri="{FF2B5EF4-FFF2-40B4-BE49-F238E27FC236}">
-                <a16:creationId xmlns:a16="http://schemas.microsoft.com/office/drawing/2014/main" id="{6DA3ADBA-E450-EF97-FB78-71D3DE8B19A5}"/>
-              </a:ext>
-            </a:extLst>
-          </p:cNvPr>
-          <p:cNvSpPr>
-            <a:spLocks noGrp="1"/>
-          </p:cNvSpPr>
-          <p:nvPr>
-            <p:ph idx="1"/>
-          </p:nvPr>
-        </p:nvSpPr>
-        <p:spPr>
-          <a:xfrm>
-            <a:off x="838200" y="1825625"/>
-            <a:ext cx="10515600" cy="4351338"/>
-          </a:xfrm>
-        </p:spPr>
-        <p:txBody>
-          <a:bodyPr/>
-          <a:lstStyle/>
-          <a:p>
-            <a:r>
-              <a:rPr lang="en-GB" dirty="0">
-                <a:latin typeface="CaskaydiaCove NF" panose="02000009000000000000" pitchFamily="50" charset="0"/>
-                <a:ea typeface="CaskaydiaCove NF" panose="02000009000000000000" pitchFamily="50" charset="0"/>
-                <a:cs typeface="CaskaydiaCove NF" panose="02000009000000000000" pitchFamily="50" charset="0"/>
-              </a:rPr>
               <a:t>My use case</a:t>
             </a:r>
           </a:p>
@@ -7343,7 +7396,26 @@
                 <a:ea typeface="CaskaydiaCove NF" panose="02000009000000000000" pitchFamily="50" charset="0"/>
                 <a:cs typeface="CaskaydiaCove NF" panose="02000009000000000000" pitchFamily="50" charset="0"/>
               </a:rPr>
-              <a:t> overview</a:t>
+              <a:t> overview [</a:t>
+            </a:r>
+            <a:r>
+              <a:rPr lang="en-GB" dirty="0">
+                <a:solidFill>
+                  <a:srgbClr val="C00000"/>
+                </a:solidFill>
+                <a:latin typeface="CaskaydiaCove NF" panose="02000009000000000000" pitchFamily="50" charset="0"/>
+                <a:ea typeface="CaskaydiaCove NF" panose="02000009000000000000" pitchFamily="50" charset="0"/>
+                <a:cs typeface="CaskaydiaCove NF" panose="02000009000000000000" pitchFamily="50" charset="0"/>
+              </a:rPr>
+              <a:t>with demo</a:t>
+            </a:r>
+            <a:r>
+              <a:rPr lang="en-GB" dirty="0">
+                <a:latin typeface="CaskaydiaCove NF" panose="02000009000000000000" pitchFamily="50" charset="0"/>
+                <a:ea typeface="CaskaydiaCove NF" panose="02000009000000000000" pitchFamily="50" charset="0"/>
+                <a:cs typeface="CaskaydiaCove NF" panose="02000009000000000000" pitchFamily="50" charset="0"/>
+              </a:rPr>
+              <a:t>]</a:t>
             </a:r>
           </a:p>
           <a:p>
@@ -7448,7 +7520,26 @@
                 <a:ea typeface="CaskaydiaCove NF" panose="02000009000000000000" pitchFamily="50" charset="0"/>
                 <a:cs typeface="CaskaydiaCove NF" panose="02000009000000000000" pitchFamily="50" charset="0"/>
               </a:rPr>
-              <a:t>Best practices</a:t>
+              <a:t>Example PS Rule module [</a:t>
+            </a:r>
+            <a:r>
+              <a:rPr lang="en-US" dirty="0">
+                <a:solidFill>
+                  <a:srgbClr val="C00000"/>
+                </a:solidFill>
+                <a:latin typeface="CaskaydiaCove NF" panose="02000009000000000000" pitchFamily="50" charset="0"/>
+                <a:ea typeface="CaskaydiaCove NF" panose="02000009000000000000" pitchFamily="50" charset="0"/>
+                <a:cs typeface="CaskaydiaCove NF" panose="02000009000000000000" pitchFamily="50" charset="0"/>
+              </a:rPr>
+              <a:t>with demo</a:t>
+            </a:r>
+            <a:r>
+              <a:rPr lang="en-US" dirty="0">
+                <a:latin typeface="CaskaydiaCove NF" panose="02000009000000000000" pitchFamily="50" charset="0"/>
+                <a:ea typeface="CaskaydiaCove NF" panose="02000009000000000000" pitchFamily="50" charset="0"/>
+                <a:cs typeface="CaskaydiaCove NF" panose="02000009000000000000" pitchFamily="50" charset="0"/>
+              </a:rPr>
+              <a:t>]</a:t>
             </a:r>
             <a:endParaRPr lang="en-GB" dirty="0">
               <a:latin typeface="CaskaydiaCove NF" panose="02000009000000000000" pitchFamily="50" charset="0"/>
